--- a/JSP PPT/第10章 应用JavaBean技术.pptx
+++ b/JSP PPT/第10章 应用JavaBean技术.pptx
@@ -19,12 +19,10 @@
     <p:sldId id="291" r:id="rId13"/>
     <p:sldId id="298" r:id="rId14"/>
     <p:sldId id="292" r:id="rId15"/>
-    <p:sldId id="274" r:id="rId16"/>
-    <p:sldId id="293" r:id="rId17"/>
-    <p:sldId id="295" r:id="rId18"/>
-    <p:sldId id="275" r:id="rId19"/>
-    <p:sldId id="296" r:id="rId20"/>
-    <p:sldId id="288" r:id="rId21"/>
+    <p:sldId id="336" r:id="rId16"/>
+    <p:sldId id="337" r:id="rId17"/>
+    <p:sldId id="338" r:id="rId18"/>
+    <p:sldId id="288" r:id="rId19"/>
   </p:sldIdLst>
   <p:sldSz cx="9144000" cy="5143500" type="screen16x9"/>
   <p:notesSz cx="6858000" cy="9144000"/>
@@ -1637,6 +1635,1500 @@
 </file>
 
 <file path=ppt/diagrams/colors3.xml><?xml version="1.0" encoding="utf-8"?>
+<dgm:colorsDef xmlns:dgm="http://schemas.openxmlformats.org/drawingml/2006/diagram" xmlns:a="http://schemas.openxmlformats.org/drawingml/2006/main" uniqueId="urn:microsoft.com/office/officeart/2005/8/colors/accent1_2">
+  <dgm:title val=""/>
+  <dgm:desc val=""/>
+  <dgm:catLst>
+    <dgm:cat type="accent1" pri="11200"/>
+  </dgm:catLst>
+  <dgm:styleLbl name="node0">
+    <dgm:fillClrLst meth="repeat">
+      <a:schemeClr val="accent1"/>
+    </dgm:fillClrLst>
+    <dgm:linClrLst meth="repeat">
+      <a:schemeClr val="lt1"/>
+    </dgm:linClrLst>
+    <dgm:effectClrLst/>
+    <dgm:txLinClrLst/>
+    <dgm:txFillClrLst/>
+    <dgm:txEffectClrLst/>
+  </dgm:styleLbl>
+  <dgm:styleLbl name="alignNode1">
+    <dgm:fillClrLst meth="repeat">
+      <a:schemeClr val="accent1"/>
+    </dgm:fillClrLst>
+    <dgm:linClrLst meth="repeat">
+      <a:schemeClr val="accent1"/>
+    </dgm:linClrLst>
+    <dgm:effectClrLst/>
+    <dgm:txLinClrLst/>
+    <dgm:txFillClrLst/>
+    <dgm:txEffectClrLst/>
+  </dgm:styleLbl>
+  <dgm:styleLbl name="node1">
+    <dgm:fillClrLst meth="repeat">
+      <a:schemeClr val="accent1"/>
+    </dgm:fillClrLst>
+    <dgm:linClrLst meth="repeat">
+      <a:schemeClr val="lt1"/>
+    </dgm:linClrLst>
+    <dgm:effectClrLst/>
+    <dgm:txLinClrLst/>
+    <dgm:txFillClrLst/>
+    <dgm:txEffectClrLst/>
+  </dgm:styleLbl>
+  <dgm:styleLbl name="lnNode1">
+    <dgm:fillClrLst meth="repeat">
+      <a:schemeClr val="accent1"/>
+    </dgm:fillClrLst>
+    <dgm:linClrLst meth="repeat">
+      <a:schemeClr val="lt1"/>
+    </dgm:linClrLst>
+    <dgm:effectClrLst/>
+    <dgm:txLinClrLst/>
+    <dgm:txFillClrLst/>
+    <dgm:txEffectClrLst/>
+  </dgm:styleLbl>
+  <dgm:styleLbl name="vennNode1">
+    <dgm:fillClrLst meth="repeat">
+      <a:schemeClr val="accent1">
+        <a:alpha val="50000"/>
+      </a:schemeClr>
+    </dgm:fillClrLst>
+    <dgm:linClrLst meth="repeat">
+      <a:schemeClr val="lt1"/>
+    </dgm:linClrLst>
+    <dgm:effectClrLst/>
+    <dgm:txLinClrLst/>
+    <dgm:txFillClrLst/>
+    <dgm:txEffectClrLst/>
+  </dgm:styleLbl>
+  <dgm:styleLbl name="node2">
+    <dgm:fillClrLst meth="repeat">
+      <a:schemeClr val="accent1"/>
+    </dgm:fillClrLst>
+    <dgm:linClrLst meth="repeat">
+      <a:schemeClr val="lt1"/>
+    </dgm:linClrLst>
+    <dgm:effectClrLst/>
+    <dgm:txLinClrLst/>
+    <dgm:txFillClrLst/>
+    <dgm:txEffectClrLst/>
+  </dgm:styleLbl>
+  <dgm:styleLbl name="node3">
+    <dgm:fillClrLst meth="repeat">
+      <a:schemeClr val="accent1"/>
+    </dgm:fillClrLst>
+    <dgm:linClrLst meth="repeat">
+      <a:schemeClr val="lt1"/>
+    </dgm:linClrLst>
+    <dgm:effectClrLst/>
+    <dgm:txLinClrLst/>
+    <dgm:txFillClrLst/>
+    <dgm:txEffectClrLst/>
+  </dgm:styleLbl>
+  <dgm:styleLbl name="node4">
+    <dgm:fillClrLst meth="repeat">
+      <a:schemeClr val="accent1"/>
+    </dgm:fillClrLst>
+    <dgm:linClrLst meth="repeat">
+      <a:schemeClr val="lt1"/>
+    </dgm:linClrLst>
+    <dgm:effectClrLst/>
+    <dgm:txLinClrLst/>
+    <dgm:txFillClrLst/>
+    <dgm:txEffectClrLst/>
+  </dgm:styleLbl>
+  <dgm:styleLbl name="fgImgPlace1">
+    <dgm:fillClrLst meth="repeat">
+      <a:schemeClr val="accent1">
+        <a:tint val="50000"/>
+      </a:schemeClr>
+    </dgm:fillClrLst>
+    <dgm:linClrLst meth="repeat">
+      <a:schemeClr val="lt1"/>
+    </dgm:linClrLst>
+    <dgm:effectClrLst/>
+    <dgm:txLinClrLst/>
+    <dgm:txFillClrLst meth="repeat">
+      <a:schemeClr val="lt1"/>
+    </dgm:txFillClrLst>
+    <dgm:txEffectClrLst/>
+  </dgm:styleLbl>
+  <dgm:styleLbl name="alignImgPlace1">
+    <dgm:fillClrLst meth="repeat">
+      <a:schemeClr val="accent1">
+        <a:tint val="50000"/>
+      </a:schemeClr>
+    </dgm:fillClrLst>
+    <dgm:linClrLst meth="repeat">
+      <a:schemeClr val="lt1"/>
+    </dgm:linClrLst>
+    <dgm:effectClrLst/>
+    <dgm:txLinClrLst/>
+    <dgm:txFillClrLst meth="repeat">
+      <a:schemeClr val="lt1"/>
+    </dgm:txFillClrLst>
+    <dgm:txEffectClrLst/>
+  </dgm:styleLbl>
+  <dgm:styleLbl name="bgImgPlace1">
+    <dgm:fillClrLst meth="repeat">
+      <a:schemeClr val="accent1">
+        <a:tint val="50000"/>
+      </a:schemeClr>
+    </dgm:fillClrLst>
+    <dgm:linClrLst meth="repeat">
+      <a:schemeClr val="lt1"/>
+    </dgm:linClrLst>
+    <dgm:effectClrLst/>
+    <dgm:txLinClrLst/>
+    <dgm:txFillClrLst meth="repeat">
+      <a:schemeClr val="lt1"/>
+    </dgm:txFillClrLst>
+    <dgm:txEffectClrLst/>
+  </dgm:styleLbl>
+  <dgm:styleLbl name="sibTrans2D1">
+    <dgm:fillClrLst meth="repeat">
+      <a:schemeClr val="accent1">
+        <a:tint val="60000"/>
+      </a:schemeClr>
+    </dgm:fillClrLst>
+    <dgm:linClrLst meth="repeat">
+      <a:schemeClr val="accent1">
+        <a:tint val="60000"/>
+      </a:schemeClr>
+    </dgm:linClrLst>
+    <dgm:effectClrLst/>
+    <dgm:txLinClrLst/>
+    <dgm:txFillClrLst/>
+    <dgm:txEffectClrLst/>
+  </dgm:styleLbl>
+  <dgm:styleLbl name="fgSibTrans2D1">
+    <dgm:fillClrLst meth="repeat">
+      <a:schemeClr val="accent1">
+        <a:tint val="60000"/>
+      </a:schemeClr>
+    </dgm:fillClrLst>
+    <dgm:linClrLst meth="repeat">
+      <a:schemeClr val="accent1">
+        <a:tint val="60000"/>
+      </a:schemeClr>
+    </dgm:linClrLst>
+    <dgm:effectClrLst/>
+    <dgm:txLinClrLst/>
+    <dgm:txFillClrLst/>
+    <dgm:txEffectClrLst/>
+  </dgm:styleLbl>
+  <dgm:styleLbl name="bgSibTrans2D1">
+    <dgm:fillClrLst meth="repeat">
+      <a:schemeClr val="accent1">
+        <a:tint val="60000"/>
+      </a:schemeClr>
+    </dgm:fillClrLst>
+    <dgm:linClrLst meth="repeat">
+      <a:schemeClr val="accent1">
+        <a:tint val="60000"/>
+      </a:schemeClr>
+    </dgm:linClrLst>
+    <dgm:effectClrLst/>
+    <dgm:txLinClrLst/>
+    <dgm:txFillClrLst/>
+    <dgm:txEffectClrLst/>
+  </dgm:styleLbl>
+  <dgm:styleLbl name="sibTrans1D1">
+    <dgm:fillClrLst meth="repeat">
+      <a:schemeClr val="accent1"/>
+    </dgm:fillClrLst>
+    <dgm:linClrLst meth="repeat">
+      <a:schemeClr val="accent1"/>
+    </dgm:linClrLst>
+    <dgm:effectClrLst/>
+    <dgm:txLinClrLst/>
+    <dgm:txFillClrLst meth="repeat">
+      <a:schemeClr val="tx1"/>
+    </dgm:txFillClrLst>
+    <dgm:txEffectClrLst/>
+  </dgm:styleLbl>
+  <dgm:styleLbl name="callout">
+    <dgm:fillClrLst meth="repeat">
+      <a:schemeClr val="accent1"/>
+    </dgm:fillClrLst>
+    <dgm:linClrLst meth="repeat">
+      <a:schemeClr val="accent1">
+        <a:tint val="50000"/>
+      </a:schemeClr>
+    </dgm:linClrLst>
+    <dgm:effectClrLst/>
+    <dgm:txLinClrLst/>
+    <dgm:txFillClrLst meth="repeat">
+      <a:schemeClr val="tx1"/>
+    </dgm:txFillClrLst>
+    <dgm:txEffectClrLst/>
+  </dgm:styleLbl>
+  <dgm:styleLbl name="asst0">
+    <dgm:fillClrLst meth="repeat">
+      <a:schemeClr val="accent1"/>
+    </dgm:fillClrLst>
+    <dgm:linClrLst meth="repeat">
+      <a:schemeClr val="lt1"/>
+    </dgm:linClrLst>
+    <dgm:effectClrLst/>
+    <dgm:txLinClrLst/>
+    <dgm:txFillClrLst/>
+    <dgm:txEffectClrLst/>
+  </dgm:styleLbl>
+  <dgm:styleLbl name="asst1">
+    <dgm:fillClrLst meth="repeat">
+      <a:schemeClr val="accent1"/>
+    </dgm:fillClrLst>
+    <dgm:linClrLst meth="repeat">
+      <a:schemeClr val="lt1"/>
+    </dgm:linClrLst>
+    <dgm:effectClrLst/>
+    <dgm:txLinClrLst/>
+    <dgm:txFillClrLst/>
+    <dgm:txEffectClrLst/>
+  </dgm:styleLbl>
+  <dgm:styleLbl name="asst2">
+    <dgm:fillClrLst meth="repeat">
+      <a:schemeClr val="accent1"/>
+    </dgm:fillClrLst>
+    <dgm:linClrLst meth="repeat">
+      <a:schemeClr val="lt1"/>
+    </dgm:linClrLst>
+    <dgm:effectClrLst/>
+    <dgm:txLinClrLst/>
+    <dgm:txFillClrLst/>
+    <dgm:txEffectClrLst/>
+  </dgm:styleLbl>
+  <dgm:styleLbl name="asst3">
+    <dgm:fillClrLst meth="repeat">
+      <a:schemeClr val="accent1"/>
+    </dgm:fillClrLst>
+    <dgm:linClrLst meth="repeat">
+      <a:schemeClr val="lt1"/>
+    </dgm:linClrLst>
+    <dgm:effectClrLst/>
+    <dgm:txLinClrLst/>
+    <dgm:txFillClrLst/>
+    <dgm:txEffectClrLst/>
+  </dgm:styleLbl>
+  <dgm:styleLbl name="asst4">
+    <dgm:fillClrLst meth="repeat">
+      <a:schemeClr val="accent1"/>
+    </dgm:fillClrLst>
+    <dgm:linClrLst meth="repeat">
+      <a:schemeClr val="lt1"/>
+    </dgm:linClrLst>
+    <dgm:effectClrLst/>
+    <dgm:txLinClrLst/>
+    <dgm:txFillClrLst/>
+    <dgm:txEffectClrLst/>
+  </dgm:styleLbl>
+  <dgm:styleLbl name="parChTrans2D1">
+    <dgm:fillClrLst meth="repeat">
+      <a:schemeClr val="accent1">
+        <a:tint val="60000"/>
+      </a:schemeClr>
+    </dgm:fillClrLst>
+    <dgm:linClrLst meth="repeat">
+      <a:schemeClr val="accent1">
+        <a:tint val="60000"/>
+      </a:schemeClr>
+    </dgm:linClrLst>
+    <dgm:effectClrLst/>
+    <dgm:txLinClrLst/>
+    <dgm:txFillClrLst meth="repeat">
+      <a:schemeClr val="lt1"/>
+    </dgm:txFillClrLst>
+    <dgm:txEffectClrLst/>
+  </dgm:styleLbl>
+  <dgm:styleLbl name="parChTrans2D2">
+    <dgm:fillClrLst meth="repeat">
+      <a:schemeClr val="accent1"/>
+    </dgm:fillClrLst>
+    <dgm:linClrLst meth="repeat">
+      <a:schemeClr val="accent1"/>
+    </dgm:linClrLst>
+    <dgm:effectClrLst/>
+    <dgm:txLinClrLst/>
+    <dgm:txFillClrLst meth="repeat">
+      <a:schemeClr val="lt1"/>
+    </dgm:txFillClrLst>
+    <dgm:txEffectClrLst/>
+  </dgm:styleLbl>
+  <dgm:styleLbl name="parChTrans2D3">
+    <dgm:fillClrLst meth="repeat">
+      <a:schemeClr val="accent1"/>
+    </dgm:fillClrLst>
+    <dgm:linClrLst meth="repeat">
+      <a:schemeClr val="accent1"/>
+    </dgm:linClrLst>
+    <dgm:effectClrLst/>
+    <dgm:txLinClrLst/>
+    <dgm:txFillClrLst meth="repeat">
+      <a:schemeClr val="lt1"/>
+    </dgm:txFillClrLst>
+    <dgm:txEffectClrLst/>
+  </dgm:styleLbl>
+  <dgm:styleLbl name="parChTrans2D4">
+    <dgm:fillClrLst meth="repeat">
+      <a:schemeClr val="accent1"/>
+    </dgm:fillClrLst>
+    <dgm:linClrLst meth="repeat">
+      <a:schemeClr val="accent1"/>
+    </dgm:linClrLst>
+    <dgm:effectClrLst/>
+    <dgm:txLinClrLst/>
+    <dgm:txFillClrLst meth="repeat">
+      <a:schemeClr val="lt1"/>
+    </dgm:txFillClrLst>
+    <dgm:txEffectClrLst/>
+  </dgm:styleLbl>
+  <dgm:styleLbl name="parChTrans1D1">
+    <dgm:fillClrLst meth="repeat">
+      <a:schemeClr val="accent1"/>
+    </dgm:fillClrLst>
+    <dgm:linClrLst meth="repeat">
+      <a:schemeClr val="accent1">
+        <a:shade val="60000"/>
+      </a:schemeClr>
+    </dgm:linClrLst>
+    <dgm:effectClrLst/>
+    <dgm:txLinClrLst/>
+    <dgm:txFillClrLst meth="repeat">
+      <a:schemeClr val="tx1"/>
+    </dgm:txFillClrLst>
+    <dgm:txEffectClrLst/>
+  </dgm:styleLbl>
+  <dgm:styleLbl name="parChTrans1D2">
+    <dgm:fillClrLst meth="repeat">
+      <a:schemeClr val="accent1"/>
+    </dgm:fillClrLst>
+    <dgm:linClrLst meth="repeat">
+      <a:schemeClr val="accent1">
+        <a:shade val="60000"/>
+      </a:schemeClr>
+    </dgm:linClrLst>
+    <dgm:effectClrLst/>
+    <dgm:txLinClrLst/>
+    <dgm:txFillClrLst meth="repeat">
+      <a:schemeClr val="tx1"/>
+    </dgm:txFillClrLst>
+    <dgm:txEffectClrLst/>
+  </dgm:styleLbl>
+  <dgm:styleLbl name="parChTrans1D3">
+    <dgm:fillClrLst meth="repeat">
+      <a:schemeClr val="accent1"/>
+    </dgm:fillClrLst>
+    <dgm:linClrLst meth="repeat">
+      <a:schemeClr val="accent1">
+        <a:shade val="80000"/>
+      </a:schemeClr>
+    </dgm:linClrLst>
+    <dgm:effectClrLst/>
+    <dgm:txLinClrLst/>
+    <dgm:txFillClrLst meth="repeat">
+      <a:schemeClr val="tx1"/>
+    </dgm:txFillClrLst>
+    <dgm:txEffectClrLst/>
+  </dgm:styleLbl>
+  <dgm:styleLbl name="parChTrans1D4">
+    <dgm:fillClrLst meth="repeat">
+      <a:schemeClr val="accent1"/>
+    </dgm:fillClrLst>
+    <dgm:linClrLst meth="repeat">
+      <a:schemeClr val="accent1">
+        <a:shade val="80000"/>
+      </a:schemeClr>
+    </dgm:linClrLst>
+    <dgm:effectClrLst/>
+    <dgm:txLinClrLst/>
+    <dgm:txFillClrLst meth="repeat">
+      <a:schemeClr val="tx1"/>
+    </dgm:txFillClrLst>
+    <dgm:txEffectClrLst/>
+  </dgm:styleLbl>
+  <dgm:styleLbl name="fgAcc1">
+    <dgm:fillClrLst meth="repeat">
+      <a:schemeClr val="lt1">
+        <a:alpha val="90000"/>
+      </a:schemeClr>
+    </dgm:fillClrLst>
+    <dgm:linClrLst meth="repeat">
+      <a:schemeClr val="accent1"/>
+    </dgm:linClrLst>
+    <dgm:effectClrLst/>
+    <dgm:txLinClrLst/>
+    <dgm:txFillClrLst meth="repeat">
+      <a:schemeClr val="dk1"/>
+    </dgm:txFillClrLst>
+    <dgm:txEffectClrLst/>
+  </dgm:styleLbl>
+  <dgm:styleLbl name="conFgAcc1">
+    <dgm:fillClrLst meth="repeat">
+      <a:schemeClr val="lt1">
+        <a:alpha val="90000"/>
+      </a:schemeClr>
+    </dgm:fillClrLst>
+    <dgm:linClrLst meth="repeat">
+      <a:schemeClr val="accent1"/>
+    </dgm:linClrLst>
+    <dgm:effectClrLst/>
+    <dgm:txLinClrLst/>
+    <dgm:txFillClrLst meth="repeat">
+      <a:schemeClr val="dk1"/>
+    </dgm:txFillClrLst>
+    <dgm:txEffectClrLst/>
+  </dgm:styleLbl>
+  <dgm:styleLbl name="alignAcc1">
+    <dgm:fillClrLst meth="repeat">
+      <a:schemeClr val="lt1">
+        <a:alpha val="90000"/>
+      </a:schemeClr>
+    </dgm:fillClrLst>
+    <dgm:linClrLst meth="repeat">
+      <a:schemeClr val="accent1"/>
+    </dgm:linClrLst>
+    <dgm:effectClrLst/>
+    <dgm:txLinClrLst/>
+    <dgm:txFillClrLst meth="repeat">
+      <a:schemeClr val="dk1"/>
+    </dgm:txFillClrLst>
+    <dgm:txEffectClrLst/>
+  </dgm:styleLbl>
+  <dgm:styleLbl name="trAlignAcc1">
+    <dgm:fillClrLst meth="repeat">
+      <a:schemeClr val="lt1">
+        <a:alpha val="40000"/>
+      </a:schemeClr>
+    </dgm:fillClrLst>
+    <dgm:linClrLst meth="repeat">
+      <a:schemeClr val="accent1"/>
+    </dgm:linClrLst>
+    <dgm:effectClrLst/>
+    <dgm:txLinClrLst/>
+    <dgm:txFillClrLst meth="repeat">
+      <a:schemeClr val="dk1"/>
+    </dgm:txFillClrLst>
+    <dgm:txEffectClrLst/>
+  </dgm:styleLbl>
+  <dgm:styleLbl name="bgAcc1">
+    <dgm:fillClrLst meth="repeat">
+      <a:schemeClr val="lt1">
+        <a:alpha val="90000"/>
+      </a:schemeClr>
+    </dgm:fillClrLst>
+    <dgm:linClrLst meth="repeat">
+      <a:schemeClr val="accent1"/>
+    </dgm:linClrLst>
+    <dgm:effectClrLst/>
+    <dgm:txLinClrLst/>
+    <dgm:txFillClrLst meth="repeat">
+      <a:schemeClr val="dk1"/>
+    </dgm:txFillClrLst>
+    <dgm:txEffectClrLst/>
+  </dgm:styleLbl>
+  <dgm:styleLbl name="solidFgAcc1">
+    <dgm:fillClrLst meth="repeat">
+      <a:schemeClr val="lt1"/>
+    </dgm:fillClrLst>
+    <dgm:linClrLst meth="repeat">
+      <a:schemeClr val="accent1"/>
+    </dgm:linClrLst>
+    <dgm:effectClrLst/>
+    <dgm:txLinClrLst/>
+    <dgm:txFillClrLst meth="repeat">
+      <a:schemeClr val="dk1"/>
+    </dgm:txFillClrLst>
+    <dgm:txEffectClrLst/>
+  </dgm:styleLbl>
+  <dgm:styleLbl name="solidAlignAcc1">
+    <dgm:fillClrLst meth="repeat">
+      <a:schemeClr val="lt1"/>
+    </dgm:fillClrLst>
+    <dgm:linClrLst meth="repeat">
+      <a:schemeClr val="accent1"/>
+    </dgm:linClrLst>
+    <dgm:effectClrLst/>
+    <dgm:txLinClrLst/>
+    <dgm:txFillClrLst meth="repeat">
+      <a:schemeClr val="dk1"/>
+    </dgm:txFillClrLst>
+    <dgm:txEffectClrLst/>
+  </dgm:styleLbl>
+  <dgm:styleLbl name="solidBgAcc1">
+    <dgm:fillClrLst meth="repeat">
+      <a:schemeClr val="lt1"/>
+    </dgm:fillClrLst>
+    <dgm:linClrLst meth="repeat">
+      <a:schemeClr val="accent1"/>
+    </dgm:linClrLst>
+    <dgm:effectClrLst/>
+    <dgm:txLinClrLst/>
+    <dgm:txFillClrLst meth="repeat">
+      <a:schemeClr val="dk1"/>
+    </dgm:txFillClrLst>
+    <dgm:txEffectClrLst/>
+  </dgm:styleLbl>
+  <dgm:styleLbl name="fgAccFollowNode1">
+    <dgm:fillClrLst meth="repeat">
+      <a:schemeClr val="accent1">
+        <a:alpha val="90000"/>
+        <a:tint val="40000"/>
+      </a:schemeClr>
+    </dgm:fillClrLst>
+    <dgm:linClrLst meth="repeat">
+      <a:schemeClr val="accent1">
+        <a:alpha val="90000"/>
+        <a:tint val="40000"/>
+      </a:schemeClr>
+    </dgm:linClrLst>
+    <dgm:effectClrLst/>
+    <dgm:txLinClrLst/>
+    <dgm:txFillClrLst meth="repeat">
+      <a:schemeClr val="dk1"/>
+    </dgm:txFillClrLst>
+    <dgm:txEffectClrLst/>
+  </dgm:styleLbl>
+  <dgm:styleLbl name="alignAccFollowNode1">
+    <dgm:fillClrLst meth="repeat">
+      <a:schemeClr val="accent1">
+        <a:alpha val="90000"/>
+        <a:tint val="40000"/>
+      </a:schemeClr>
+    </dgm:fillClrLst>
+    <dgm:linClrLst meth="repeat">
+      <a:schemeClr val="accent1">
+        <a:alpha val="90000"/>
+        <a:tint val="40000"/>
+      </a:schemeClr>
+    </dgm:linClrLst>
+    <dgm:effectClrLst/>
+    <dgm:txLinClrLst/>
+    <dgm:txFillClrLst meth="repeat">
+      <a:schemeClr val="dk1"/>
+    </dgm:txFillClrLst>
+    <dgm:txEffectClrLst/>
+  </dgm:styleLbl>
+  <dgm:styleLbl name="bgAccFollowNode1">
+    <dgm:fillClrLst meth="repeat">
+      <a:schemeClr val="accent1">
+        <a:alpha val="90000"/>
+        <a:tint val="40000"/>
+      </a:schemeClr>
+    </dgm:fillClrLst>
+    <dgm:linClrLst meth="repeat">
+      <a:schemeClr val="accent1">
+        <a:alpha val="90000"/>
+        <a:tint val="40000"/>
+      </a:schemeClr>
+    </dgm:linClrLst>
+    <dgm:effectClrLst/>
+    <dgm:txLinClrLst/>
+    <dgm:txFillClrLst meth="repeat">
+      <a:schemeClr val="dk1"/>
+    </dgm:txFillClrLst>
+    <dgm:txEffectClrLst/>
+  </dgm:styleLbl>
+  <dgm:styleLbl name="fgAcc0">
+    <dgm:fillClrLst meth="repeat">
+      <a:schemeClr val="lt1">
+        <a:alpha val="90000"/>
+      </a:schemeClr>
+    </dgm:fillClrLst>
+    <dgm:linClrLst meth="repeat">
+      <a:schemeClr val="accent1"/>
+    </dgm:linClrLst>
+    <dgm:effectClrLst/>
+    <dgm:txLinClrLst/>
+    <dgm:txFillClrLst meth="repeat">
+      <a:schemeClr val="dk1"/>
+    </dgm:txFillClrLst>
+    <dgm:txEffectClrLst/>
+  </dgm:styleLbl>
+  <dgm:styleLbl name="fgAcc2">
+    <dgm:fillClrLst meth="repeat">
+      <a:schemeClr val="lt1">
+        <a:alpha val="90000"/>
+      </a:schemeClr>
+    </dgm:fillClrLst>
+    <dgm:linClrLst meth="repeat">
+      <a:schemeClr val="accent1"/>
+    </dgm:linClrLst>
+    <dgm:effectClrLst/>
+    <dgm:txLinClrLst/>
+    <dgm:txFillClrLst meth="repeat">
+      <a:schemeClr val="dk1"/>
+    </dgm:txFillClrLst>
+    <dgm:txEffectClrLst/>
+  </dgm:styleLbl>
+  <dgm:styleLbl name="fgAcc3">
+    <dgm:fillClrLst meth="repeat">
+      <a:schemeClr val="lt1">
+        <a:alpha val="90000"/>
+      </a:schemeClr>
+    </dgm:fillClrLst>
+    <dgm:linClrLst meth="repeat">
+      <a:schemeClr val="accent1"/>
+    </dgm:linClrLst>
+    <dgm:effectClrLst/>
+    <dgm:txLinClrLst/>
+    <dgm:txFillClrLst meth="repeat">
+      <a:schemeClr val="dk1"/>
+    </dgm:txFillClrLst>
+    <dgm:txEffectClrLst/>
+  </dgm:styleLbl>
+  <dgm:styleLbl name="fgAcc4">
+    <dgm:fillClrLst meth="repeat">
+      <a:schemeClr val="lt1">
+        <a:alpha val="90000"/>
+      </a:schemeClr>
+    </dgm:fillClrLst>
+    <dgm:linClrLst meth="repeat">
+      <a:schemeClr val="accent1"/>
+    </dgm:linClrLst>
+    <dgm:effectClrLst/>
+    <dgm:txLinClrLst/>
+    <dgm:txFillClrLst meth="repeat">
+      <a:schemeClr val="dk1"/>
+    </dgm:txFillClrLst>
+    <dgm:txEffectClrLst/>
+  </dgm:styleLbl>
+  <dgm:styleLbl name="bgShp">
+    <dgm:fillClrLst meth="repeat">
+      <a:schemeClr val="accent1">
+        <a:tint val="40000"/>
+      </a:schemeClr>
+    </dgm:fillClrLst>
+    <dgm:linClrLst meth="repeat">
+      <a:schemeClr val="accent1"/>
+    </dgm:linClrLst>
+    <dgm:effectClrLst/>
+    <dgm:txLinClrLst/>
+    <dgm:txFillClrLst meth="repeat">
+      <a:schemeClr val="dk1"/>
+    </dgm:txFillClrLst>
+    <dgm:txEffectClrLst/>
+  </dgm:styleLbl>
+  <dgm:styleLbl name="dkBgShp">
+    <dgm:fillClrLst meth="repeat">
+      <a:schemeClr val="accent1">
+        <a:shade val="80000"/>
+      </a:schemeClr>
+    </dgm:fillClrLst>
+    <dgm:linClrLst meth="repeat">
+      <a:schemeClr val="accent1"/>
+    </dgm:linClrLst>
+    <dgm:effectClrLst/>
+    <dgm:txLinClrLst/>
+    <dgm:txFillClrLst meth="repeat">
+      <a:schemeClr val="lt1"/>
+    </dgm:txFillClrLst>
+    <dgm:txEffectClrLst/>
+  </dgm:styleLbl>
+  <dgm:styleLbl name="trBgShp">
+    <dgm:fillClrLst meth="repeat">
+      <a:schemeClr val="accent1">
+        <a:tint val="50000"/>
+        <a:alpha val="40000"/>
+      </a:schemeClr>
+    </dgm:fillClrLst>
+    <dgm:linClrLst meth="repeat">
+      <a:schemeClr val="accent1"/>
+    </dgm:linClrLst>
+    <dgm:effectClrLst/>
+    <dgm:txLinClrLst/>
+    <dgm:txFillClrLst meth="repeat">
+      <a:schemeClr val="lt1"/>
+    </dgm:txFillClrLst>
+    <dgm:txEffectClrLst/>
+  </dgm:styleLbl>
+  <dgm:styleLbl name="fgShp">
+    <dgm:fillClrLst meth="repeat">
+      <a:schemeClr val="accent1">
+        <a:tint val="60000"/>
+      </a:schemeClr>
+    </dgm:fillClrLst>
+    <dgm:linClrLst meth="repeat">
+      <a:schemeClr val="lt1"/>
+    </dgm:linClrLst>
+    <dgm:effectClrLst/>
+    <dgm:txLinClrLst/>
+    <dgm:txFillClrLst meth="repeat">
+      <a:schemeClr val="dk1"/>
+    </dgm:txFillClrLst>
+    <dgm:txEffectClrLst/>
+  </dgm:styleLbl>
+  <dgm:styleLbl name="revTx">
+    <dgm:fillClrLst meth="repeat">
+      <a:schemeClr val="lt1">
+        <a:alpha val="0"/>
+      </a:schemeClr>
+    </dgm:fillClrLst>
+    <dgm:linClrLst meth="repeat">
+      <a:schemeClr val="dk1">
+        <a:alpha val="0"/>
+      </a:schemeClr>
+    </dgm:linClrLst>
+    <dgm:effectClrLst/>
+    <dgm:txLinClrLst/>
+    <dgm:txFillClrLst meth="repeat">
+      <a:schemeClr val="tx1"/>
+    </dgm:txFillClrLst>
+    <dgm:txEffectClrLst/>
+  </dgm:styleLbl>
+</dgm:colorsDef>
+</file>
+
+<file path=ppt/diagrams/colors4.xml><?xml version="1.0" encoding="utf-8"?>
+<dgm:colorsDef xmlns:dgm="http://schemas.openxmlformats.org/drawingml/2006/diagram" xmlns:a="http://schemas.openxmlformats.org/drawingml/2006/main" uniqueId="urn:microsoft.com/office/officeart/2005/8/colors/accent1_2">
+  <dgm:title val=""/>
+  <dgm:desc val=""/>
+  <dgm:catLst>
+    <dgm:cat type="accent1" pri="11200"/>
+  </dgm:catLst>
+  <dgm:styleLbl name="node0">
+    <dgm:fillClrLst meth="repeat">
+      <a:schemeClr val="accent1"/>
+    </dgm:fillClrLst>
+    <dgm:linClrLst meth="repeat">
+      <a:schemeClr val="lt1"/>
+    </dgm:linClrLst>
+    <dgm:effectClrLst/>
+    <dgm:txLinClrLst/>
+    <dgm:txFillClrLst/>
+    <dgm:txEffectClrLst/>
+  </dgm:styleLbl>
+  <dgm:styleLbl name="alignNode1">
+    <dgm:fillClrLst meth="repeat">
+      <a:schemeClr val="accent1"/>
+    </dgm:fillClrLst>
+    <dgm:linClrLst meth="repeat">
+      <a:schemeClr val="accent1"/>
+    </dgm:linClrLst>
+    <dgm:effectClrLst/>
+    <dgm:txLinClrLst/>
+    <dgm:txFillClrLst/>
+    <dgm:txEffectClrLst/>
+  </dgm:styleLbl>
+  <dgm:styleLbl name="node1">
+    <dgm:fillClrLst meth="repeat">
+      <a:schemeClr val="accent1"/>
+    </dgm:fillClrLst>
+    <dgm:linClrLst meth="repeat">
+      <a:schemeClr val="lt1"/>
+    </dgm:linClrLst>
+    <dgm:effectClrLst/>
+    <dgm:txLinClrLst/>
+    <dgm:txFillClrLst/>
+    <dgm:txEffectClrLst/>
+  </dgm:styleLbl>
+  <dgm:styleLbl name="lnNode1">
+    <dgm:fillClrLst meth="repeat">
+      <a:schemeClr val="accent1"/>
+    </dgm:fillClrLst>
+    <dgm:linClrLst meth="repeat">
+      <a:schemeClr val="lt1"/>
+    </dgm:linClrLst>
+    <dgm:effectClrLst/>
+    <dgm:txLinClrLst/>
+    <dgm:txFillClrLst/>
+    <dgm:txEffectClrLst/>
+  </dgm:styleLbl>
+  <dgm:styleLbl name="vennNode1">
+    <dgm:fillClrLst meth="repeat">
+      <a:schemeClr val="accent1">
+        <a:alpha val="50000"/>
+      </a:schemeClr>
+    </dgm:fillClrLst>
+    <dgm:linClrLst meth="repeat">
+      <a:schemeClr val="lt1"/>
+    </dgm:linClrLst>
+    <dgm:effectClrLst/>
+    <dgm:txLinClrLst/>
+    <dgm:txFillClrLst/>
+    <dgm:txEffectClrLst/>
+  </dgm:styleLbl>
+  <dgm:styleLbl name="node2">
+    <dgm:fillClrLst meth="repeat">
+      <a:schemeClr val="accent1"/>
+    </dgm:fillClrLst>
+    <dgm:linClrLst meth="repeat">
+      <a:schemeClr val="lt1"/>
+    </dgm:linClrLst>
+    <dgm:effectClrLst/>
+    <dgm:txLinClrLst/>
+    <dgm:txFillClrLst/>
+    <dgm:txEffectClrLst/>
+  </dgm:styleLbl>
+  <dgm:styleLbl name="node3">
+    <dgm:fillClrLst meth="repeat">
+      <a:schemeClr val="accent1"/>
+    </dgm:fillClrLst>
+    <dgm:linClrLst meth="repeat">
+      <a:schemeClr val="lt1"/>
+    </dgm:linClrLst>
+    <dgm:effectClrLst/>
+    <dgm:txLinClrLst/>
+    <dgm:txFillClrLst/>
+    <dgm:txEffectClrLst/>
+  </dgm:styleLbl>
+  <dgm:styleLbl name="node4">
+    <dgm:fillClrLst meth="repeat">
+      <a:schemeClr val="accent1"/>
+    </dgm:fillClrLst>
+    <dgm:linClrLst meth="repeat">
+      <a:schemeClr val="lt1"/>
+    </dgm:linClrLst>
+    <dgm:effectClrLst/>
+    <dgm:txLinClrLst/>
+    <dgm:txFillClrLst/>
+    <dgm:txEffectClrLst/>
+  </dgm:styleLbl>
+  <dgm:styleLbl name="fgImgPlace1">
+    <dgm:fillClrLst meth="repeat">
+      <a:schemeClr val="accent1">
+        <a:tint val="50000"/>
+      </a:schemeClr>
+    </dgm:fillClrLst>
+    <dgm:linClrLst meth="repeat">
+      <a:schemeClr val="lt1"/>
+    </dgm:linClrLst>
+    <dgm:effectClrLst/>
+    <dgm:txLinClrLst/>
+    <dgm:txFillClrLst meth="repeat">
+      <a:schemeClr val="lt1"/>
+    </dgm:txFillClrLst>
+    <dgm:txEffectClrLst/>
+  </dgm:styleLbl>
+  <dgm:styleLbl name="alignImgPlace1">
+    <dgm:fillClrLst meth="repeat">
+      <a:schemeClr val="accent1">
+        <a:tint val="50000"/>
+      </a:schemeClr>
+    </dgm:fillClrLst>
+    <dgm:linClrLst meth="repeat">
+      <a:schemeClr val="lt1"/>
+    </dgm:linClrLst>
+    <dgm:effectClrLst/>
+    <dgm:txLinClrLst/>
+    <dgm:txFillClrLst meth="repeat">
+      <a:schemeClr val="lt1"/>
+    </dgm:txFillClrLst>
+    <dgm:txEffectClrLst/>
+  </dgm:styleLbl>
+  <dgm:styleLbl name="bgImgPlace1">
+    <dgm:fillClrLst meth="repeat">
+      <a:schemeClr val="accent1">
+        <a:tint val="50000"/>
+      </a:schemeClr>
+    </dgm:fillClrLst>
+    <dgm:linClrLst meth="repeat">
+      <a:schemeClr val="lt1"/>
+    </dgm:linClrLst>
+    <dgm:effectClrLst/>
+    <dgm:txLinClrLst/>
+    <dgm:txFillClrLst meth="repeat">
+      <a:schemeClr val="lt1"/>
+    </dgm:txFillClrLst>
+    <dgm:txEffectClrLst/>
+  </dgm:styleLbl>
+  <dgm:styleLbl name="sibTrans2D1">
+    <dgm:fillClrLst meth="repeat">
+      <a:schemeClr val="accent1">
+        <a:tint val="60000"/>
+      </a:schemeClr>
+    </dgm:fillClrLst>
+    <dgm:linClrLst meth="repeat">
+      <a:schemeClr val="accent1">
+        <a:tint val="60000"/>
+      </a:schemeClr>
+    </dgm:linClrLst>
+    <dgm:effectClrLst/>
+    <dgm:txLinClrLst/>
+    <dgm:txFillClrLst/>
+    <dgm:txEffectClrLst/>
+  </dgm:styleLbl>
+  <dgm:styleLbl name="fgSibTrans2D1">
+    <dgm:fillClrLst meth="repeat">
+      <a:schemeClr val="accent1">
+        <a:tint val="60000"/>
+      </a:schemeClr>
+    </dgm:fillClrLst>
+    <dgm:linClrLst meth="repeat">
+      <a:schemeClr val="accent1">
+        <a:tint val="60000"/>
+      </a:schemeClr>
+    </dgm:linClrLst>
+    <dgm:effectClrLst/>
+    <dgm:txLinClrLst/>
+    <dgm:txFillClrLst/>
+    <dgm:txEffectClrLst/>
+  </dgm:styleLbl>
+  <dgm:styleLbl name="bgSibTrans2D1">
+    <dgm:fillClrLst meth="repeat">
+      <a:schemeClr val="accent1">
+        <a:tint val="60000"/>
+      </a:schemeClr>
+    </dgm:fillClrLst>
+    <dgm:linClrLst meth="repeat">
+      <a:schemeClr val="accent1">
+        <a:tint val="60000"/>
+      </a:schemeClr>
+    </dgm:linClrLst>
+    <dgm:effectClrLst/>
+    <dgm:txLinClrLst/>
+    <dgm:txFillClrLst/>
+    <dgm:txEffectClrLst/>
+  </dgm:styleLbl>
+  <dgm:styleLbl name="sibTrans1D1">
+    <dgm:fillClrLst meth="repeat">
+      <a:schemeClr val="accent1"/>
+    </dgm:fillClrLst>
+    <dgm:linClrLst meth="repeat">
+      <a:schemeClr val="accent1"/>
+    </dgm:linClrLst>
+    <dgm:effectClrLst/>
+    <dgm:txLinClrLst/>
+    <dgm:txFillClrLst meth="repeat">
+      <a:schemeClr val="tx1"/>
+    </dgm:txFillClrLst>
+    <dgm:txEffectClrLst/>
+  </dgm:styleLbl>
+  <dgm:styleLbl name="callout">
+    <dgm:fillClrLst meth="repeat">
+      <a:schemeClr val="accent1"/>
+    </dgm:fillClrLst>
+    <dgm:linClrLst meth="repeat">
+      <a:schemeClr val="accent1">
+        <a:tint val="50000"/>
+      </a:schemeClr>
+    </dgm:linClrLst>
+    <dgm:effectClrLst/>
+    <dgm:txLinClrLst/>
+    <dgm:txFillClrLst meth="repeat">
+      <a:schemeClr val="tx1"/>
+    </dgm:txFillClrLst>
+    <dgm:txEffectClrLst/>
+  </dgm:styleLbl>
+  <dgm:styleLbl name="asst0">
+    <dgm:fillClrLst meth="repeat">
+      <a:schemeClr val="accent1"/>
+    </dgm:fillClrLst>
+    <dgm:linClrLst meth="repeat">
+      <a:schemeClr val="lt1"/>
+    </dgm:linClrLst>
+    <dgm:effectClrLst/>
+    <dgm:txLinClrLst/>
+    <dgm:txFillClrLst/>
+    <dgm:txEffectClrLst/>
+  </dgm:styleLbl>
+  <dgm:styleLbl name="asst1">
+    <dgm:fillClrLst meth="repeat">
+      <a:schemeClr val="accent1"/>
+    </dgm:fillClrLst>
+    <dgm:linClrLst meth="repeat">
+      <a:schemeClr val="lt1"/>
+    </dgm:linClrLst>
+    <dgm:effectClrLst/>
+    <dgm:txLinClrLst/>
+    <dgm:txFillClrLst/>
+    <dgm:txEffectClrLst/>
+  </dgm:styleLbl>
+  <dgm:styleLbl name="asst2">
+    <dgm:fillClrLst meth="repeat">
+      <a:schemeClr val="accent1"/>
+    </dgm:fillClrLst>
+    <dgm:linClrLst meth="repeat">
+      <a:schemeClr val="lt1"/>
+    </dgm:linClrLst>
+    <dgm:effectClrLst/>
+    <dgm:txLinClrLst/>
+    <dgm:txFillClrLst/>
+    <dgm:txEffectClrLst/>
+  </dgm:styleLbl>
+  <dgm:styleLbl name="asst3">
+    <dgm:fillClrLst meth="repeat">
+      <a:schemeClr val="accent1"/>
+    </dgm:fillClrLst>
+    <dgm:linClrLst meth="repeat">
+      <a:schemeClr val="lt1"/>
+    </dgm:linClrLst>
+    <dgm:effectClrLst/>
+    <dgm:txLinClrLst/>
+    <dgm:txFillClrLst/>
+    <dgm:txEffectClrLst/>
+  </dgm:styleLbl>
+  <dgm:styleLbl name="asst4">
+    <dgm:fillClrLst meth="repeat">
+      <a:schemeClr val="accent1"/>
+    </dgm:fillClrLst>
+    <dgm:linClrLst meth="repeat">
+      <a:schemeClr val="lt1"/>
+    </dgm:linClrLst>
+    <dgm:effectClrLst/>
+    <dgm:txLinClrLst/>
+    <dgm:txFillClrLst/>
+    <dgm:txEffectClrLst/>
+  </dgm:styleLbl>
+  <dgm:styleLbl name="parChTrans2D1">
+    <dgm:fillClrLst meth="repeat">
+      <a:schemeClr val="accent1">
+        <a:tint val="60000"/>
+      </a:schemeClr>
+    </dgm:fillClrLst>
+    <dgm:linClrLst meth="repeat">
+      <a:schemeClr val="accent1">
+        <a:tint val="60000"/>
+      </a:schemeClr>
+    </dgm:linClrLst>
+    <dgm:effectClrLst/>
+    <dgm:txLinClrLst/>
+    <dgm:txFillClrLst meth="repeat">
+      <a:schemeClr val="lt1"/>
+    </dgm:txFillClrLst>
+    <dgm:txEffectClrLst/>
+  </dgm:styleLbl>
+  <dgm:styleLbl name="parChTrans2D2">
+    <dgm:fillClrLst meth="repeat">
+      <a:schemeClr val="accent1"/>
+    </dgm:fillClrLst>
+    <dgm:linClrLst meth="repeat">
+      <a:schemeClr val="accent1"/>
+    </dgm:linClrLst>
+    <dgm:effectClrLst/>
+    <dgm:txLinClrLst/>
+    <dgm:txFillClrLst meth="repeat">
+      <a:schemeClr val="lt1"/>
+    </dgm:txFillClrLst>
+    <dgm:txEffectClrLst/>
+  </dgm:styleLbl>
+  <dgm:styleLbl name="parChTrans2D3">
+    <dgm:fillClrLst meth="repeat">
+      <a:schemeClr val="accent1"/>
+    </dgm:fillClrLst>
+    <dgm:linClrLst meth="repeat">
+      <a:schemeClr val="accent1"/>
+    </dgm:linClrLst>
+    <dgm:effectClrLst/>
+    <dgm:txLinClrLst/>
+    <dgm:txFillClrLst meth="repeat">
+      <a:schemeClr val="lt1"/>
+    </dgm:txFillClrLst>
+    <dgm:txEffectClrLst/>
+  </dgm:styleLbl>
+  <dgm:styleLbl name="parChTrans2D4">
+    <dgm:fillClrLst meth="repeat">
+      <a:schemeClr val="accent1"/>
+    </dgm:fillClrLst>
+    <dgm:linClrLst meth="repeat">
+      <a:schemeClr val="accent1"/>
+    </dgm:linClrLst>
+    <dgm:effectClrLst/>
+    <dgm:txLinClrLst/>
+    <dgm:txFillClrLst meth="repeat">
+      <a:schemeClr val="lt1"/>
+    </dgm:txFillClrLst>
+    <dgm:txEffectClrLst/>
+  </dgm:styleLbl>
+  <dgm:styleLbl name="parChTrans1D1">
+    <dgm:fillClrLst meth="repeat">
+      <a:schemeClr val="accent1"/>
+    </dgm:fillClrLst>
+    <dgm:linClrLst meth="repeat">
+      <a:schemeClr val="accent1">
+        <a:shade val="60000"/>
+      </a:schemeClr>
+    </dgm:linClrLst>
+    <dgm:effectClrLst/>
+    <dgm:txLinClrLst/>
+    <dgm:txFillClrLst meth="repeat">
+      <a:schemeClr val="tx1"/>
+    </dgm:txFillClrLst>
+    <dgm:txEffectClrLst/>
+  </dgm:styleLbl>
+  <dgm:styleLbl name="parChTrans1D2">
+    <dgm:fillClrLst meth="repeat">
+      <a:schemeClr val="accent1"/>
+    </dgm:fillClrLst>
+    <dgm:linClrLst meth="repeat">
+      <a:schemeClr val="accent1">
+        <a:shade val="60000"/>
+      </a:schemeClr>
+    </dgm:linClrLst>
+    <dgm:effectClrLst/>
+    <dgm:txLinClrLst/>
+    <dgm:txFillClrLst meth="repeat">
+      <a:schemeClr val="tx1"/>
+    </dgm:txFillClrLst>
+    <dgm:txEffectClrLst/>
+  </dgm:styleLbl>
+  <dgm:styleLbl name="parChTrans1D3">
+    <dgm:fillClrLst meth="repeat">
+      <a:schemeClr val="accent1"/>
+    </dgm:fillClrLst>
+    <dgm:linClrLst meth="repeat">
+      <a:schemeClr val="accent1">
+        <a:shade val="80000"/>
+      </a:schemeClr>
+    </dgm:linClrLst>
+    <dgm:effectClrLst/>
+    <dgm:txLinClrLst/>
+    <dgm:txFillClrLst meth="repeat">
+      <a:schemeClr val="tx1"/>
+    </dgm:txFillClrLst>
+    <dgm:txEffectClrLst/>
+  </dgm:styleLbl>
+  <dgm:styleLbl name="parChTrans1D4">
+    <dgm:fillClrLst meth="repeat">
+      <a:schemeClr val="accent1"/>
+    </dgm:fillClrLst>
+    <dgm:linClrLst meth="repeat">
+      <a:schemeClr val="accent1">
+        <a:shade val="80000"/>
+      </a:schemeClr>
+    </dgm:linClrLst>
+    <dgm:effectClrLst/>
+    <dgm:txLinClrLst/>
+    <dgm:txFillClrLst meth="repeat">
+      <a:schemeClr val="tx1"/>
+    </dgm:txFillClrLst>
+    <dgm:txEffectClrLst/>
+  </dgm:styleLbl>
+  <dgm:styleLbl name="fgAcc1">
+    <dgm:fillClrLst meth="repeat">
+      <a:schemeClr val="lt1">
+        <a:alpha val="90000"/>
+      </a:schemeClr>
+    </dgm:fillClrLst>
+    <dgm:linClrLst meth="repeat">
+      <a:schemeClr val="accent1"/>
+    </dgm:linClrLst>
+    <dgm:effectClrLst/>
+    <dgm:txLinClrLst/>
+    <dgm:txFillClrLst meth="repeat">
+      <a:schemeClr val="dk1"/>
+    </dgm:txFillClrLst>
+    <dgm:txEffectClrLst/>
+  </dgm:styleLbl>
+  <dgm:styleLbl name="conFgAcc1">
+    <dgm:fillClrLst meth="repeat">
+      <a:schemeClr val="lt1">
+        <a:alpha val="90000"/>
+      </a:schemeClr>
+    </dgm:fillClrLst>
+    <dgm:linClrLst meth="repeat">
+      <a:schemeClr val="accent1"/>
+    </dgm:linClrLst>
+    <dgm:effectClrLst/>
+    <dgm:txLinClrLst/>
+    <dgm:txFillClrLst meth="repeat">
+      <a:schemeClr val="dk1"/>
+    </dgm:txFillClrLst>
+    <dgm:txEffectClrLst/>
+  </dgm:styleLbl>
+  <dgm:styleLbl name="alignAcc1">
+    <dgm:fillClrLst meth="repeat">
+      <a:schemeClr val="lt1">
+        <a:alpha val="90000"/>
+      </a:schemeClr>
+    </dgm:fillClrLst>
+    <dgm:linClrLst meth="repeat">
+      <a:schemeClr val="accent1"/>
+    </dgm:linClrLst>
+    <dgm:effectClrLst/>
+    <dgm:txLinClrLst/>
+    <dgm:txFillClrLst meth="repeat">
+      <a:schemeClr val="dk1"/>
+    </dgm:txFillClrLst>
+    <dgm:txEffectClrLst/>
+  </dgm:styleLbl>
+  <dgm:styleLbl name="trAlignAcc1">
+    <dgm:fillClrLst meth="repeat">
+      <a:schemeClr val="lt1">
+        <a:alpha val="40000"/>
+      </a:schemeClr>
+    </dgm:fillClrLst>
+    <dgm:linClrLst meth="repeat">
+      <a:schemeClr val="accent1"/>
+    </dgm:linClrLst>
+    <dgm:effectClrLst/>
+    <dgm:txLinClrLst/>
+    <dgm:txFillClrLst meth="repeat">
+      <a:schemeClr val="dk1"/>
+    </dgm:txFillClrLst>
+    <dgm:txEffectClrLst/>
+  </dgm:styleLbl>
+  <dgm:styleLbl name="bgAcc1">
+    <dgm:fillClrLst meth="repeat">
+      <a:schemeClr val="lt1">
+        <a:alpha val="90000"/>
+      </a:schemeClr>
+    </dgm:fillClrLst>
+    <dgm:linClrLst meth="repeat">
+      <a:schemeClr val="accent1"/>
+    </dgm:linClrLst>
+    <dgm:effectClrLst/>
+    <dgm:txLinClrLst/>
+    <dgm:txFillClrLst meth="repeat">
+      <a:schemeClr val="dk1"/>
+    </dgm:txFillClrLst>
+    <dgm:txEffectClrLst/>
+  </dgm:styleLbl>
+  <dgm:styleLbl name="solidFgAcc1">
+    <dgm:fillClrLst meth="repeat">
+      <a:schemeClr val="lt1"/>
+    </dgm:fillClrLst>
+    <dgm:linClrLst meth="repeat">
+      <a:schemeClr val="accent1"/>
+    </dgm:linClrLst>
+    <dgm:effectClrLst/>
+    <dgm:txLinClrLst/>
+    <dgm:txFillClrLst meth="repeat">
+      <a:schemeClr val="dk1"/>
+    </dgm:txFillClrLst>
+    <dgm:txEffectClrLst/>
+  </dgm:styleLbl>
+  <dgm:styleLbl name="solidAlignAcc1">
+    <dgm:fillClrLst meth="repeat">
+      <a:schemeClr val="lt1"/>
+    </dgm:fillClrLst>
+    <dgm:linClrLst meth="repeat">
+      <a:schemeClr val="accent1"/>
+    </dgm:linClrLst>
+    <dgm:effectClrLst/>
+    <dgm:txLinClrLst/>
+    <dgm:txFillClrLst meth="repeat">
+      <a:schemeClr val="dk1"/>
+    </dgm:txFillClrLst>
+    <dgm:txEffectClrLst/>
+  </dgm:styleLbl>
+  <dgm:styleLbl name="solidBgAcc1">
+    <dgm:fillClrLst meth="repeat">
+      <a:schemeClr val="lt1"/>
+    </dgm:fillClrLst>
+    <dgm:linClrLst meth="repeat">
+      <a:schemeClr val="accent1"/>
+    </dgm:linClrLst>
+    <dgm:effectClrLst/>
+    <dgm:txLinClrLst/>
+    <dgm:txFillClrLst meth="repeat">
+      <a:schemeClr val="dk1"/>
+    </dgm:txFillClrLst>
+    <dgm:txEffectClrLst/>
+  </dgm:styleLbl>
+  <dgm:styleLbl name="fgAccFollowNode1">
+    <dgm:fillClrLst meth="repeat">
+      <a:schemeClr val="accent1">
+        <a:alpha val="90000"/>
+        <a:tint val="40000"/>
+      </a:schemeClr>
+    </dgm:fillClrLst>
+    <dgm:linClrLst meth="repeat">
+      <a:schemeClr val="accent1">
+        <a:alpha val="90000"/>
+        <a:tint val="40000"/>
+      </a:schemeClr>
+    </dgm:linClrLst>
+    <dgm:effectClrLst/>
+    <dgm:txLinClrLst/>
+    <dgm:txFillClrLst meth="repeat">
+      <a:schemeClr val="dk1"/>
+    </dgm:txFillClrLst>
+    <dgm:txEffectClrLst/>
+  </dgm:styleLbl>
+  <dgm:styleLbl name="alignAccFollowNode1">
+    <dgm:fillClrLst meth="repeat">
+      <a:schemeClr val="accent1">
+        <a:alpha val="90000"/>
+        <a:tint val="40000"/>
+      </a:schemeClr>
+    </dgm:fillClrLst>
+    <dgm:linClrLst meth="repeat">
+      <a:schemeClr val="accent1">
+        <a:alpha val="90000"/>
+        <a:tint val="40000"/>
+      </a:schemeClr>
+    </dgm:linClrLst>
+    <dgm:effectClrLst/>
+    <dgm:txLinClrLst/>
+    <dgm:txFillClrLst meth="repeat">
+      <a:schemeClr val="dk1"/>
+    </dgm:txFillClrLst>
+    <dgm:txEffectClrLst/>
+  </dgm:styleLbl>
+  <dgm:styleLbl name="bgAccFollowNode1">
+    <dgm:fillClrLst meth="repeat">
+      <a:schemeClr val="accent1">
+        <a:alpha val="90000"/>
+        <a:tint val="40000"/>
+      </a:schemeClr>
+    </dgm:fillClrLst>
+    <dgm:linClrLst meth="repeat">
+      <a:schemeClr val="accent1">
+        <a:alpha val="90000"/>
+        <a:tint val="40000"/>
+      </a:schemeClr>
+    </dgm:linClrLst>
+    <dgm:effectClrLst/>
+    <dgm:txLinClrLst/>
+    <dgm:txFillClrLst meth="repeat">
+      <a:schemeClr val="dk1"/>
+    </dgm:txFillClrLst>
+    <dgm:txEffectClrLst/>
+  </dgm:styleLbl>
+  <dgm:styleLbl name="fgAcc0">
+    <dgm:fillClrLst meth="repeat">
+      <a:schemeClr val="lt1">
+        <a:alpha val="90000"/>
+      </a:schemeClr>
+    </dgm:fillClrLst>
+    <dgm:linClrLst meth="repeat">
+      <a:schemeClr val="accent1"/>
+    </dgm:linClrLst>
+    <dgm:effectClrLst/>
+    <dgm:txLinClrLst/>
+    <dgm:txFillClrLst meth="repeat">
+      <a:schemeClr val="dk1"/>
+    </dgm:txFillClrLst>
+    <dgm:txEffectClrLst/>
+  </dgm:styleLbl>
+  <dgm:styleLbl name="fgAcc2">
+    <dgm:fillClrLst meth="repeat">
+      <a:schemeClr val="lt1">
+        <a:alpha val="90000"/>
+      </a:schemeClr>
+    </dgm:fillClrLst>
+    <dgm:linClrLst meth="repeat">
+      <a:schemeClr val="accent1"/>
+    </dgm:linClrLst>
+    <dgm:effectClrLst/>
+    <dgm:txLinClrLst/>
+    <dgm:txFillClrLst meth="repeat">
+      <a:schemeClr val="dk1"/>
+    </dgm:txFillClrLst>
+    <dgm:txEffectClrLst/>
+  </dgm:styleLbl>
+  <dgm:styleLbl name="fgAcc3">
+    <dgm:fillClrLst meth="repeat">
+      <a:schemeClr val="lt1">
+        <a:alpha val="90000"/>
+      </a:schemeClr>
+    </dgm:fillClrLst>
+    <dgm:linClrLst meth="repeat">
+      <a:schemeClr val="accent1"/>
+    </dgm:linClrLst>
+    <dgm:effectClrLst/>
+    <dgm:txLinClrLst/>
+    <dgm:txFillClrLst meth="repeat">
+      <a:schemeClr val="dk1"/>
+    </dgm:txFillClrLst>
+    <dgm:txEffectClrLst/>
+  </dgm:styleLbl>
+  <dgm:styleLbl name="fgAcc4">
+    <dgm:fillClrLst meth="repeat">
+      <a:schemeClr val="lt1">
+        <a:alpha val="90000"/>
+      </a:schemeClr>
+    </dgm:fillClrLst>
+    <dgm:linClrLst meth="repeat">
+      <a:schemeClr val="accent1"/>
+    </dgm:linClrLst>
+    <dgm:effectClrLst/>
+    <dgm:txLinClrLst/>
+    <dgm:txFillClrLst meth="repeat">
+      <a:schemeClr val="dk1"/>
+    </dgm:txFillClrLst>
+    <dgm:txEffectClrLst/>
+  </dgm:styleLbl>
+  <dgm:styleLbl name="bgShp">
+    <dgm:fillClrLst meth="repeat">
+      <a:schemeClr val="accent1">
+        <a:tint val="40000"/>
+      </a:schemeClr>
+    </dgm:fillClrLst>
+    <dgm:linClrLst meth="repeat">
+      <a:schemeClr val="accent1"/>
+    </dgm:linClrLst>
+    <dgm:effectClrLst/>
+    <dgm:txLinClrLst/>
+    <dgm:txFillClrLst meth="repeat">
+      <a:schemeClr val="dk1"/>
+    </dgm:txFillClrLst>
+    <dgm:txEffectClrLst/>
+  </dgm:styleLbl>
+  <dgm:styleLbl name="dkBgShp">
+    <dgm:fillClrLst meth="repeat">
+      <a:schemeClr val="accent1">
+        <a:shade val="80000"/>
+      </a:schemeClr>
+    </dgm:fillClrLst>
+    <dgm:linClrLst meth="repeat">
+      <a:schemeClr val="accent1"/>
+    </dgm:linClrLst>
+    <dgm:effectClrLst/>
+    <dgm:txLinClrLst/>
+    <dgm:txFillClrLst meth="repeat">
+      <a:schemeClr val="lt1"/>
+    </dgm:txFillClrLst>
+    <dgm:txEffectClrLst/>
+  </dgm:styleLbl>
+  <dgm:styleLbl name="trBgShp">
+    <dgm:fillClrLst meth="repeat">
+      <a:schemeClr val="accent1">
+        <a:tint val="50000"/>
+        <a:alpha val="40000"/>
+      </a:schemeClr>
+    </dgm:fillClrLst>
+    <dgm:linClrLst meth="repeat">
+      <a:schemeClr val="accent1"/>
+    </dgm:linClrLst>
+    <dgm:effectClrLst/>
+    <dgm:txLinClrLst/>
+    <dgm:txFillClrLst meth="repeat">
+      <a:schemeClr val="lt1"/>
+    </dgm:txFillClrLst>
+    <dgm:txEffectClrLst/>
+  </dgm:styleLbl>
+  <dgm:styleLbl name="fgShp">
+    <dgm:fillClrLst meth="repeat">
+      <a:schemeClr val="accent1">
+        <a:tint val="60000"/>
+      </a:schemeClr>
+    </dgm:fillClrLst>
+    <dgm:linClrLst meth="repeat">
+      <a:schemeClr val="lt1"/>
+    </dgm:linClrLst>
+    <dgm:effectClrLst/>
+    <dgm:txLinClrLst/>
+    <dgm:txFillClrLst meth="repeat">
+      <a:schemeClr val="dk1"/>
+    </dgm:txFillClrLst>
+    <dgm:txEffectClrLst/>
+  </dgm:styleLbl>
+  <dgm:styleLbl name="revTx">
+    <dgm:fillClrLst meth="repeat">
+      <a:schemeClr val="lt1">
+        <a:alpha val="0"/>
+      </a:schemeClr>
+    </dgm:fillClrLst>
+    <dgm:linClrLst meth="repeat">
+      <a:schemeClr val="dk1">
+        <a:alpha val="0"/>
+      </a:schemeClr>
+    </dgm:linClrLst>
+    <dgm:effectClrLst/>
+    <dgm:txLinClrLst/>
+    <dgm:txFillClrLst meth="repeat">
+      <a:schemeClr val="tx1"/>
+    </dgm:txFillClrLst>
+    <dgm:txEffectClrLst/>
+  </dgm:styleLbl>
+</dgm:colorsDef>
+</file>
+
+<file path=ppt/diagrams/colors5.xml><?xml version="1.0" encoding="utf-8"?>
 <dgm:colorsDef xmlns:dgm="http://schemas.openxmlformats.org/drawingml/2006/diagram" xmlns:a="http://schemas.openxmlformats.org/drawingml/2006/main" uniqueId="urn:microsoft.com/office/officeart/2005/8/colors/accent1_2#2">
   <dgm:title val=""/>
   <dgm:desc val=""/>
@@ -2867,8 +4359,8 @@
 <file path=ppt/diagrams/data2.xml><?xml version="1.0" encoding="utf-8"?>
 <dgm:dataModel xmlns:dgm="http://schemas.openxmlformats.org/drawingml/2006/diagram" xmlns:a="http://schemas.openxmlformats.org/drawingml/2006/main">
   <dgm:ptLst>
-    <dgm:pt modelId="{4177619C-3642-4F10-B1B1-BD4B02316852}" type="doc">
-      <dgm:prSet loTypeId="urn:microsoft.com/office/officeart/2005/8/layout/hProcess10" loCatId="process" qsTypeId="urn:microsoft.com/office/officeart/2005/8/quickstyle/simple1" qsCatId="simple" csTypeId="urn:microsoft.com/office/officeart/2005/8/colors/accent1_2" csCatId="accent1" phldr="1"/>
+    <dgm:pt modelId="{68CBA0C9-6872-4B80-AE7E-83556EA19888}" type="doc">
+      <dgm:prSet loTypeId="urn:microsoft.com/office/officeart/2005/8/layout/default" loCatId="list" qsTypeId="urn:microsoft.com/office/officeart/2005/8/quickstyle/simple1" qsCatId="simple" csTypeId="urn:microsoft.com/office/officeart/2005/8/colors/accent1_2" csCatId="accent1" phldr="1"/>
       <dgm:spPr/>
       <dgm:t>
         <a:bodyPr/>
@@ -2878,7 +4370,7 @@
         </a:p>
       </dgm:t>
     </dgm:pt>
-    <dgm:pt modelId="{7E1A5B32-62E0-414D-BA13-6FD4DA114853}">
+    <dgm:pt modelId="{CDA42718-D6D5-44FB-8E75-DE7CBA5FCFD2}">
       <dgm:prSet phldrT="[文本]"/>
       <dgm:spPr/>
       <dgm:t>
@@ -2886,18 +4378,14 @@
         <a:lstStyle/>
         <a:p>
           <a:r>
-            <a:rPr lang="zh-CN" altLang="en-US" dirty="0">
-              <a:solidFill>
-                <a:schemeClr val="tx1"/>
-              </a:solidFill>
-            </a:rPr>
-            <a:t>单击“购买”</a:t>
+            <a:rPr lang="en-US" altLang="en-US" dirty="0"/>
+            <a:t>JavaBean1</a:t>
           </a:r>
           <a:endParaRPr lang="zh-CN" altLang="en-US" dirty="0"/>
         </a:p>
       </dgm:t>
     </dgm:pt>
-    <dgm:pt modelId="{3B93FD43-251B-483B-B3E2-505174C44CDA}" type="parTrans" cxnId="{5000A7D2-1BED-42A0-9139-62FC06CA9E95}">
+    <dgm:pt modelId="{7A47F613-4598-4575-B647-7E280D92B008}" type="parTrans" cxnId="{E3FA74E0-F457-4F2D-A8BA-220DFE193840}">
       <dgm:prSet/>
       <dgm:spPr/>
       <dgm:t>
@@ -2908,7 +4396,7 @@
         </a:p>
       </dgm:t>
     </dgm:pt>
-    <dgm:pt modelId="{E1D6113D-5A23-4793-A948-3475F5BEAA11}" type="sibTrans" cxnId="{5000A7D2-1BED-42A0-9139-62FC06CA9E95}">
+    <dgm:pt modelId="{F53B566D-CE24-40A3-9306-90C1B489D2B6}" type="sibTrans" cxnId="{E3FA74E0-F457-4F2D-A8BA-220DFE193840}">
       <dgm:prSet/>
       <dgm:spPr/>
       <dgm:t>
@@ -2919,88 +4407,8 @@
         </a:p>
       </dgm:t>
     </dgm:pt>
-    <dgm:pt modelId="{B70FCBB5-C2BA-496C-BBF0-4C3AD58A323E}">
-      <dgm:prSet phldrT="[文本]"/>
-      <dgm:spPr/>
-      <dgm:t>
-        <a:bodyPr/>
-        <a:lstStyle/>
-        <a:p>
-          <a:r>
-            <a:rPr lang="zh-CN" altLang="en-US" dirty="0">
-              <a:solidFill>
-                <a:schemeClr val="tx1"/>
-              </a:solidFill>
-            </a:rPr>
-            <a:t>单击“移除”删除相应的商品</a:t>
-          </a:r>
-        </a:p>
-      </dgm:t>
-    </dgm:pt>
-    <dgm:pt modelId="{46ABCAF7-E603-4123-8C95-0F57B4DE6884}" type="parTrans" cxnId="{7E7496C1-9ACF-425A-B9C1-A38057C777AA}">
-      <dgm:prSet/>
-      <dgm:spPr/>
-      <dgm:t>
-        <a:bodyPr/>
-        <a:lstStyle/>
-        <a:p>
-          <a:endParaRPr lang="zh-CN" altLang="en-US"/>
-        </a:p>
-      </dgm:t>
-    </dgm:pt>
-    <dgm:pt modelId="{3FDF3D32-D23B-453D-9D22-1F103E15E9B4}" type="sibTrans" cxnId="{7E7496C1-9ACF-425A-B9C1-A38057C777AA}">
-      <dgm:prSet/>
-      <dgm:spPr/>
-      <dgm:t>
-        <a:bodyPr/>
-        <a:lstStyle/>
-        <a:p>
-          <a:endParaRPr lang="zh-CN" altLang="en-US"/>
-        </a:p>
-      </dgm:t>
-    </dgm:pt>
-    <dgm:pt modelId="{4DD36050-0A4B-4181-92B5-2B44DBCE7EC9}">
-      <dgm:prSet phldrT="[文本]"/>
-      <dgm:spPr/>
-      <dgm:t>
-        <a:bodyPr/>
-        <a:lstStyle/>
-        <a:p>
-          <a:r>
-            <a:rPr lang="zh-CN" altLang="en-US" dirty="0">
-              <a:solidFill>
-                <a:schemeClr val="tx1"/>
-              </a:solidFill>
-            </a:rPr>
-            <a:t>单击“继续购物”可返回购买页面继续购买</a:t>
-          </a:r>
-        </a:p>
-      </dgm:t>
-    </dgm:pt>
-    <dgm:pt modelId="{A3A2DA71-821B-4289-A5BA-C5244B5F1219}" type="parTrans" cxnId="{F0744DC4-612C-4378-8C2D-95569FFF5CB1}">
-      <dgm:prSet/>
-      <dgm:spPr/>
-      <dgm:t>
-        <a:bodyPr/>
-        <a:lstStyle/>
-        <a:p>
-          <a:endParaRPr lang="zh-CN" altLang="en-US"/>
-        </a:p>
-      </dgm:t>
-    </dgm:pt>
-    <dgm:pt modelId="{EC00639E-7F37-408A-B46B-489E8FE27A64}" type="sibTrans" cxnId="{F0744DC4-612C-4378-8C2D-95569FFF5CB1}">
-      <dgm:prSet/>
-      <dgm:spPr/>
-      <dgm:t>
-        <a:bodyPr/>
-        <a:lstStyle/>
-        <a:p>
-          <a:endParaRPr lang="zh-CN" altLang="en-US"/>
-        </a:p>
-      </dgm:t>
-    </dgm:pt>
-    <dgm:pt modelId="{44CE61B4-8E18-494C-84AA-3C0A50C6B307}" type="pres">
-      <dgm:prSet presAssocID="{4177619C-3642-4F10-B1B1-BD4B02316852}" presName="Name0" presStyleCnt="0">
+    <dgm:pt modelId="{F2BACA28-1CD3-4CBF-8D6A-C181310B26A3}" type="pres">
+      <dgm:prSet presAssocID="{68CBA0C9-6872-4B80-AE7E-83556EA19888}" presName="diagram" presStyleCnt="0">
         <dgm:presLayoutVars>
           <dgm:dir/>
           <dgm:resizeHandles val="exact"/>
@@ -3008,106 +4416,8 @@
       </dgm:prSet>
       <dgm:spPr/>
     </dgm:pt>
-    <dgm:pt modelId="{691D48F6-0A48-4B38-9B76-D523597C10E4}" type="pres">
-      <dgm:prSet presAssocID="{7E1A5B32-62E0-414D-BA13-6FD4DA114853}" presName="composite" presStyleCnt="0"/>
-      <dgm:spPr/>
-    </dgm:pt>
-    <dgm:pt modelId="{EC5BD892-0C75-4671-85C3-8B84253E6A51}" type="pres">
-      <dgm:prSet presAssocID="{7E1A5B32-62E0-414D-BA13-6FD4DA114853}" presName="imagSh" presStyleLbl="bgImgPlace1" presStyleIdx="0" presStyleCnt="3" custScaleX="190452" custScaleY="232357" custLinFactNeighborX="-127" custLinFactNeighborY="-40438"/>
-      <dgm:spPr>
-        <a:blipFill>
-          <a:blip xmlns:r="http://schemas.openxmlformats.org/officeDocument/2006/relationships" r:embed="rId1">
-            <a:extLst>
-              <a:ext uri="{28A0092B-C50C-407E-A947-70E740481C1C}">
-                <a14:useLocalDpi xmlns:a14="http://schemas.microsoft.com/office/drawing/2010/main" val="0"/>
-              </a:ext>
-            </a:extLst>
-          </a:blip>
-          <a:srcRect/>
-          <a:stretch>
-            <a:fillRect l="-15000" r="-15000"/>
-          </a:stretch>
-        </a:blipFill>
-      </dgm:spPr>
-    </dgm:pt>
-    <dgm:pt modelId="{F8F92A4B-7194-46FC-9E65-5A7A2A0AE45C}" type="pres">
-      <dgm:prSet presAssocID="{7E1A5B32-62E0-414D-BA13-6FD4DA114853}" presName="txNode" presStyleLbl="node1" presStyleIdx="0" presStyleCnt="3" custScaleX="159417" custLinFactNeighborX="-22676" custLinFactNeighborY="72221">
-        <dgm:presLayoutVars>
-          <dgm:bulletEnabled val="1"/>
-        </dgm:presLayoutVars>
-      </dgm:prSet>
-      <dgm:spPr/>
-    </dgm:pt>
-    <dgm:pt modelId="{36D3F588-FD79-4EB0-A9A1-EACF84E067BF}" type="pres">
-      <dgm:prSet presAssocID="{E1D6113D-5A23-4793-A948-3475F5BEAA11}" presName="sibTrans" presStyleLbl="sibTrans2D1" presStyleIdx="0" presStyleCnt="2"/>
-      <dgm:spPr/>
-    </dgm:pt>
-    <dgm:pt modelId="{5B835CBA-E51F-4EC0-A5F3-7567C7653589}" type="pres">
-      <dgm:prSet presAssocID="{E1D6113D-5A23-4793-A948-3475F5BEAA11}" presName="connTx" presStyleLbl="sibTrans2D1" presStyleIdx="0" presStyleCnt="2"/>
-      <dgm:spPr/>
-    </dgm:pt>
-    <dgm:pt modelId="{195819AE-1EC0-44A9-B971-AF163E0EAC6F}" type="pres">
-      <dgm:prSet presAssocID="{B70FCBB5-C2BA-496C-BBF0-4C3AD58A323E}" presName="composite" presStyleCnt="0"/>
-      <dgm:spPr/>
-    </dgm:pt>
-    <dgm:pt modelId="{4319C6F9-D555-4602-B84C-AE22FEF832B2}" type="pres">
-      <dgm:prSet presAssocID="{B70FCBB5-C2BA-496C-BBF0-4C3AD58A323E}" presName="imagSh" presStyleLbl="bgImgPlace1" presStyleIdx="1" presStyleCnt="3" custScaleX="193503" custScaleY="236882" custLinFactNeighborX="-2459" custLinFactNeighborY="-44950"/>
-      <dgm:spPr>
-        <a:blipFill>
-          <a:blip xmlns:r="http://schemas.openxmlformats.org/officeDocument/2006/relationships" r:embed="rId2">
-            <a:extLst>
-              <a:ext uri="{28A0092B-C50C-407E-A947-70E740481C1C}">
-                <a14:useLocalDpi xmlns:a14="http://schemas.microsoft.com/office/drawing/2010/main" val="0"/>
-              </a:ext>
-            </a:extLst>
-          </a:blip>
-          <a:srcRect/>
-          <a:stretch>
-            <a:fillRect l="-5000" r="-5000"/>
-          </a:stretch>
-        </a:blipFill>
-      </dgm:spPr>
-    </dgm:pt>
-    <dgm:pt modelId="{4F9372E5-832B-4385-8BBE-AC2892EC4A14}" type="pres">
-      <dgm:prSet presAssocID="{B70FCBB5-C2BA-496C-BBF0-4C3AD58A323E}" presName="txNode" presStyleLbl="node1" presStyleIdx="1" presStyleCnt="3" custScaleX="178259" custLinFactNeighborX="-22231" custLinFactNeighborY="72679">
-        <dgm:presLayoutVars>
-          <dgm:bulletEnabled val="1"/>
-        </dgm:presLayoutVars>
-      </dgm:prSet>
-      <dgm:spPr/>
-    </dgm:pt>
-    <dgm:pt modelId="{D09CCE42-3C12-4625-8001-6E11B1892629}" type="pres">
-      <dgm:prSet presAssocID="{3FDF3D32-D23B-453D-9D22-1F103E15E9B4}" presName="sibTrans" presStyleLbl="sibTrans2D1" presStyleIdx="1" presStyleCnt="2"/>
-      <dgm:spPr/>
-    </dgm:pt>
-    <dgm:pt modelId="{7723EDAE-9D29-43A9-B051-C128A414323B}" type="pres">
-      <dgm:prSet presAssocID="{3FDF3D32-D23B-453D-9D22-1F103E15E9B4}" presName="connTx" presStyleLbl="sibTrans2D1" presStyleIdx="1" presStyleCnt="2"/>
-      <dgm:spPr/>
-    </dgm:pt>
-    <dgm:pt modelId="{B668ABF6-7B12-4044-ABF1-CE36463CB57F}" type="pres">
-      <dgm:prSet presAssocID="{4DD36050-0A4B-4181-92B5-2B44DBCE7EC9}" presName="composite" presStyleCnt="0"/>
-      <dgm:spPr/>
-    </dgm:pt>
-    <dgm:pt modelId="{FA7D23A7-A67C-40CD-91A2-15E7480572C9}" type="pres">
-      <dgm:prSet presAssocID="{4DD36050-0A4B-4181-92B5-2B44DBCE7EC9}" presName="imagSh" presStyleLbl="bgImgPlace1" presStyleIdx="2" presStyleCnt="3" custScaleX="186431" custScaleY="232906" custLinFactNeighborX="-8083" custLinFactNeighborY="-45905"/>
-      <dgm:spPr>
-        <a:blipFill>
-          <a:blip xmlns:r="http://schemas.openxmlformats.org/officeDocument/2006/relationships" r:embed="rId3">
-            <a:extLst>
-              <a:ext uri="{28A0092B-C50C-407E-A947-70E740481C1C}">
-                <a14:useLocalDpi xmlns:a14="http://schemas.microsoft.com/office/drawing/2010/main" val="0"/>
-              </a:ext>
-            </a:extLst>
-          </a:blip>
-          <a:srcRect/>
-          <a:stretch>
-            <a:fillRect l="-8000" r="-8000"/>
-          </a:stretch>
-        </a:blipFill>
-      </dgm:spPr>
-    </dgm:pt>
-    <dgm:pt modelId="{994378F0-8BB2-410B-A499-3D67B3371F2E}" type="pres">
-      <dgm:prSet presAssocID="{4DD36050-0A4B-4181-92B5-2B44DBCE7EC9}" presName="txNode" presStyleLbl="node1" presStyleIdx="2" presStyleCnt="3" custScaleX="184615" custLinFactNeighborX="-23914" custLinFactNeighborY="69280">
+    <dgm:pt modelId="{8A53C6B3-F1A0-4192-896F-07D42B4E96F2}" type="pres">
+      <dgm:prSet presAssocID="{CDA42718-D6D5-44FB-8E75-DE7CBA5FCFD2}" presName="node" presStyleLbl="node1" presStyleIdx="0" presStyleCnt="1">
         <dgm:presLayoutVars>
           <dgm:bulletEnabled val="1"/>
         </dgm:presLayoutVars>
@@ -3116,30 +4426,10 @@
     </dgm:pt>
   </dgm:ptLst>
   <dgm:cxnLst>
-    <dgm:cxn modelId="{2E37470F-FE43-4EB2-83DB-515253EDDB2A}" type="presOf" srcId="{3FDF3D32-D23B-453D-9D22-1F103E15E9B4}" destId="{7723EDAE-9D29-43A9-B051-C128A414323B}" srcOrd="1" destOrd="0" presId="urn:microsoft.com/office/officeart/2005/8/layout/hProcess10"/>
-    <dgm:cxn modelId="{5138B220-B5E3-4AD6-970A-C47C389CE1F3}" type="presOf" srcId="{B70FCBB5-C2BA-496C-BBF0-4C3AD58A323E}" destId="{4F9372E5-832B-4385-8BBE-AC2892EC4A14}" srcOrd="0" destOrd="0" presId="urn:microsoft.com/office/officeart/2005/8/layout/hProcess10"/>
-    <dgm:cxn modelId="{39CF9B2D-41CE-478F-BB0F-E39028F9EA5F}" type="presOf" srcId="{4DD36050-0A4B-4181-92B5-2B44DBCE7EC9}" destId="{994378F0-8BB2-410B-A499-3D67B3371F2E}" srcOrd="0" destOrd="0" presId="urn:microsoft.com/office/officeart/2005/8/layout/hProcess10"/>
-    <dgm:cxn modelId="{CB1BEC63-33AF-40AF-893C-3D4C244FEB61}" type="presOf" srcId="{4177619C-3642-4F10-B1B1-BD4B02316852}" destId="{44CE61B4-8E18-494C-84AA-3C0A50C6B307}" srcOrd="0" destOrd="0" presId="urn:microsoft.com/office/officeart/2005/8/layout/hProcess10"/>
-    <dgm:cxn modelId="{DC160A6E-4291-45B5-86FE-A602FCD453AE}" type="presOf" srcId="{3FDF3D32-D23B-453D-9D22-1F103E15E9B4}" destId="{D09CCE42-3C12-4625-8001-6E11B1892629}" srcOrd="0" destOrd="0" presId="urn:microsoft.com/office/officeart/2005/8/layout/hProcess10"/>
-    <dgm:cxn modelId="{A226574F-A98B-4423-973D-1AB103DB363A}" type="presOf" srcId="{7E1A5B32-62E0-414D-BA13-6FD4DA114853}" destId="{F8F92A4B-7194-46FC-9E65-5A7A2A0AE45C}" srcOrd="0" destOrd="0" presId="urn:microsoft.com/office/officeart/2005/8/layout/hProcess10"/>
-    <dgm:cxn modelId="{D31A43B2-C951-475F-ABCC-C5BBEA588784}" type="presOf" srcId="{E1D6113D-5A23-4793-A948-3475F5BEAA11}" destId="{5B835CBA-E51F-4EC0-A5F3-7567C7653589}" srcOrd="1" destOrd="0" presId="urn:microsoft.com/office/officeart/2005/8/layout/hProcess10"/>
-    <dgm:cxn modelId="{7E7496C1-9ACF-425A-B9C1-A38057C777AA}" srcId="{4177619C-3642-4F10-B1B1-BD4B02316852}" destId="{B70FCBB5-C2BA-496C-BBF0-4C3AD58A323E}" srcOrd="1" destOrd="0" parTransId="{46ABCAF7-E603-4123-8C95-0F57B4DE6884}" sibTransId="{3FDF3D32-D23B-453D-9D22-1F103E15E9B4}"/>
-    <dgm:cxn modelId="{F0744DC4-612C-4378-8C2D-95569FFF5CB1}" srcId="{4177619C-3642-4F10-B1B1-BD4B02316852}" destId="{4DD36050-0A4B-4181-92B5-2B44DBCE7EC9}" srcOrd="2" destOrd="0" parTransId="{A3A2DA71-821B-4289-A5BA-C5244B5F1219}" sibTransId="{EC00639E-7F37-408A-B46B-489E8FE27A64}"/>
-    <dgm:cxn modelId="{5000A7D2-1BED-42A0-9139-62FC06CA9E95}" srcId="{4177619C-3642-4F10-B1B1-BD4B02316852}" destId="{7E1A5B32-62E0-414D-BA13-6FD4DA114853}" srcOrd="0" destOrd="0" parTransId="{3B93FD43-251B-483B-B3E2-505174C44CDA}" sibTransId="{E1D6113D-5A23-4793-A948-3475F5BEAA11}"/>
-    <dgm:cxn modelId="{A2B567DD-93F5-455D-92DC-12973010CBFF}" type="presOf" srcId="{E1D6113D-5A23-4793-A948-3475F5BEAA11}" destId="{36D3F588-FD79-4EB0-A9A1-EACF84E067BF}" srcOrd="0" destOrd="0" presId="urn:microsoft.com/office/officeart/2005/8/layout/hProcess10"/>
-    <dgm:cxn modelId="{18F55E47-D95D-4369-8ABD-2F1E8A76AC77}" type="presParOf" srcId="{44CE61B4-8E18-494C-84AA-3C0A50C6B307}" destId="{691D48F6-0A48-4B38-9B76-D523597C10E4}" srcOrd="0" destOrd="0" presId="urn:microsoft.com/office/officeart/2005/8/layout/hProcess10"/>
-    <dgm:cxn modelId="{4FB9AD7D-EFE5-4DDE-8D0E-992A0E678662}" type="presParOf" srcId="{691D48F6-0A48-4B38-9B76-D523597C10E4}" destId="{EC5BD892-0C75-4671-85C3-8B84253E6A51}" srcOrd="0" destOrd="0" presId="urn:microsoft.com/office/officeart/2005/8/layout/hProcess10"/>
-    <dgm:cxn modelId="{12245186-F3DB-43A9-A602-AC15AF70B8FF}" type="presParOf" srcId="{691D48F6-0A48-4B38-9B76-D523597C10E4}" destId="{F8F92A4B-7194-46FC-9E65-5A7A2A0AE45C}" srcOrd="1" destOrd="0" presId="urn:microsoft.com/office/officeart/2005/8/layout/hProcess10"/>
-    <dgm:cxn modelId="{4B8C6F21-0B19-439A-B27B-764E0425B982}" type="presParOf" srcId="{44CE61B4-8E18-494C-84AA-3C0A50C6B307}" destId="{36D3F588-FD79-4EB0-A9A1-EACF84E067BF}" srcOrd="1" destOrd="0" presId="urn:microsoft.com/office/officeart/2005/8/layout/hProcess10"/>
-    <dgm:cxn modelId="{640CBDD0-D7B7-4FE1-88D3-1E27395A2F3F}" type="presParOf" srcId="{36D3F588-FD79-4EB0-A9A1-EACF84E067BF}" destId="{5B835CBA-E51F-4EC0-A5F3-7567C7653589}" srcOrd="0" destOrd="0" presId="urn:microsoft.com/office/officeart/2005/8/layout/hProcess10"/>
-    <dgm:cxn modelId="{F0756D3C-FC15-4D5A-906C-F88BB513FF97}" type="presParOf" srcId="{44CE61B4-8E18-494C-84AA-3C0A50C6B307}" destId="{195819AE-1EC0-44A9-B971-AF163E0EAC6F}" srcOrd="2" destOrd="0" presId="urn:microsoft.com/office/officeart/2005/8/layout/hProcess10"/>
-    <dgm:cxn modelId="{75FB02EF-F1B9-4088-91D8-2583117A25E0}" type="presParOf" srcId="{195819AE-1EC0-44A9-B971-AF163E0EAC6F}" destId="{4319C6F9-D555-4602-B84C-AE22FEF832B2}" srcOrd="0" destOrd="0" presId="urn:microsoft.com/office/officeart/2005/8/layout/hProcess10"/>
-    <dgm:cxn modelId="{B8658602-53BF-45A7-A651-ABB44E199C7E}" type="presParOf" srcId="{195819AE-1EC0-44A9-B971-AF163E0EAC6F}" destId="{4F9372E5-832B-4385-8BBE-AC2892EC4A14}" srcOrd="1" destOrd="0" presId="urn:microsoft.com/office/officeart/2005/8/layout/hProcess10"/>
-    <dgm:cxn modelId="{40D9CC3B-82D1-4B48-B660-A6BD9B08F624}" type="presParOf" srcId="{44CE61B4-8E18-494C-84AA-3C0A50C6B307}" destId="{D09CCE42-3C12-4625-8001-6E11B1892629}" srcOrd="3" destOrd="0" presId="urn:microsoft.com/office/officeart/2005/8/layout/hProcess10"/>
-    <dgm:cxn modelId="{D67F3B05-9FA9-4DC6-BE9C-41DF248129DB}" type="presParOf" srcId="{D09CCE42-3C12-4625-8001-6E11B1892629}" destId="{7723EDAE-9D29-43A9-B051-C128A414323B}" srcOrd="0" destOrd="0" presId="urn:microsoft.com/office/officeart/2005/8/layout/hProcess10"/>
-    <dgm:cxn modelId="{23DEFB22-718A-4E46-A105-9A2B366BB4D6}" type="presParOf" srcId="{44CE61B4-8E18-494C-84AA-3C0A50C6B307}" destId="{B668ABF6-7B12-4044-ABF1-CE36463CB57F}" srcOrd="4" destOrd="0" presId="urn:microsoft.com/office/officeart/2005/8/layout/hProcess10"/>
-    <dgm:cxn modelId="{F4C85F00-E4F8-4C7F-B3CE-E8EDEAF273EB}" type="presParOf" srcId="{B668ABF6-7B12-4044-ABF1-CE36463CB57F}" destId="{FA7D23A7-A67C-40CD-91A2-15E7480572C9}" srcOrd="0" destOrd="0" presId="urn:microsoft.com/office/officeart/2005/8/layout/hProcess10"/>
-    <dgm:cxn modelId="{9718C027-3EBA-438C-8DD6-4EA30BC5B6AE}" type="presParOf" srcId="{B668ABF6-7B12-4044-ABF1-CE36463CB57F}" destId="{994378F0-8BB2-410B-A499-3D67B3371F2E}" srcOrd="1" destOrd="0" presId="urn:microsoft.com/office/officeart/2005/8/layout/hProcess10"/>
+    <dgm:cxn modelId="{2A8F997E-917E-4C29-872C-1707F05BFD90}" type="presOf" srcId="{68CBA0C9-6872-4B80-AE7E-83556EA19888}" destId="{F2BACA28-1CD3-4CBF-8D6A-C181310B26A3}" srcOrd="0" destOrd="0" presId="urn:microsoft.com/office/officeart/2005/8/layout/default"/>
+    <dgm:cxn modelId="{7130848C-87D6-47B7-894E-2EA681A75A72}" type="presOf" srcId="{CDA42718-D6D5-44FB-8E75-DE7CBA5FCFD2}" destId="{8A53C6B3-F1A0-4192-896F-07D42B4E96F2}" srcOrd="0" destOrd="0" presId="urn:microsoft.com/office/officeart/2005/8/layout/default"/>
+    <dgm:cxn modelId="{E3FA74E0-F457-4F2D-A8BA-220DFE193840}" srcId="{68CBA0C9-6872-4B80-AE7E-83556EA19888}" destId="{CDA42718-D6D5-44FB-8E75-DE7CBA5FCFD2}" srcOrd="0" destOrd="0" parTransId="{7A47F613-4598-4575-B647-7E280D92B008}" sibTransId="{F53B566D-CE24-40A3-9306-90C1B489D2B6}"/>
+    <dgm:cxn modelId="{9A0EDB38-1107-4446-A2AB-9B15721511E9}" type="presParOf" srcId="{F2BACA28-1CD3-4CBF-8D6A-C181310B26A3}" destId="{8A53C6B3-F1A0-4192-896F-07D42B4E96F2}" srcOrd="0" destOrd="0" presId="urn:microsoft.com/office/officeart/2005/8/layout/default"/>
   </dgm:cxnLst>
   <dgm:bg/>
   <dgm:whole/>
@@ -3152,6 +4442,184 @@
 </file>
 
 <file path=ppt/diagrams/data3.xml><?xml version="1.0" encoding="utf-8"?>
+<dgm:dataModel xmlns:dgm="http://schemas.openxmlformats.org/drawingml/2006/diagram" xmlns:a="http://schemas.openxmlformats.org/drawingml/2006/main">
+  <dgm:ptLst>
+    <dgm:pt modelId="{68CBA0C9-6872-4B80-AE7E-83556EA19888}" type="doc">
+      <dgm:prSet loTypeId="urn:microsoft.com/office/officeart/2005/8/layout/default" loCatId="list" qsTypeId="urn:microsoft.com/office/officeart/2005/8/quickstyle/simple1" qsCatId="simple" csTypeId="urn:microsoft.com/office/officeart/2005/8/colors/accent1_2" csCatId="accent1" phldr="1"/>
+      <dgm:spPr/>
+      <dgm:t>
+        <a:bodyPr/>
+        <a:lstStyle/>
+        <a:p>
+          <a:endParaRPr lang="zh-CN" altLang="en-US"/>
+        </a:p>
+      </dgm:t>
+    </dgm:pt>
+    <dgm:pt modelId="{CDA42718-D6D5-44FB-8E75-DE7CBA5FCFD2}">
+      <dgm:prSet phldrT="[文本]"/>
+      <dgm:spPr/>
+      <dgm:t>
+        <a:bodyPr/>
+        <a:lstStyle/>
+        <a:p>
+          <a:r>
+            <a:rPr lang="en-US" altLang="en-US" dirty="0"/>
+            <a:t>JavaBean</a:t>
+          </a:r>
+          <a:r>
+            <a:rPr lang="en-US" altLang="zh-CN" dirty="0"/>
+            <a:t>2</a:t>
+          </a:r>
+          <a:endParaRPr lang="zh-CN" altLang="en-US" dirty="0"/>
+        </a:p>
+      </dgm:t>
+    </dgm:pt>
+    <dgm:pt modelId="{7A47F613-4598-4575-B647-7E280D92B008}" type="parTrans" cxnId="{E3FA74E0-F457-4F2D-A8BA-220DFE193840}">
+      <dgm:prSet/>
+      <dgm:spPr/>
+      <dgm:t>
+        <a:bodyPr/>
+        <a:lstStyle/>
+        <a:p>
+          <a:endParaRPr lang="zh-CN" altLang="en-US"/>
+        </a:p>
+      </dgm:t>
+    </dgm:pt>
+    <dgm:pt modelId="{F53B566D-CE24-40A3-9306-90C1B489D2B6}" type="sibTrans" cxnId="{E3FA74E0-F457-4F2D-A8BA-220DFE193840}">
+      <dgm:prSet/>
+      <dgm:spPr/>
+      <dgm:t>
+        <a:bodyPr/>
+        <a:lstStyle/>
+        <a:p>
+          <a:endParaRPr lang="zh-CN" altLang="en-US"/>
+        </a:p>
+      </dgm:t>
+    </dgm:pt>
+    <dgm:pt modelId="{F2BACA28-1CD3-4CBF-8D6A-C181310B26A3}" type="pres">
+      <dgm:prSet presAssocID="{68CBA0C9-6872-4B80-AE7E-83556EA19888}" presName="diagram" presStyleCnt="0">
+        <dgm:presLayoutVars>
+          <dgm:dir/>
+          <dgm:resizeHandles val="exact"/>
+        </dgm:presLayoutVars>
+      </dgm:prSet>
+      <dgm:spPr/>
+    </dgm:pt>
+    <dgm:pt modelId="{8A53C6B3-F1A0-4192-896F-07D42B4E96F2}" type="pres">
+      <dgm:prSet presAssocID="{CDA42718-D6D5-44FB-8E75-DE7CBA5FCFD2}" presName="node" presStyleLbl="node1" presStyleIdx="0" presStyleCnt="1">
+        <dgm:presLayoutVars>
+          <dgm:bulletEnabled val="1"/>
+        </dgm:presLayoutVars>
+      </dgm:prSet>
+      <dgm:spPr/>
+    </dgm:pt>
+  </dgm:ptLst>
+  <dgm:cxnLst>
+    <dgm:cxn modelId="{2A8F997E-917E-4C29-872C-1707F05BFD90}" type="presOf" srcId="{68CBA0C9-6872-4B80-AE7E-83556EA19888}" destId="{F2BACA28-1CD3-4CBF-8D6A-C181310B26A3}" srcOrd="0" destOrd="0" presId="urn:microsoft.com/office/officeart/2005/8/layout/default"/>
+    <dgm:cxn modelId="{7130848C-87D6-47B7-894E-2EA681A75A72}" type="presOf" srcId="{CDA42718-D6D5-44FB-8E75-DE7CBA5FCFD2}" destId="{8A53C6B3-F1A0-4192-896F-07D42B4E96F2}" srcOrd="0" destOrd="0" presId="urn:microsoft.com/office/officeart/2005/8/layout/default"/>
+    <dgm:cxn modelId="{E3FA74E0-F457-4F2D-A8BA-220DFE193840}" srcId="{68CBA0C9-6872-4B80-AE7E-83556EA19888}" destId="{CDA42718-D6D5-44FB-8E75-DE7CBA5FCFD2}" srcOrd="0" destOrd="0" parTransId="{7A47F613-4598-4575-B647-7E280D92B008}" sibTransId="{F53B566D-CE24-40A3-9306-90C1B489D2B6}"/>
+    <dgm:cxn modelId="{9A0EDB38-1107-4446-A2AB-9B15721511E9}" type="presParOf" srcId="{F2BACA28-1CD3-4CBF-8D6A-C181310B26A3}" destId="{8A53C6B3-F1A0-4192-896F-07D42B4E96F2}" srcOrd="0" destOrd="0" presId="urn:microsoft.com/office/officeart/2005/8/layout/default"/>
+  </dgm:cxnLst>
+  <dgm:bg/>
+  <dgm:whole/>
+  <dgm:extLst>
+    <a:ext uri="http://schemas.microsoft.com/office/drawing/2008/diagram">
+      <dsp:dataModelExt xmlns:dsp="http://schemas.microsoft.com/office/drawing/2008/diagram" relId="rId6" minVer="http://schemas.openxmlformats.org/drawingml/2006/diagram"/>
+    </a:ext>
+  </dgm:extLst>
+</dgm:dataModel>
+</file>
+
+<file path=ppt/diagrams/data4.xml><?xml version="1.0" encoding="utf-8"?>
+<dgm:dataModel xmlns:dgm="http://schemas.openxmlformats.org/drawingml/2006/diagram" xmlns:a="http://schemas.openxmlformats.org/drawingml/2006/main">
+  <dgm:ptLst>
+    <dgm:pt modelId="{68CBA0C9-6872-4B80-AE7E-83556EA19888}" type="doc">
+      <dgm:prSet loTypeId="urn:microsoft.com/office/officeart/2005/8/layout/default" loCatId="list" qsTypeId="urn:microsoft.com/office/officeart/2005/8/quickstyle/simple1" qsCatId="simple" csTypeId="urn:microsoft.com/office/officeart/2005/8/colors/accent1_2" csCatId="accent1" phldr="1"/>
+      <dgm:spPr/>
+      <dgm:t>
+        <a:bodyPr/>
+        <a:lstStyle/>
+        <a:p>
+          <a:endParaRPr lang="zh-CN" altLang="en-US"/>
+        </a:p>
+      </dgm:t>
+    </dgm:pt>
+    <dgm:pt modelId="{CDA42718-D6D5-44FB-8E75-DE7CBA5FCFD2}">
+      <dgm:prSet phldrT="[文本]"/>
+      <dgm:spPr/>
+      <dgm:t>
+        <a:bodyPr/>
+        <a:lstStyle/>
+        <a:p>
+          <a:r>
+            <a:rPr lang="en-US" altLang="en-US" dirty="0"/>
+            <a:t>JavaBean</a:t>
+          </a:r>
+          <a:r>
+            <a:rPr lang="en-US" altLang="zh-CN" dirty="0"/>
+            <a:t>3</a:t>
+          </a:r>
+          <a:endParaRPr lang="zh-CN" altLang="en-US" dirty="0"/>
+        </a:p>
+      </dgm:t>
+    </dgm:pt>
+    <dgm:pt modelId="{7A47F613-4598-4575-B647-7E280D92B008}" type="parTrans" cxnId="{E3FA74E0-F457-4F2D-A8BA-220DFE193840}">
+      <dgm:prSet/>
+      <dgm:spPr/>
+      <dgm:t>
+        <a:bodyPr/>
+        <a:lstStyle/>
+        <a:p>
+          <a:endParaRPr lang="zh-CN" altLang="en-US"/>
+        </a:p>
+      </dgm:t>
+    </dgm:pt>
+    <dgm:pt modelId="{F53B566D-CE24-40A3-9306-90C1B489D2B6}" type="sibTrans" cxnId="{E3FA74E0-F457-4F2D-A8BA-220DFE193840}">
+      <dgm:prSet/>
+      <dgm:spPr/>
+      <dgm:t>
+        <a:bodyPr/>
+        <a:lstStyle/>
+        <a:p>
+          <a:endParaRPr lang="zh-CN" altLang="en-US"/>
+        </a:p>
+      </dgm:t>
+    </dgm:pt>
+    <dgm:pt modelId="{F2BACA28-1CD3-4CBF-8D6A-C181310B26A3}" type="pres">
+      <dgm:prSet presAssocID="{68CBA0C9-6872-4B80-AE7E-83556EA19888}" presName="diagram" presStyleCnt="0">
+        <dgm:presLayoutVars>
+          <dgm:dir/>
+          <dgm:resizeHandles val="exact"/>
+        </dgm:presLayoutVars>
+      </dgm:prSet>
+      <dgm:spPr/>
+    </dgm:pt>
+    <dgm:pt modelId="{8A53C6B3-F1A0-4192-896F-07D42B4E96F2}" type="pres">
+      <dgm:prSet presAssocID="{CDA42718-D6D5-44FB-8E75-DE7CBA5FCFD2}" presName="node" presStyleLbl="node1" presStyleIdx="0" presStyleCnt="1">
+        <dgm:presLayoutVars>
+          <dgm:bulletEnabled val="1"/>
+        </dgm:presLayoutVars>
+      </dgm:prSet>
+      <dgm:spPr/>
+    </dgm:pt>
+  </dgm:ptLst>
+  <dgm:cxnLst>
+    <dgm:cxn modelId="{2A8F997E-917E-4C29-872C-1707F05BFD90}" type="presOf" srcId="{68CBA0C9-6872-4B80-AE7E-83556EA19888}" destId="{F2BACA28-1CD3-4CBF-8D6A-C181310B26A3}" srcOrd="0" destOrd="0" presId="urn:microsoft.com/office/officeart/2005/8/layout/default"/>
+    <dgm:cxn modelId="{7130848C-87D6-47B7-894E-2EA681A75A72}" type="presOf" srcId="{CDA42718-D6D5-44FB-8E75-DE7CBA5FCFD2}" destId="{8A53C6B3-F1A0-4192-896F-07D42B4E96F2}" srcOrd="0" destOrd="0" presId="urn:microsoft.com/office/officeart/2005/8/layout/default"/>
+    <dgm:cxn modelId="{E3FA74E0-F457-4F2D-A8BA-220DFE193840}" srcId="{68CBA0C9-6872-4B80-AE7E-83556EA19888}" destId="{CDA42718-D6D5-44FB-8E75-DE7CBA5FCFD2}" srcOrd="0" destOrd="0" parTransId="{7A47F613-4598-4575-B647-7E280D92B008}" sibTransId="{F53B566D-CE24-40A3-9306-90C1B489D2B6}"/>
+    <dgm:cxn modelId="{9A0EDB38-1107-4446-A2AB-9B15721511E9}" type="presParOf" srcId="{F2BACA28-1CD3-4CBF-8D6A-C181310B26A3}" destId="{8A53C6B3-F1A0-4192-896F-07D42B4E96F2}" srcOrd="0" destOrd="0" presId="urn:microsoft.com/office/officeart/2005/8/layout/default"/>
+  </dgm:cxnLst>
+  <dgm:bg/>
+  <dgm:whole/>
+  <dgm:extLst>
+    <a:ext uri="http://schemas.microsoft.com/office/drawing/2008/diagram">
+      <dsp:dataModelExt xmlns:dsp="http://schemas.microsoft.com/office/drawing/2008/diagram" relId="rId6" minVer="http://schemas.openxmlformats.org/drawingml/2006/diagram"/>
+    </a:ext>
+  </dgm:extLst>
+</dgm:dataModel>
+</file>
+
+<file path=ppt/diagrams/data5.xml><?xml version="1.0" encoding="utf-8"?>
 <dgm:dataModel xmlns:dgm="http://schemas.openxmlformats.org/drawingml/2006/diagram" xmlns:a="http://schemas.openxmlformats.org/drawingml/2006/main">
   <dgm:ptLst>
     <dgm:pt modelId="{B180879B-94D4-4073-8F12-8D8EAE59EFF8}" type="doc">
@@ -4130,74 +5598,18 @@
       <dsp:cNvGrpSpPr/>
     </dsp:nvGrpSpPr>
     <dsp:grpSpPr/>
-    <dsp:sp modelId="{EC5BD892-0C75-4671-85C3-8B84253E6A51}">
+    <dsp:sp modelId="{8A53C6B3-F1A0-4192-896F-07D42B4E96F2}">
       <dsp:nvSpPr>
         <dsp:cNvPr id="0" name=""/>
         <dsp:cNvSpPr/>
       </dsp:nvSpPr>
       <dsp:spPr>
         <a:xfrm>
-          <a:off x="0" y="375780"/>
-          <a:ext cx="2038628" cy="2487186"/>
+          <a:off x="1289893" y="2093"/>
+          <a:ext cx="5649813" cy="3389887"/>
         </a:xfrm>
-        <a:prstGeom prst="roundRect">
-          <a:avLst>
-            <a:gd name="adj" fmla="val 10000"/>
-          </a:avLst>
-        </a:prstGeom>
-        <a:blipFill>
-          <a:blip xmlns:r="http://schemas.openxmlformats.org/officeDocument/2006/relationships" r:embed="rId1">
-            <a:extLst>
-              <a:ext uri="{28A0092B-C50C-407E-A947-70E740481C1C}">
-                <a14:useLocalDpi xmlns:a14="http://schemas.microsoft.com/office/drawing/2010/main" val="0"/>
-              </a:ext>
-            </a:extLst>
-          </a:blip>
-          <a:srcRect/>
-          <a:stretch>
-            <a:fillRect l="-15000" r="-15000"/>
-          </a:stretch>
-        </a:blipFill>
-        <a:ln w="28575" cap="flat" cmpd="sng" algn="ctr">
-          <a:solidFill>
-            <a:schemeClr val="lt1">
-              <a:hueOff val="0"/>
-              <a:satOff val="0"/>
-              <a:lumOff val="0"/>
-              <a:alphaOff val="0"/>
-            </a:schemeClr>
-          </a:solidFill>
-          <a:prstDash val="solid"/>
-        </a:ln>
-        <a:effectLst/>
-      </dsp:spPr>
-      <dsp:style>
-        <a:lnRef idx="2">
-          <a:scrgbClr r="0" g="0" b="0"/>
-        </a:lnRef>
-        <a:fillRef idx="1">
-          <a:scrgbClr r="0" g="0" b="0"/>
-        </a:fillRef>
-        <a:effectRef idx="0">
-          <a:scrgbClr r="0" g="0" b="0"/>
-        </a:effectRef>
-        <a:fontRef idx="minor"/>
-      </dsp:style>
-    </dsp:sp>
-    <dsp:sp modelId="{F8F92A4B-7194-46FC-9E65-5A7A2A0AE45C}">
-      <dsp:nvSpPr>
-        <dsp:cNvPr id="0" name=""/>
-        <dsp:cNvSpPr/>
-      </dsp:nvSpPr>
-      <dsp:spPr>
-        <a:xfrm>
-          <a:off x="97752" y="2932334"/>
-          <a:ext cx="1706424" cy="1070415"/>
-        </a:xfrm>
-        <a:prstGeom prst="roundRect">
-          <a:avLst>
-            <a:gd name="adj" fmla="val 10000"/>
-          </a:avLst>
+        <a:prstGeom prst="rect">
+          <a:avLst/>
         </a:prstGeom>
         <a:solidFill>
           <a:schemeClr val="accent1">
@@ -4235,12 +5647,12 @@
         </a:fontRef>
       </dsp:style>
       <dsp:txBody>
-        <a:bodyPr spcFirstLastPara="0" vert="horz" wrap="square" lIns="68580" tIns="68580" rIns="68580" bIns="68580" numCol="1" spcCol="1270" anchor="ctr" anchorCtr="0">
+        <a:bodyPr spcFirstLastPara="0" vert="horz" wrap="square" lIns="247650" tIns="247650" rIns="247650" bIns="247650" numCol="1" spcCol="1270" anchor="ctr" anchorCtr="0">
           <a:noAutofit/>
         </a:bodyPr>
         <a:lstStyle/>
         <a:p>
-          <a:pPr marL="0" lvl="0" indent="0" algn="ctr" defTabSz="800100">
+          <a:pPr marL="0" lvl="0" indent="0" algn="ctr" defTabSz="2889250">
             <a:lnSpc>
               <a:spcPct val="90000"/>
             </a:lnSpc>
@@ -4253,159 +5665,41 @@
             <a:buNone/>
           </a:pPr>
           <a:r>
-            <a:rPr lang="zh-CN" altLang="en-US" sz="1800" kern="1200" dirty="0">
-              <a:solidFill>
-                <a:schemeClr val="tx1"/>
-              </a:solidFill>
-            </a:rPr>
-            <a:t>单击“购买”</a:t>
+            <a:rPr lang="en-US" altLang="en-US" sz="6500" kern="1200" dirty="0"/>
+            <a:t>JavaBean1</a:t>
           </a:r>
-          <a:endParaRPr lang="zh-CN" altLang="en-US" sz="1800" kern="1200" dirty="0"/>
+          <a:endParaRPr lang="zh-CN" altLang="en-US" sz="6500" kern="1200" dirty="0"/>
         </a:p>
       </dsp:txBody>
       <dsp:txXfrm>
-        <a:off x="129103" y="2963685"/>
-        <a:ext cx="1643722" cy="1007713"/>
+        <a:off x="1289893" y="2093"/>
+        <a:ext cx="5649813" cy="3389887"/>
       </dsp:txXfrm>
     </dsp:sp>
-    <dsp:sp modelId="{36D3F588-FD79-4EB0-A9A1-EACF84E067BF}">
-      <dsp:nvSpPr>
-        <dsp:cNvPr id="0" name=""/>
-        <dsp:cNvSpPr/>
-      </dsp:nvSpPr>
-      <dsp:spPr>
-        <a:xfrm rot="21532289">
-          <a:off x="2177495" y="1466587"/>
-          <a:ext cx="138908" cy="257205"/>
-        </a:xfrm>
-        <a:prstGeom prst="rightArrow">
-          <a:avLst>
-            <a:gd name="adj1" fmla="val 60000"/>
-            <a:gd name="adj2" fmla="val 50000"/>
-          </a:avLst>
-        </a:prstGeom>
-        <a:solidFill>
-          <a:schemeClr val="accent1">
-            <a:tint val="60000"/>
-            <a:hueOff val="0"/>
-            <a:satOff val="0"/>
-            <a:lumOff val="0"/>
-            <a:alphaOff val="0"/>
-          </a:schemeClr>
-        </a:solidFill>
-        <a:ln>
-          <a:noFill/>
-        </a:ln>
-        <a:effectLst/>
-      </dsp:spPr>
-      <dsp:style>
-        <a:lnRef idx="0">
-          <a:scrgbClr r="0" g="0" b="0"/>
-        </a:lnRef>
-        <a:fillRef idx="1">
-          <a:scrgbClr r="0" g="0" b="0"/>
-        </a:fillRef>
-        <a:effectRef idx="0">
-          <a:scrgbClr r="0" g="0" b="0"/>
-        </a:effectRef>
-        <a:fontRef idx="minor">
-          <a:schemeClr val="lt1"/>
-        </a:fontRef>
-      </dsp:style>
-      <dsp:txBody>
-        <a:bodyPr spcFirstLastPara="0" vert="horz" wrap="square" lIns="0" tIns="0" rIns="0" bIns="0" numCol="1" spcCol="1270" anchor="ctr" anchorCtr="0">
-          <a:noAutofit/>
-        </a:bodyPr>
-        <a:lstStyle/>
-        <a:p>
-          <a:pPr marL="0" lvl="0" indent="0" algn="ctr" defTabSz="444500">
-            <a:lnSpc>
-              <a:spcPct val="90000"/>
-            </a:lnSpc>
-            <a:spcBef>
-              <a:spcPct val="0"/>
-            </a:spcBef>
-            <a:spcAft>
-              <a:spcPct val="35000"/>
-            </a:spcAft>
-            <a:buNone/>
-          </a:pPr>
-          <a:endParaRPr lang="zh-CN" altLang="en-US" sz="1000" kern="1200"/>
-        </a:p>
-      </dsp:txBody>
-      <dsp:txXfrm>
-        <a:off x="2177499" y="1518438"/>
-        <a:ext cx="97236" cy="154323"/>
-      </dsp:txXfrm>
-    </dsp:sp>
-    <dsp:sp modelId="{4319C6F9-D555-4602-B84C-AE22FEF832B2}">
+  </dsp:spTree>
+</dsp:drawing>
+</file>
+
+<file path=ppt/diagrams/drawing3.xml><?xml version="1.0" encoding="utf-8"?>
+<dsp:drawing xmlns:dgm="http://schemas.openxmlformats.org/drawingml/2006/diagram" xmlns:dsp="http://schemas.microsoft.com/office/drawing/2008/diagram" xmlns:a="http://schemas.openxmlformats.org/drawingml/2006/main">
+  <dsp:spTree>
+    <dsp:nvGrpSpPr>
+      <dsp:cNvPr id="0" name=""/>
+      <dsp:cNvGrpSpPr/>
+    </dsp:nvGrpSpPr>
+    <dsp:grpSpPr/>
+    <dsp:sp modelId="{8A53C6B3-F1A0-4192-896F-07D42B4E96F2}">
       <dsp:nvSpPr>
         <dsp:cNvPr id="0" name=""/>
         <dsp:cNvSpPr/>
       </dsp:nvSpPr>
       <dsp:spPr>
         <a:xfrm>
-          <a:off x="2435431" y="303264"/>
-          <a:ext cx="2071286" cy="2535622"/>
+          <a:off x="1289893" y="2093"/>
+          <a:ext cx="5649813" cy="3389887"/>
         </a:xfrm>
-        <a:prstGeom prst="roundRect">
-          <a:avLst>
-            <a:gd name="adj" fmla="val 10000"/>
-          </a:avLst>
-        </a:prstGeom>
-        <a:blipFill>
-          <a:blip xmlns:r="http://schemas.openxmlformats.org/officeDocument/2006/relationships" r:embed="rId2">
-            <a:extLst>
-              <a:ext uri="{28A0092B-C50C-407E-A947-70E740481C1C}">
-                <a14:useLocalDpi xmlns:a14="http://schemas.microsoft.com/office/drawing/2010/main" val="0"/>
-              </a:ext>
-            </a:extLst>
-          </a:blip>
-          <a:srcRect/>
-          <a:stretch>
-            <a:fillRect l="-5000" r="-5000"/>
-          </a:stretch>
-        </a:blipFill>
-        <a:ln w="28575" cap="flat" cmpd="sng" algn="ctr">
-          <a:solidFill>
-            <a:schemeClr val="lt1">
-              <a:hueOff val="0"/>
-              <a:satOff val="0"/>
-              <a:lumOff val="0"/>
-              <a:alphaOff val="0"/>
-            </a:schemeClr>
-          </a:solidFill>
-          <a:prstDash val="solid"/>
-        </a:ln>
-        <a:effectLst/>
-      </dsp:spPr>
-      <dsp:style>
-        <a:lnRef idx="2">
-          <a:scrgbClr r="0" g="0" b="0"/>
-        </a:lnRef>
-        <a:fillRef idx="1">
-          <a:scrgbClr r="0" g="0" b="0"/>
-        </a:fillRef>
-        <a:effectRef idx="0">
-          <a:scrgbClr r="0" g="0" b="0"/>
-        </a:effectRef>
-        <a:fontRef idx="minor"/>
-      </dsp:style>
-    </dsp:sp>
-    <dsp:sp modelId="{4F9372E5-832B-4385-8BBE-AC2892EC4A14}">
-      <dsp:nvSpPr>
-        <dsp:cNvPr id="0" name=""/>
-        <dsp:cNvSpPr/>
-      </dsp:nvSpPr>
-      <dsp:spPr>
-        <a:xfrm>
-          <a:off x="2479629" y="2937237"/>
-          <a:ext cx="1908112" cy="1070415"/>
-        </a:xfrm>
-        <a:prstGeom prst="roundRect">
-          <a:avLst>
-            <a:gd name="adj" fmla="val 10000"/>
-          </a:avLst>
+        <a:prstGeom prst="rect">
+          <a:avLst/>
         </a:prstGeom>
         <a:solidFill>
           <a:schemeClr val="accent1">
@@ -4443,12 +5737,12 @@
         </a:fontRef>
       </dsp:style>
       <dsp:txBody>
-        <a:bodyPr spcFirstLastPara="0" vert="horz" wrap="square" lIns="64770" tIns="64770" rIns="64770" bIns="64770" numCol="1" spcCol="1270" anchor="ctr" anchorCtr="0">
+        <a:bodyPr spcFirstLastPara="0" vert="horz" wrap="square" lIns="247650" tIns="247650" rIns="247650" bIns="247650" numCol="1" spcCol="1270" anchor="ctr" anchorCtr="0">
           <a:noAutofit/>
         </a:bodyPr>
         <a:lstStyle/>
         <a:p>
-          <a:pPr marL="0" lvl="0" indent="0" algn="ctr" defTabSz="755650">
+          <a:pPr marL="0" lvl="0" indent="0" algn="ctr" defTabSz="2889250">
             <a:lnSpc>
               <a:spcPct val="90000"/>
             </a:lnSpc>
@@ -4461,158 +5755,45 @@
             <a:buNone/>
           </a:pPr>
           <a:r>
-            <a:rPr lang="zh-CN" altLang="en-US" sz="1700" kern="1200" dirty="0">
-              <a:solidFill>
-                <a:schemeClr val="tx1"/>
-              </a:solidFill>
-            </a:rPr>
-            <a:t>单击“移除”删除相应的商品</a:t>
+            <a:rPr lang="en-US" altLang="en-US" sz="6500" kern="1200" dirty="0"/>
+            <a:t>JavaBean</a:t>
           </a:r>
+          <a:r>
+            <a:rPr lang="en-US" altLang="zh-CN" sz="6500" kern="1200" dirty="0"/>
+            <a:t>2</a:t>
+          </a:r>
+          <a:endParaRPr lang="zh-CN" altLang="en-US" sz="6500" kern="1200" dirty="0"/>
         </a:p>
       </dsp:txBody>
       <dsp:txXfrm>
-        <a:off x="2510980" y="2968588"/>
-        <a:ext cx="1845410" cy="1007713"/>
+        <a:off x="1289893" y="2093"/>
+        <a:ext cx="5649813" cy="3389887"/>
       </dsp:txXfrm>
     </dsp:sp>
-    <dsp:sp modelId="{D09CCE42-3C12-4625-8001-6E11B1892629}">
-      <dsp:nvSpPr>
-        <dsp:cNvPr id="0" name=""/>
-        <dsp:cNvSpPr/>
-      </dsp:nvSpPr>
-      <dsp:spPr>
-        <a:xfrm rot="21585834">
-          <a:off x="4663277" y="1437237"/>
-          <a:ext cx="156561" cy="257205"/>
-        </a:xfrm>
-        <a:prstGeom prst="rightArrow">
-          <a:avLst>
-            <a:gd name="adj1" fmla="val 60000"/>
-            <a:gd name="adj2" fmla="val 50000"/>
-          </a:avLst>
-        </a:prstGeom>
-        <a:solidFill>
-          <a:schemeClr val="accent1">
-            <a:tint val="60000"/>
-            <a:hueOff val="0"/>
-            <a:satOff val="0"/>
-            <a:lumOff val="0"/>
-            <a:alphaOff val="0"/>
-          </a:schemeClr>
-        </a:solidFill>
-        <a:ln>
-          <a:noFill/>
-        </a:ln>
-        <a:effectLst/>
-      </dsp:spPr>
-      <dsp:style>
-        <a:lnRef idx="0">
-          <a:scrgbClr r="0" g="0" b="0"/>
-        </a:lnRef>
-        <a:fillRef idx="1">
-          <a:scrgbClr r="0" g="0" b="0"/>
-        </a:fillRef>
-        <a:effectRef idx="0">
-          <a:scrgbClr r="0" g="0" b="0"/>
-        </a:effectRef>
-        <a:fontRef idx="minor">
-          <a:schemeClr val="lt1"/>
-        </a:fontRef>
-      </dsp:style>
-      <dsp:txBody>
-        <a:bodyPr spcFirstLastPara="0" vert="horz" wrap="square" lIns="0" tIns="0" rIns="0" bIns="0" numCol="1" spcCol="1270" anchor="ctr" anchorCtr="0">
-          <a:noAutofit/>
-        </a:bodyPr>
-        <a:lstStyle/>
-        <a:p>
-          <a:pPr marL="0" lvl="0" indent="0" algn="ctr" defTabSz="444500">
-            <a:lnSpc>
-              <a:spcPct val="90000"/>
-            </a:lnSpc>
-            <a:spcBef>
-              <a:spcPct val="0"/>
-            </a:spcBef>
-            <a:spcAft>
-              <a:spcPct val="35000"/>
-            </a:spcAft>
-            <a:buNone/>
-          </a:pPr>
-          <a:endParaRPr lang="zh-CN" altLang="en-US" sz="1000" kern="1200"/>
-        </a:p>
-      </dsp:txBody>
-      <dsp:txXfrm>
-        <a:off x="4663277" y="1488775"/>
-        <a:ext cx="109593" cy="154323"/>
-      </dsp:txXfrm>
-    </dsp:sp>
-    <dsp:sp modelId="{FA7D23A7-A67C-40CD-91A2-15E7480572C9}">
+  </dsp:spTree>
+</dsp:drawing>
+</file>
+
+<file path=ppt/diagrams/drawing4.xml><?xml version="1.0" encoding="utf-8"?>
+<dsp:drawing xmlns:dgm="http://schemas.openxmlformats.org/drawingml/2006/diagram" xmlns:dsp="http://schemas.microsoft.com/office/drawing/2008/diagram" xmlns:a="http://schemas.openxmlformats.org/drawingml/2006/main">
+  <dsp:spTree>
+    <dsp:nvGrpSpPr>
+      <dsp:cNvPr id="0" name=""/>
+      <dsp:cNvGrpSpPr/>
+    </dsp:nvGrpSpPr>
+    <dsp:grpSpPr/>
+    <dsp:sp modelId="{8A53C6B3-F1A0-4192-896F-07D42B4E96F2}">
       <dsp:nvSpPr>
         <dsp:cNvPr id="0" name=""/>
         <dsp:cNvSpPr/>
       </dsp:nvSpPr>
       <dsp:spPr>
         <a:xfrm>
-          <a:off x="4954032" y="314322"/>
-          <a:ext cx="1995586" cy="2493062"/>
+          <a:off x="1289893" y="2093"/>
+          <a:ext cx="5649813" cy="3389887"/>
         </a:xfrm>
-        <a:prstGeom prst="roundRect">
-          <a:avLst>
-            <a:gd name="adj" fmla="val 10000"/>
-          </a:avLst>
-        </a:prstGeom>
-        <a:blipFill>
-          <a:blip xmlns:r="http://schemas.openxmlformats.org/officeDocument/2006/relationships" r:embed="rId3">
-            <a:extLst>
-              <a:ext uri="{28A0092B-C50C-407E-A947-70E740481C1C}">
-                <a14:useLocalDpi xmlns:a14="http://schemas.microsoft.com/office/drawing/2010/main" val="0"/>
-              </a:ext>
-            </a:extLst>
-          </a:blip>
-          <a:srcRect/>
-          <a:stretch>
-            <a:fillRect l="-8000" r="-8000"/>
-          </a:stretch>
-        </a:blipFill>
-        <a:ln w="28575" cap="flat" cmpd="sng" algn="ctr">
-          <a:solidFill>
-            <a:schemeClr val="lt1">
-              <a:hueOff val="0"/>
-              <a:satOff val="0"/>
-              <a:lumOff val="0"/>
-              <a:alphaOff val="0"/>
-            </a:schemeClr>
-          </a:solidFill>
-          <a:prstDash val="solid"/>
-        </a:ln>
-        <a:effectLst/>
-      </dsp:spPr>
-      <dsp:style>
-        <a:lnRef idx="2">
-          <a:scrgbClr r="0" g="0" b="0"/>
-        </a:lnRef>
-        <a:fillRef idx="1">
-          <a:scrgbClr r="0" g="0" b="0"/>
-        </a:fillRef>
-        <a:effectRef idx="0">
-          <a:scrgbClr r="0" g="0" b="0"/>
-        </a:effectRef>
-        <a:fontRef idx="minor"/>
-      </dsp:style>
-    </dsp:sp>
-    <dsp:sp modelId="{994378F0-8BB2-410B-A499-3D67B3371F2E}">
-      <dsp:nvSpPr>
-        <dsp:cNvPr id="0" name=""/>
-        <dsp:cNvSpPr/>
-      </dsp:nvSpPr>
-      <dsp:spPr>
-        <a:xfrm>
-          <a:off x="4968548" y="2900853"/>
-          <a:ext cx="1976148" cy="1070415"/>
-        </a:xfrm>
-        <a:prstGeom prst="roundRect">
-          <a:avLst>
-            <a:gd name="adj" fmla="val 10000"/>
-          </a:avLst>
+        <a:prstGeom prst="rect">
+          <a:avLst/>
         </a:prstGeom>
         <a:solidFill>
           <a:schemeClr val="accent1">
@@ -4650,12 +5831,12 @@
         </a:fontRef>
       </dsp:style>
       <dsp:txBody>
-        <a:bodyPr spcFirstLastPara="0" vert="horz" wrap="square" lIns="64770" tIns="64770" rIns="64770" bIns="64770" numCol="1" spcCol="1270" anchor="ctr" anchorCtr="0">
+        <a:bodyPr spcFirstLastPara="0" vert="horz" wrap="square" lIns="247650" tIns="247650" rIns="247650" bIns="247650" numCol="1" spcCol="1270" anchor="ctr" anchorCtr="0">
           <a:noAutofit/>
         </a:bodyPr>
         <a:lstStyle/>
         <a:p>
-          <a:pPr marL="0" lvl="0" indent="0" algn="ctr" defTabSz="755650">
+          <a:pPr marL="0" lvl="0" indent="0" algn="ctr" defTabSz="2889250">
             <a:lnSpc>
               <a:spcPct val="90000"/>
             </a:lnSpc>
@@ -4668,25 +5849,26 @@
             <a:buNone/>
           </a:pPr>
           <a:r>
-            <a:rPr lang="zh-CN" altLang="en-US" sz="1700" kern="1200" dirty="0">
-              <a:solidFill>
-                <a:schemeClr val="tx1"/>
-              </a:solidFill>
-            </a:rPr>
-            <a:t>单击“继续购物”可返回购买页面继续购买</a:t>
+            <a:rPr lang="en-US" altLang="en-US" sz="6500" kern="1200" dirty="0"/>
+            <a:t>JavaBean</a:t>
           </a:r>
+          <a:r>
+            <a:rPr lang="en-US" altLang="zh-CN" sz="6500" kern="1200" dirty="0"/>
+            <a:t>3</a:t>
+          </a:r>
+          <a:endParaRPr lang="zh-CN" altLang="en-US" sz="6500" kern="1200" dirty="0"/>
         </a:p>
       </dsp:txBody>
       <dsp:txXfrm>
-        <a:off x="4999899" y="2932204"/>
-        <a:ext cx="1913446" cy="1007713"/>
+        <a:off x="1289893" y="2093"/>
+        <a:ext cx="5649813" cy="3389887"/>
       </dsp:txXfrm>
     </dsp:sp>
   </dsp:spTree>
 </dsp:drawing>
 </file>
 
-<file path=ppt/diagrams/drawing3.xml><?xml version="1.0" encoding="utf-8"?>
+<file path=ppt/diagrams/drawing5.xml><?xml version="1.0" encoding="utf-8"?>
 <dsp:drawing xmlns:dgm="http://schemas.openxmlformats.org/drawingml/2006/diagram" xmlns:dsp="http://schemas.microsoft.com/office/drawing/2008/diagram" xmlns:a="http://schemas.openxmlformats.org/drawingml/2006/main">
   <dsp:spTree>
     <dsp:nvGrpSpPr>
@@ -5302,13 +6484,11 @@
 </file>
 
 <file path=ppt/diagrams/layout2.xml><?xml version="1.0" encoding="utf-8"?>
-<dgm:layoutDef xmlns:dgm="http://schemas.openxmlformats.org/drawingml/2006/diagram" xmlns:a="http://schemas.openxmlformats.org/drawingml/2006/main" uniqueId="urn:microsoft.com/office/officeart/2005/8/layout/hProcess10">
+<dgm:layoutDef xmlns:dgm="http://schemas.openxmlformats.org/drawingml/2006/diagram" xmlns:a="http://schemas.openxmlformats.org/drawingml/2006/main" uniqueId="urn:microsoft.com/office/officeart/2005/8/layout/default">
   <dgm:title val=""/>
   <dgm:desc val=""/>
   <dgm:catLst>
-    <dgm:cat type="process" pri="3000"/>
-    <dgm:cat type="picture" pri="30000"/>
-    <dgm:cat type="pictureconvert" pri="30000"/>
+    <dgm:cat type="list" pri="400"/>
   </dgm:catLst>
   <dgm:sampData>
     <dgm:dataModel>
@@ -5317,41 +6497,25 @@
         <dgm:pt modelId="1">
           <dgm:prSet phldr="1"/>
         </dgm:pt>
-        <dgm:pt modelId="11">
-          <dgm:prSet phldr="1"/>
-        </dgm:pt>
-        <dgm:pt modelId="12">
-          <dgm:prSet phldr="1"/>
-        </dgm:pt>
         <dgm:pt modelId="2">
-          <dgm:prSet phldr="1"/>
-        </dgm:pt>
-        <dgm:pt modelId="21">
-          <dgm:prSet phldr="1"/>
-        </dgm:pt>
-        <dgm:pt modelId="22">
           <dgm:prSet phldr="1"/>
         </dgm:pt>
         <dgm:pt modelId="3">
           <dgm:prSet phldr="1"/>
         </dgm:pt>
-        <dgm:pt modelId="31">
+        <dgm:pt modelId="4">
           <dgm:prSet phldr="1"/>
         </dgm:pt>
-        <dgm:pt modelId="32">
+        <dgm:pt modelId="5">
           <dgm:prSet phldr="1"/>
         </dgm:pt>
       </dgm:ptLst>
       <dgm:cxnLst>
-        <dgm:cxn modelId="4" srcId="0" destId="1" srcOrd="0" destOrd="0"/>
-        <dgm:cxn modelId="5" srcId="0" destId="2" srcOrd="1" destOrd="0"/>
-        <dgm:cxn modelId="6" srcId="0" destId="3" srcOrd="2" destOrd="0"/>
-        <dgm:cxn modelId="13" srcId="1" destId="11" srcOrd="0" destOrd="0"/>
-        <dgm:cxn modelId="14" srcId="1" destId="12" srcOrd="1" destOrd="0"/>
-        <dgm:cxn modelId="23" srcId="2" destId="21" srcOrd="0" destOrd="0"/>
-        <dgm:cxn modelId="24" srcId="2" destId="22" srcOrd="1" destOrd="0"/>
-        <dgm:cxn modelId="33" srcId="3" destId="31" srcOrd="0" destOrd="0"/>
-        <dgm:cxn modelId="34" srcId="3" destId="32" srcOrd="1" destOrd="0"/>
+        <dgm:cxn modelId="6" srcId="0" destId="1" srcOrd="0" destOrd="0"/>
+        <dgm:cxn modelId="7" srcId="0" destId="2" srcOrd="1" destOrd="0"/>
+        <dgm:cxn modelId="8" srcId="0" destId="3" srcOrd="2" destOrd="0"/>
+        <dgm:cxn modelId="9" srcId="0" destId="4" srcOrd="3" destOrd="0"/>
+        <dgm:cxn modelId="10" srcId="0" destId="5" srcOrd="4" destOrd="0"/>
       </dgm:cxnLst>
       <dgm:bg/>
       <dgm:whole/>
@@ -5362,15 +6526,11 @@
       <dgm:ptLst>
         <dgm:pt modelId="0" type="doc"/>
         <dgm:pt modelId="1"/>
-        <dgm:pt modelId="11"/>
         <dgm:pt modelId="2"/>
-        <dgm:pt modelId="21"/>
       </dgm:ptLst>
       <dgm:cxnLst>
-        <dgm:cxn modelId="4" srcId="0" destId="1" srcOrd="0" destOrd="0"/>
-        <dgm:cxn modelId="5" srcId="0" destId="2" srcOrd="1" destOrd="0"/>
-        <dgm:cxn modelId="13" srcId="1" destId="11" srcOrd="0" destOrd="0"/>
-        <dgm:cxn modelId="23" srcId="2" destId="21" srcOrd="0" destOrd="0"/>
+        <dgm:cxn modelId="3" srcId="0" destId="1" srcOrd="0" destOrd="0"/>
+        <dgm:cxn modelId="4" srcId="0" destId="2" srcOrd="1" destOrd="0"/>
       </dgm:cxnLst>
       <dgm:bg/>
       <dgm:whole/>
@@ -5381,40 +6541,44 @@
       <dgm:ptLst>
         <dgm:pt modelId="0" type="doc"/>
         <dgm:pt modelId="1"/>
-        <dgm:pt modelId="11"/>
         <dgm:pt modelId="2"/>
-        <dgm:pt modelId="21"/>
         <dgm:pt modelId="3"/>
-        <dgm:pt modelId="31"/>
         <dgm:pt modelId="4"/>
-        <dgm:pt modelId="41"/>
+        <dgm:pt modelId="5"/>
+        <dgm:pt modelId="6"/>
       </dgm:ptLst>
       <dgm:cxnLst>
-        <dgm:cxn modelId="5" srcId="0" destId="1" srcOrd="0" destOrd="0"/>
-        <dgm:cxn modelId="6" srcId="0" destId="2" srcOrd="1" destOrd="0"/>
-        <dgm:cxn modelId="7" srcId="0" destId="3" srcOrd="2" destOrd="0"/>
-        <dgm:cxn modelId="8" srcId="0" destId="4" srcOrd="3" destOrd="0"/>
-        <dgm:cxn modelId="13" srcId="1" destId="11" srcOrd="0" destOrd="0"/>
-        <dgm:cxn modelId="23" srcId="2" destId="21" srcOrd="0" destOrd="0"/>
-        <dgm:cxn modelId="33" srcId="3" destId="31" srcOrd="0" destOrd="0"/>
-        <dgm:cxn modelId="43" srcId="4" destId="41" srcOrd="0" destOrd="0"/>
+        <dgm:cxn modelId="7" srcId="0" destId="1" srcOrd="0" destOrd="0"/>
+        <dgm:cxn modelId="8" srcId="0" destId="2" srcOrd="1" destOrd="0"/>
+        <dgm:cxn modelId="9" srcId="0" destId="3" srcOrd="2" destOrd="0"/>
+        <dgm:cxn modelId="10" srcId="0" destId="4" srcOrd="3" destOrd="0"/>
+        <dgm:cxn modelId="11" srcId="0" destId="5" srcOrd="4" destOrd="0"/>
+        <dgm:cxn modelId="12" srcId="0" destId="6" srcOrd="5" destOrd="0"/>
       </dgm:cxnLst>
       <dgm:bg/>
       <dgm:whole/>
     </dgm:dataModel>
   </dgm:clrData>
-  <dgm:layoutNode name="Name0">
+  <dgm:layoutNode name="diagram">
     <dgm:varLst>
       <dgm:dir/>
       <dgm:resizeHandles val="exact"/>
     </dgm:varLst>
-    <dgm:choose name="Name1">
-      <dgm:if name="Name2" func="var" arg="dir" op="equ" val="norm">
-        <dgm:alg type="lin"/>
+    <dgm:choose name="Name0">
+      <dgm:if name="Name1" func="var" arg="dir" op="equ" val="norm">
+        <dgm:alg type="snake">
+          <dgm:param type="grDir" val="tL"/>
+          <dgm:param type="flowDir" val="row"/>
+          <dgm:param type="contDir" val="sameDir"/>
+          <dgm:param type="off" val="ctr"/>
+        </dgm:alg>
       </dgm:if>
-      <dgm:else name="Name3">
-        <dgm:alg type="lin">
-          <dgm:param type="linDir" val="fromR"/>
+      <dgm:else name="Name2">
+        <dgm:alg type="snake">
+          <dgm:param type="grDir" val="tR"/>
+          <dgm:param type="flowDir" val="row"/>
+          <dgm:param type="contDir" val="sameDir"/>
+          <dgm:param type="off" val="ctr"/>
         </dgm:alg>
       </dgm:else>
     </dgm:choose>
@@ -5423,117 +6587,42 @@
     </dgm:shape>
     <dgm:presOf/>
     <dgm:constrLst>
-      <dgm:constr type="w" for="ch" forName="composite" refType="w"/>
-      <dgm:constr type="w" for="ch" ptType="sibTrans" refType="w" refFor="ch" refForName="composite" op="equ" fact="0.3333"/>
-      <dgm:constr type="primFontSz" for="des" forName="txNode" op="equ" val="65"/>
-      <dgm:constr type="primFontSz" for="des" forName="connTx" op="equ" val="55"/>
-      <dgm:constr type="primFontSz" for="des" forName="connTx" refType="primFontSz" refFor="des" refForName="txNode" op="lte" fact="0.8"/>
+      <dgm:constr type="w" for="ch" forName="node" refType="w"/>
+      <dgm:constr type="h" for="ch" forName="node" refType="w" refFor="ch" refForName="node" fact="0.6"/>
+      <dgm:constr type="w" for="ch" forName="sibTrans" refType="w" refFor="ch" refForName="node" fact="0.1"/>
+      <dgm:constr type="sp" refType="w" refFor="ch" refForName="sibTrans"/>
+      <dgm:constr type="primFontSz" for="ch" forName="node" op="equ" val="65"/>
     </dgm:constrLst>
     <dgm:ruleLst/>
-    <dgm:forEach name="Name4" axis="ch" ptType="node">
-      <dgm:layoutNode name="composite">
-        <dgm:alg type="composite"/>
-        <dgm:shape xmlns:r="http://schemas.openxmlformats.org/officeDocument/2006/relationships" r:blip="">
+    <dgm:forEach name="Name3" axis="ch" ptType="node">
+      <dgm:layoutNode name="node">
+        <dgm:varLst>
+          <dgm:bulletEnabled val="1"/>
+        </dgm:varLst>
+        <dgm:alg type="tx"/>
+        <dgm:shape xmlns:r="http://schemas.openxmlformats.org/officeDocument/2006/relationships" type="rect" r:blip="">
           <dgm:adjLst/>
         </dgm:shape>
-        <dgm:presOf/>
-        <dgm:choose name="Name5">
-          <dgm:if name="Name6" func="var" arg="dir" op="equ" val="norm">
-            <dgm:constrLst>
-              <dgm:constr type="l" for="ch" forName="imagSh"/>
-              <dgm:constr type="w" for="ch" forName="imagSh" refType="w" fact="0.86"/>
-              <dgm:constr type="t" for="ch" forName="imagSh"/>
-              <dgm:constr type="h" for="ch" forName="imagSh" refType="w" refFor="ch" refForName="imagSh"/>
-              <dgm:constr type="l" for="ch" forName="txNode" refType="w" fact="0.14"/>
-              <dgm:constr type="w" for="ch" forName="txNode" refType="w" refFor="ch" refForName="imagSh"/>
-              <dgm:constr type="t" for="ch" forName="txNode" refType="h" refFor="ch" refForName="imagSh" fact="0.6"/>
-              <dgm:constr type="h" for="ch" forName="txNode" refType="h" refFor="ch" refForName="imagSh"/>
-            </dgm:constrLst>
-          </dgm:if>
-          <dgm:else name="Name7">
-            <dgm:constrLst>
-              <dgm:constr type="l" for="ch" forName="imagSh" refType="w" fact="0.14"/>
-              <dgm:constr type="w" for="ch" forName="imagSh" refType="w" fact="0.86"/>
-              <dgm:constr type="t" for="ch" forName="imagSh"/>
-              <dgm:constr type="h" for="ch" forName="imagSh" refType="w" refFor="ch" refForName="imagSh"/>
-              <dgm:constr type="l" for="ch" forName="txNode"/>
-              <dgm:constr type="w" for="ch" forName="txNode" refType="w" refFor="ch" refForName="imagSh"/>
-              <dgm:constr type="t" for="ch" forName="txNode" refType="h" refFor="ch" refForName="imagSh" fact="0.6"/>
-              <dgm:constr type="h" for="ch" forName="txNode" refType="h" refFor="ch" refForName="imagSh"/>
-            </dgm:constrLst>
-          </dgm:else>
-        </dgm:choose>
-        <dgm:ruleLst/>
-        <dgm:layoutNode name="imagSh" styleLbl="bgImgPlace1">
+        <dgm:presOf axis="desOrSelf" ptType="node"/>
+        <dgm:constrLst>
+          <dgm:constr type="lMarg" refType="primFontSz" fact="0.3"/>
+          <dgm:constr type="rMarg" refType="primFontSz" fact="0.3"/>
+          <dgm:constr type="tMarg" refType="primFontSz" fact="0.3"/>
+          <dgm:constr type="bMarg" refType="primFontSz" fact="0.3"/>
+        </dgm:constrLst>
+        <dgm:ruleLst>
+          <dgm:rule type="primFontSz" val="5" fact="NaN" max="NaN"/>
+        </dgm:ruleLst>
+      </dgm:layoutNode>
+      <dgm:forEach name="Name4" axis="followSib" ptType="sibTrans" cnt="1">
+        <dgm:layoutNode name="sibTrans">
           <dgm:alg type="sp"/>
-          <dgm:shape xmlns:r="http://schemas.openxmlformats.org/officeDocument/2006/relationships" type="roundRect" r:blip="" blipPhldr="1">
-            <dgm:adjLst>
-              <dgm:adj idx="1" val="0.1"/>
-            </dgm:adjLst>
+          <dgm:shape xmlns:r="http://schemas.openxmlformats.org/officeDocument/2006/relationships" r:blip="">
+            <dgm:adjLst/>
           </dgm:shape>
           <dgm:presOf/>
           <dgm:constrLst/>
           <dgm:ruleLst/>
-        </dgm:layoutNode>
-        <dgm:layoutNode name="txNode" styleLbl="node1">
-          <dgm:varLst>
-            <dgm:bulletEnabled val="1"/>
-          </dgm:varLst>
-          <dgm:alg type="tx"/>
-          <dgm:shape xmlns:r="http://schemas.openxmlformats.org/officeDocument/2006/relationships" type="roundRect" r:blip="">
-            <dgm:adjLst>
-              <dgm:adj idx="1" val="0.1"/>
-            </dgm:adjLst>
-          </dgm:shape>
-          <dgm:presOf axis="desOrSelf" ptType="node"/>
-          <dgm:constrLst>
-            <dgm:constr type="tMarg" refType="primFontSz" fact="0.3"/>
-            <dgm:constr type="bMarg" refType="primFontSz" fact="0.3"/>
-            <dgm:constr type="lMarg" refType="primFontSz" fact="0.3"/>
-            <dgm:constr type="rMarg" refType="primFontSz" fact="0.3"/>
-          </dgm:constrLst>
-          <dgm:ruleLst>
-            <dgm:rule type="primFontSz" val="5" fact="NaN" max="NaN"/>
-          </dgm:ruleLst>
-        </dgm:layoutNode>
-      </dgm:layoutNode>
-      <dgm:forEach name="sibTransForEach" axis="followSib" ptType="sibTrans" cnt="1">
-        <dgm:layoutNode name="sibTrans">
-          <dgm:alg type="conn">
-            <dgm:param type="begPts" val="auto"/>
-            <dgm:param type="endPts" val="auto"/>
-            <dgm:param type="srcNode" val="imagSh"/>
-            <dgm:param type="dstNode" val="imagSh"/>
-          </dgm:alg>
-          <dgm:shape xmlns:r="http://schemas.openxmlformats.org/officeDocument/2006/relationships" type="conn" r:blip="">
-            <dgm:adjLst/>
-          </dgm:shape>
-          <dgm:presOf axis="self"/>
-          <dgm:constrLst>
-            <dgm:constr type="h" refType="w" fact="0.62"/>
-            <dgm:constr type="connDist"/>
-            <dgm:constr type="begPad" refType="connDist" fact="0.35"/>
-            <dgm:constr type="endPad" refType="connDist" fact="0.3"/>
-          </dgm:constrLst>
-          <dgm:ruleLst/>
-          <dgm:layoutNode name="connTx">
-            <dgm:alg type="tx">
-              <dgm:param type="autoTxRot" val="grav"/>
-            </dgm:alg>
-            <dgm:shape xmlns:r="http://schemas.openxmlformats.org/officeDocument/2006/relationships" type="conn" r:blip="" hideGeom="1">
-              <dgm:adjLst/>
-            </dgm:shape>
-            <dgm:presOf axis="self"/>
-            <dgm:constrLst>
-              <dgm:constr type="lMarg"/>
-              <dgm:constr type="rMarg"/>
-              <dgm:constr type="tMarg"/>
-              <dgm:constr type="bMarg"/>
-            </dgm:constrLst>
-            <dgm:ruleLst>
-              <dgm:rule type="primFontSz" val="5" fact="NaN" max="NaN"/>
-            </dgm:ruleLst>
-          </dgm:layoutNode>
         </dgm:layoutNode>
       </dgm:forEach>
     </dgm:forEach>
@@ -5542,6 +6631,300 @@
 </file>
 
 <file path=ppt/diagrams/layout3.xml><?xml version="1.0" encoding="utf-8"?>
+<dgm:layoutDef xmlns:dgm="http://schemas.openxmlformats.org/drawingml/2006/diagram" xmlns:a="http://schemas.openxmlformats.org/drawingml/2006/main" uniqueId="urn:microsoft.com/office/officeart/2005/8/layout/default">
+  <dgm:title val=""/>
+  <dgm:desc val=""/>
+  <dgm:catLst>
+    <dgm:cat type="list" pri="400"/>
+  </dgm:catLst>
+  <dgm:sampData>
+    <dgm:dataModel>
+      <dgm:ptLst>
+        <dgm:pt modelId="0" type="doc"/>
+        <dgm:pt modelId="1">
+          <dgm:prSet phldr="1"/>
+        </dgm:pt>
+        <dgm:pt modelId="2">
+          <dgm:prSet phldr="1"/>
+        </dgm:pt>
+        <dgm:pt modelId="3">
+          <dgm:prSet phldr="1"/>
+        </dgm:pt>
+        <dgm:pt modelId="4">
+          <dgm:prSet phldr="1"/>
+        </dgm:pt>
+        <dgm:pt modelId="5">
+          <dgm:prSet phldr="1"/>
+        </dgm:pt>
+      </dgm:ptLst>
+      <dgm:cxnLst>
+        <dgm:cxn modelId="6" srcId="0" destId="1" srcOrd="0" destOrd="0"/>
+        <dgm:cxn modelId="7" srcId="0" destId="2" srcOrd="1" destOrd="0"/>
+        <dgm:cxn modelId="8" srcId="0" destId="3" srcOrd="2" destOrd="0"/>
+        <dgm:cxn modelId="9" srcId="0" destId="4" srcOrd="3" destOrd="0"/>
+        <dgm:cxn modelId="10" srcId="0" destId="5" srcOrd="4" destOrd="0"/>
+      </dgm:cxnLst>
+      <dgm:bg/>
+      <dgm:whole/>
+    </dgm:dataModel>
+  </dgm:sampData>
+  <dgm:styleData>
+    <dgm:dataModel>
+      <dgm:ptLst>
+        <dgm:pt modelId="0" type="doc"/>
+        <dgm:pt modelId="1"/>
+        <dgm:pt modelId="2"/>
+      </dgm:ptLst>
+      <dgm:cxnLst>
+        <dgm:cxn modelId="3" srcId="0" destId="1" srcOrd="0" destOrd="0"/>
+        <dgm:cxn modelId="4" srcId="0" destId="2" srcOrd="1" destOrd="0"/>
+      </dgm:cxnLst>
+      <dgm:bg/>
+      <dgm:whole/>
+    </dgm:dataModel>
+  </dgm:styleData>
+  <dgm:clrData>
+    <dgm:dataModel>
+      <dgm:ptLst>
+        <dgm:pt modelId="0" type="doc"/>
+        <dgm:pt modelId="1"/>
+        <dgm:pt modelId="2"/>
+        <dgm:pt modelId="3"/>
+        <dgm:pt modelId="4"/>
+        <dgm:pt modelId="5"/>
+        <dgm:pt modelId="6"/>
+      </dgm:ptLst>
+      <dgm:cxnLst>
+        <dgm:cxn modelId="7" srcId="0" destId="1" srcOrd="0" destOrd="0"/>
+        <dgm:cxn modelId="8" srcId="0" destId="2" srcOrd="1" destOrd="0"/>
+        <dgm:cxn modelId="9" srcId="0" destId="3" srcOrd="2" destOrd="0"/>
+        <dgm:cxn modelId="10" srcId="0" destId="4" srcOrd="3" destOrd="0"/>
+        <dgm:cxn modelId="11" srcId="0" destId="5" srcOrd="4" destOrd="0"/>
+        <dgm:cxn modelId="12" srcId="0" destId="6" srcOrd="5" destOrd="0"/>
+      </dgm:cxnLst>
+      <dgm:bg/>
+      <dgm:whole/>
+    </dgm:dataModel>
+  </dgm:clrData>
+  <dgm:layoutNode name="diagram">
+    <dgm:varLst>
+      <dgm:dir/>
+      <dgm:resizeHandles val="exact"/>
+    </dgm:varLst>
+    <dgm:choose name="Name0">
+      <dgm:if name="Name1" func="var" arg="dir" op="equ" val="norm">
+        <dgm:alg type="snake">
+          <dgm:param type="grDir" val="tL"/>
+          <dgm:param type="flowDir" val="row"/>
+          <dgm:param type="contDir" val="sameDir"/>
+          <dgm:param type="off" val="ctr"/>
+        </dgm:alg>
+      </dgm:if>
+      <dgm:else name="Name2">
+        <dgm:alg type="snake">
+          <dgm:param type="grDir" val="tR"/>
+          <dgm:param type="flowDir" val="row"/>
+          <dgm:param type="contDir" val="sameDir"/>
+          <dgm:param type="off" val="ctr"/>
+        </dgm:alg>
+      </dgm:else>
+    </dgm:choose>
+    <dgm:shape xmlns:r="http://schemas.openxmlformats.org/officeDocument/2006/relationships" r:blip="">
+      <dgm:adjLst/>
+    </dgm:shape>
+    <dgm:presOf/>
+    <dgm:constrLst>
+      <dgm:constr type="w" for="ch" forName="node" refType="w"/>
+      <dgm:constr type="h" for="ch" forName="node" refType="w" refFor="ch" refForName="node" fact="0.6"/>
+      <dgm:constr type="w" for="ch" forName="sibTrans" refType="w" refFor="ch" refForName="node" fact="0.1"/>
+      <dgm:constr type="sp" refType="w" refFor="ch" refForName="sibTrans"/>
+      <dgm:constr type="primFontSz" for="ch" forName="node" op="equ" val="65"/>
+    </dgm:constrLst>
+    <dgm:ruleLst/>
+    <dgm:forEach name="Name3" axis="ch" ptType="node">
+      <dgm:layoutNode name="node">
+        <dgm:varLst>
+          <dgm:bulletEnabled val="1"/>
+        </dgm:varLst>
+        <dgm:alg type="tx"/>
+        <dgm:shape xmlns:r="http://schemas.openxmlformats.org/officeDocument/2006/relationships" type="rect" r:blip="">
+          <dgm:adjLst/>
+        </dgm:shape>
+        <dgm:presOf axis="desOrSelf" ptType="node"/>
+        <dgm:constrLst>
+          <dgm:constr type="lMarg" refType="primFontSz" fact="0.3"/>
+          <dgm:constr type="rMarg" refType="primFontSz" fact="0.3"/>
+          <dgm:constr type="tMarg" refType="primFontSz" fact="0.3"/>
+          <dgm:constr type="bMarg" refType="primFontSz" fact="0.3"/>
+        </dgm:constrLst>
+        <dgm:ruleLst>
+          <dgm:rule type="primFontSz" val="5" fact="NaN" max="NaN"/>
+        </dgm:ruleLst>
+      </dgm:layoutNode>
+      <dgm:forEach name="Name4" axis="followSib" ptType="sibTrans" cnt="1">
+        <dgm:layoutNode name="sibTrans">
+          <dgm:alg type="sp"/>
+          <dgm:shape xmlns:r="http://schemas.openxmlformats.org/officeDocument/2006/relationships" r:blip="">
+            <dgm:adjLst/>
+          </dgm:shape>
+          <dgm:presOf/>
+          <dgm:constrLst/>
+          <dgm:ruleLst/>
+        </dgm:layoutNode>
+      </dgm:forEach>
+    </dgm:forEach>
+  </dgm:layoutNode>
+</dgm:layoutDef>
+</file>
+
+<file path=ppt/diagrams/layout4.xml><?xml version="1.0" encoding="utf-8"?>
+<dgm:layoutDef xmlns:dgm="http://schemas.openxmlformats.org/drawingml/2006/diagram" xmlns:a="http://schemas.openxmlformats.org/drawingml/2006/main" uniqueId="urn:microsoft.com/office/officeart/2005/8/layout/default">
+  <dgm:title val=""/>
+  <dgm:desc val=""/>
+  <dgm:catLst>
+    <dgm:cat type="list" pri="400"/>
+  </dgm:catLst>
+  <dgm:sampData>
+    <dgm:dataModel>
+      <dgm:ptLst>
+        <dgm:pt modelId="0" type="doc"/>
+        <dgm:pt modelId="1">
+          <dgm:prSet phldr="1"/>
+        </dgm:pt>
+        <dgm:pt modelId="2">
+          <dgm:prSet phldr="1"/>
+        </dgm:pt>
+        <dgm:pt modelId="3">
+          <dgm:prSet phldr="1"/>
+        </dgm:pt>
+        <dgm:pt modelId="4">
+          <dgm:prSet phldr="1"/>
+        </dgm:pt>
+        <dgm:pt modelId="5">
+          <dgm:prSet phldr="1"/>
+        </dgm:pt>
+      </dgm:ptLst>
+      <dgm:cxnLst>
+        <dgm:cxn modelId="6" srcId="0" destId="1" srcOrd="0" destOrd="0"/>
+        <dgm:cxn modelId="7" srcId="0" destId="2" srcOrd="1" destOrd="0"/>
+        <dgm:cxn modelId="8" srcId="0" destId="3" srcOrd="2" destOrd="0"/>
+        <dgm:cxn modelId="9" srcId="0" destId="4" srcOrd="3" destOrd="0"/>
+        <dgm:cxn modelId="10" srcId="0" destId="5" srcOrd="4" destOrd="0"/>
+      </dgm:cxnLst>
+      <dgm:bg/>
+      <dgm:whole/>
+    </dgm:dataModel>
+  </dgm:sampData>
+  <dgm:styleData>
+    <dgm:dataModel>
+      <dgm:ptLst>
+        <dgm:pt modelId="0" type="doc"/>
+        <dgm:pt modelId="1"/>
+        <dgm:pt modelId="2"/>
+      </dgm:ptLst>
+      <dgm:cxnLst>
+        <dgm:cxn modelId="3" srcId="0" destId="1" srcOrd="0" destOrd="0"/>
+        <dgm:cxn modelId="4" srcId="0" destId="2" srcOrd="1" destOrd="0"/>
+      </dgm:cxnLst>
+      <dgm:bg/>
+      <dgm:whole/>
+    </dgm:dataModel>
+  </dgm:styleData>
+  <dgm:clrData>
+    <dgm:dataModel>
+      <dgm:ptLst>
+        <dgm:pt modelId="0" type="doc"/>
+        <dgm:pt modelId="1"/>
+        <dgm:pt modelId="2"/>
+        <dgm:pt modelId="3"/>
+        <dgm:pt modelId="4"/>
+        <dgm:pt modelId="5"/>
+        <dgm:pt modelId="6"/>
+      </dgm:ptLst>
+      <dgm:cxnLst>
+        <dgm:cxn modelId="7" srcId="0" destId="1" srcOrd="0" destOrd="0"/>
+        <dgm:cxn modelId="8" srcId="0" destId="2" srcOrd="1" destOrd="0"/>
+        <dgm:cxn modelId="9" srcId="0" destId="3" srcOrd="2" destOrd="0"/>
+        <dgm:cxn modelId="10" srcId="0" destId="4" srcOrd="3" destOrd="0"/>
+        <dgm:cxn modelId="11" srcId="0" destId="5" srcOrd="4" destOrd="0"/>
+        <dgm:cxn modelId="12" srcId="0" destId="6" srcOrd="5" destOrd="0"/>
+      </dgm:cxnLst>
+      <dgm:bg/>
+      <dgm:whole/>
+    </dgm:dataModel>
+  </dgm:clrData>
+  <dgm:layoutNode name="diagram">
+    <dgm:varLst>
+      <dgm:dir/>
+      <dgm:resizeHandles val="exact"/>
+    </dgm:varLst>
+    <dgm:choose name="Name0">
+      <dgm:if name="Name1" func="var" arg="dir" op="equ" val="norm">
+        <dgm:alg type="snake">
+          <dgm:param type="grDir" val="tL"/>
+          <dgm:param type="flowDir" val="row"/>
+          <dgm:param type="contDir" val="sameDir"/>
+          <dgm:param type="off" val="ctr"/>
+        </dgm:alg>
+      </dgm:if>
+      <dgm:else name="Name2">
+        <dgm:alg type="snake">
+          <dgm:param type="grDir" val="tR"/>
+          <dgm:param type="flowDir" val="row"/>
+          <dgm:param type="contDir" val="sameDir"/>
+          <dgm:param type="off" val="ctr"/>
+        </dgm:alg>
+      </dgm:else>
+    </dgm:choose>
+    <dgm:shape xmlns:r="http://schemas.openxmlformats.org/officeDocument/2006/relationships" r:blip="">
+      <dgm:adjLst/>
+    </dgm:shape>
+    <dgm:presOf/>
+    <dgm:constrLst>
+      <dgm:constr type="w" for="ch" forName="node" refType="w"/>
+      <dgm:constr type="h" for="ch" forName="node" refType="w" refFor="ch" refForName="node" fact="0.6"/>
+      <dgm:constr type="w" for="ch" forName="sibTrans" refType="w" refFor="ch" refForName="node" fact="0.1"/>
+      <dgm:constr type="sp" refType="w" refFor="ch" refForName="sibTrans"/>
+      <dgm:constr type="primFontSz" for="ch" forName="node" op="equ" val="65"/>
+    </dgm:constrLst>
+    <dgm:ruleLst/>
+    <dgm:forEach name="Name3" axis="ch" ptType="node">
+      <dgm:layoutNode name="node">
+        <dgm:varLst>
+          <dgm:bulletEnabled val="1"/>
+        </dgm:varLst>
+        <dgm:alg type="tx"/>
+        <dgm:shape xmlns:r="http://schemas.openxmlformats.org/officeDocument/2006/relationships" type="rect" r:blip="">
+          <dgm:adjLst/>
+        </dgm:shape>
+        <dgm:presOf axis="desOrSelf" ptType="node"/>
+        <dgm:constrLst>
+          <dgm:constr type="lMarg" refType="primFontSz" fact="0.3"/>
+          <dgm:constr type="rMarg" refType="primFontSz" fact="0.3"/>
+          <dgm:constr type="tMarg" refType="primFontSz" fact="0.3"/>
+          <dgm:constr type="bMarg" refType="primFontSz" fact="0.3"/>
+        </dgm:constrLst>
+        <dgm:ruleLst>
+          <dgm:rule type="primFontSz" val="5" fact="NaN" max="NaN"/>
+        </dgm:ruleLst>
+      </dgm:layoutNode>
+      <dgm:forEach name="Name4" axis="followSib" ptType="sibTrans" cnt="1">
+        <dgm:layoutNode name="sibTrans">
+          <dgm:alg type="sp"/>
+          <dgm:shape xmlns:r="http://schemas.openxmlformats.org/officeDocument/2006/relationships" r:blip="">
+            <dgm:adjLst/>
+          </dgm:shape>
+          <dgm:presOf/>
+          <dgm:constrLst/>
+          <dgm:ruleLst/>
+        </dgm:layoutNode>
+      </dgm:forEach>
+    </dgm:forEach>
+  </dgm:layoutNode>
+</dgm:layoutDef>
+</file>
+
+<file path=ppt/diagrams/layout5.xml><?xml version="1.0" encoding="utf-8"?>
 <dgm:layoutDef xmlns:dgm="http://schemas.openxmlformats.org/drawingml/2006/diagram" xmlns:a="http://schemas.openxmlformats.org/drawingml/2006/main" uniqueId="urn:microsoft.com/office/officeart/2005/8/layout/chevron2">
   <dgm:title val=""/>
   <dgm:desc val=""/>
@@ -7866,6 +9249,2074 @@
 </file>
 
 <file path=ppt/diagrams/quickStyle3.xml><?xml version="1.0" encoding="utf-8"?>
+<dgm:styleDef xmlns:dgm="http://schemas.openxmlformats.org/drawingml/2006/diagram" xmlns:a="http://schemas.openxmlformats.org/drawingml/2006/main" uniqueId="urn:microsoft.com/office/officeart/2005/8/quickstyle/simple1">
+  <dgm:title val=""/>
+  <dgm:desc val=""/>
+  <dgm:catLst>
+    <dgm:cat type="simple" pri="10100"/>
+  </dgm:catLst>
+  <dgm:scene3d>
+    <a:camera prst="orthographicFront"/>
+    <a:lightRig rig="threePt" dir="t"/>
+  </dgm:scene3d>
+  <dgm:styleLbl name="node0">
+    <dgm:scene3d>
+      <a:camera prst="orthographicFront"/>
+      <a:lightRig rig="threePt" dir="t"/>
+    </dgm:scene3d>
+    <dgm:sp3d/>
+    <dgm:txPr/>
+    <dgm:style>
+      <a:lnRef idx="2">
+        <a:scrgbClr r="0" g="0" b="0"/>
+      </a:lnRef>
+      <a:fillRef idx="1">
+        <a:scrgbClr r="0" g="0" b="0"/>
+      </a:fillRef>
+      <a:effectRef idx="0">
+        <a:scrgbClr r="0" g="0" b="0"/>
+      </a:effectRef>
+      <a:fontRef idx="minor">
+        <a:schemeClr val="lt1"/>
+      </a:fontRef>
+    </dgm:style>
+  </dgm:styleLbl>
+  <dgm:styleLbl name="lnNode1">
+    <dgm:scene3d>
+      <a:camera prst="orthographicFront"/>
+      <a:lightRig rig="threePt" dir="t"/>
+    </dgm:scene3d>
+    <dgm:sp3d/>
+    <dgm:txPr/>
+    <dgm:style>
+      <a:lnRef idx="2">
+        <a:scrgbClr r="0" g="0" b="0"/>
+      </a:lnRef>
+      <a:fillRef idx="1">
+        <a:scrgbClr r="0" g="0" b="0"/>
+      </a:fillRef>
+      <a:effectRef idx="0">
+        <a:scrgbClr r="0" g="0" b="0"/>
+      </a:effectRef>
+      <a:fontRef idx="minor">
+        <a:schemeClr val="lt1"/>
+      </a:fontRef>
+    </dgm:style>
+  </dgm:styleLbl>
+  <dgm:styleLbl name="vennNode1">
+    <dgm:scene3d>
+      <a:camera prst="orthographicFront"/>
+      <a:lightRig rig="threePt" dir="t"/>
+    </dgm:scene3d>
+    <dgm:sp3d/>
+    <dgm:txPr/>
+    <dgm:style>
+      <a:lnRef idx="2">
+        <a:scrgbClr r="0" g="0" b="0"/>
+      </a:lnRef>
+      <a:fillRef idx="1">
+        <a:scrgbClr r="0" g="0" b="0"/>
+      </a:fillRef>
+      <a:effectRef idx="0">
+        <a:scrgbClr r="0" g="0" b="0"/>
+      </a:effectRef>
+      <a:fontRef idx="minor">
+        <a:schemeClr val="tx1"/>
+      </a:fontRef>
+    </dgm:style>
+  </dgm:styleLbl>
+  <dgm:styleLbl name="alignNode1">
+    <dgm:scene3d>
+      <a:camera prst="orthographicFront"/>
+      <a:lightRig rig="threePt" dir="t"/>
+    </dgm:scene3d>
+    <dgm:sp3d/>
+    <dgm:txPr/>
+    <dgm:style>
+      <a:lnRef idx="2">
+        <a:scrgbClr r="0" g="0" b="0"/>
+      </a:lnRef>
+      <a:fillRef idx="1">
+        <a:scrgbClr r="0" g="0" b="0"/>
+      </a:fillRef>
+      <a:effectRef idx="0">
+        <a:scrgbClr r="0" g="0" b="0"/>
+      </a:effectRef>
+      <a:fontRef idx="minor">
+        <a:schemeClr val="lt1"/>
+      </a:fontRef>
+    </dgm:style>
+  </dgm:styleLbl>
+  <dgm:styleLbl name="node1">
+    <dgm:scene3d>
+      <a:camera prst="orthographicFront"/>
+      <a:lightRig rig="threePt" dir="t"/>
+    </dgm:scene3d>
+    <dgm:sp3d/>
+    <dgm:txPr/>
+    <dgm:style>
+      <a:lnRef idx="2">
+        <a:scrgbClr r="0" g="0" b="0"/>
+      </a:lnRef>
+      <a:fillRef idx="1">
+        <a:scrgbClr r="0" g="0" b="0"/>
+      </a:fillRef>
+      <a:effectRef idx="0">
+        <a:scrgbClr r="0" g="0" b="0"/>
+      </a:effectRef>
+      <a:fontRef idx="minor">
+        <a:schemeClr val="lt1"/>
+      </a:fontRef>
+    </dgm:style>
+  </dgm:styleLbl>
+  <dgm:styleLbl name="node2">
+    <dgm:scene3d>
+      <a:camera prst="orthographicFront"/>
+      <a:lightRig rig="threePt" dir="t"/>
+    </dgm:scene3d>
+    <dgm:sp3d/>
+    <dgm:txPr/>
+    <dgm:style>
+      <a:lnRef idx="2">
+        <a:scrgbClr r="0" g="0" b="0"/>
+      </a:lnRef>
+      <a:fillRef idx="1">
+        <a:scrgbClr r="0" g="0" b="0"/>
+      </a:fillRef>
+      <a:effectRef idx="0">
+        <a:scrgbClr r="0" g="0" b="0"/>
+      </a:effectRef>
+      <a:fontRef idx="minor">
+        <a:schemeClr val="lt1"/>
+      </a:fontRef>
+    </dgm:style>
+  </dgm:styleLbl>
+  <dgm:styleLbl name="node3">
+    <dgm:scene3d>
+      <a:camera prst="orthographicFront"/>
+      <a:lightRig rig="threePt" dir="t"/>
+    </dgm:scene3d>
+    <dgm:sp3d/>
+    <dgm:txPr/>
+    <dgm:style>
+      <a:lnRef idx="2">
+        <a:scrgbClr r="0" g="0" b="0"/>
+      </a:lnRef>
+      <a:fillRef idx="1">
+        <a:scrgbClr r="0" g="0" b="0"/>
+      </a:fillRef>
+      <a:effectRef idx="0">
+        <a:scrgbClr r="0" g="0" b="0"/>
+      </a:effectRef>
+      <a:fontRef idx="minor">
+        <a:schemeClr val="lt1"/>
+      </a:fontRef>
+    </dgm:style>
+  </dgm:styleLbl>
+  <dgm:styleLbl name="node4">
+    <dgm:scene3d>
+      <a:camera prst="orthographicFront"/>
+      <a:lightRig rig="threePt" dir="t"/>
+    </dgm:scene3d>
+    <dgm:sp3d/>
+    <dgm:txPr/>
+    <dgm:style>
+      <a:lnRef idx="2">
+        <a:scrgbClr r="0" g="0" b="0"/>
+      </a:lnRef>
+      <a:fillRef idx="1">
+        <a:scrgbClr r="0" g="0" b="0"/>
+      </a:fillRef>
+      <a:effectRef idx="0">
+        <a:scrgbClr r="0" g="0" b="0"/>
+      </a:effectRef>
+      <a:fontRef idx="minor">
+        <a:schemeClr val="lt1"/>
+      </a:fontRef>
+    </dgm:style>
+  </dgm:styleLbl>
+  <dgm:styleLbl name="fgImgPlace1">
+    <dgm:scene3d>
+      <a:camera prst="orthographicFront"/>
+      <a:lightRig rig="threePt" dir="t"/>
+    </dgm:scene3d>
+    <dgm:sp3d/>
+    <dgm:txPr/>
+    <dgm:style>
+      <a:lnRef idx="2">
+        <a:scrgbClr r="0" g="0" b="0"/>
+      </a:lnRef>
+      <a:fillRef idx="1">
+        <a:scrgbClr r="0" g="0" b="0"/>
+      </a:fillRef>
+      <a:effectRef idx="0">
+        <a:scrgbClr r="0" g="0" b="0"/>
+      </a:effectRef>
+      <a:fontRef idx="minor"/>
+    </dgm:style>
+  </dgm:styleLbl>
+  <dgm:styleLbl name="alignImgPlace1">
+    <dgm:scene3d>
+      <a:camera prst="orthographicFront"/>
+      <a:lightRig rig="threePt" dir="t"/>
+    </dgm:scene3d>
+    <dgm:sp3d/>
+    <dgm:txPr/>
+    <dgm:style>
+      <a:lnRef idx="2">
+        <a:scrgbClr r="0" g="0" b="0"/>
+      </a:lnRef>
+      <a:fillRef idx="1">
+        <a:scrgbClr r="0" g="0" b="0"/>
+      </a:fillRef>
+      <a:effectRef idx="0">
+        <a:scrgbClr r="0" g="0" b="0"/>
+      </a:effectRef>
+      <a:fontRef idx="minor"/>
+    </dgm:style>
+  </dgm:styleLbl>
+  <dgm:styleLbl name="bgImgPlace1">
+    <dgm:scene3d>
+      <a:camera prst="orthographicFront"/>
+      <a:lightRig rig="threePt" dir="t"/>
+    </dgm:scene3d>
+    <dgm:sp3d/>
+    <dgm:txPr/>
+    <dgm:style>
+      <a:lnRef idx="2">
+        <a:scrgbClr r="0" g="0" b="0"/>
+      </a:lnRef>
+      <a:fillRef idx="1">
+        <a:scrgbClr r="0" g="0" b="0"/>
+      </a:fillRef>
+      <a:effectRef idx="0">
+        <a:scrgbClr r="0" g="0" b="0"/>
+      </a:effectRef>
+      <a:fontRef idx="minor"/>
+    </dgm:style>
+  </dgm:styleLbl>
+  <dgm:styleLbl name="sibTrans2D1">
+    <dgm:scene3d>
+      <a:camera prst="orthographicFront"/>
+      <a:lightRig rig="threePt" dir="t"/>
+    </dgm:scene3d>
+    <dgm:sp3d/>
+    <dgm:txPr/>
+    <dgm:style>
+      <a:lnRef idx="0">
+        <a:scrgbClr r="0" g="0" b="0"/>
+      </a:lnRef>
+      <a:fillRef idx="1">
+        <a:scrgbClr r="0" g="0" b="0"/>
+      </a:fillRef>
+      <a:effectRef idx="0">
+        <a:scrgbClr r="0" g="0" b="0"/>
+      </a:effectRef>
+      <a:fontRef idx="minor">
+        <a:schemeClr val="lt1"/>
+      </a:fontRef>
+    </dgm:style>
+  </dgm:styleLbl>
+  <dgm:styleLbl name="fgSibTrans2D1">
+    <dgm:scene3d>
+      <a:camera prst="orthographicFront"/>
+      <a:lightRig rig="threePt" dir="t"/>
+    </dgm:scene3d>
+    <dgm:sp3d/>
+    <dgm:txPr/>
+    <dgm:style>
+      <a:lnRef idx="0">
+        <a:scrgbClr r="0" g="0" b="0"/>
+      </a:lnRef>
+      <a:fillRef idx="1">
+        <a:scrgbClr r="0" g="0" b="0"/>
+      </a:fillRef>
+      <a:effectRef idx="0">
+        <a:scrgbClr r="0" g="0" b="0"/>
+      </a:effectRef>
+      <a:fontRef idx="minor">
+        <a:schemeClr val="lt1"/>
+      </a:fontRef>
+    </dgm:style>
+  </dgm:styleLbl>
+  <dgm:styleLbl name="bgSibTrans2D1">
+    <dgm:scene3d>
+      <a:camera prst="orthographicFront"/>
+      <a:lightRig rig="threePt" dir="t"/>
+    </dgm:scene3d>
+    <dgm:sp3d/>
+    <dgm:txPr/>
+    <dgm:style>
+      <a:lnRef idx="0">
+        <a:scrgbClr r="0" g="0" b="0"/>
+      </a:lnRef>
+      <a:fillRef idx="1">
+        <a:scrgbClr r="0" g="0" b="0"/>
+      </a:fillRef>
+      <a:effectRef idx="0">
+        <a:scrgbClr r="0" g="0" b="0"/>
+      </a:effectRef>
+      <a:fontRef idx="minor">
+        <a:schemeClr val="lt1"/>
+      </a:fontRef>
+    </dgm:style>
+  </dgm:styleLbl>
+  <dgm:styleLbl name="sibTrans1D1">
+    <dgm:scene3d>
+      <a:camera prst="orthographicFront"/>
+      <a:lightRig rig="threePt" dir="t"/>
+    </dgm:scene3d>
+    <dgm:sp3d/>
+    <dgm:txPr/>
+    <dgm:style>
+      <a:lnRef idx="1">
+        <a:scrgbClr r="0" g="0" b="0"/>
+      </a:lnRef>
+      <a:fillRef idx="0">
+        <a:scrgbClr r="0" g="0" b="0"/>
+      </a:fillRef>
+      <a:effectRef idx="0">
+        <a:scrgbClr r="0" g="0" b="0"/>
+      </a:effectRef>
+      <a:fontRef idx="minor"/>
+    </dgm:style>
+  </dgm:styleLbl>
+  <dgm:styleLbl name="callout">
+    <dgm:scene3d>
+      <a:camera prst="orthographicFront"/>
+      <a:lightRig rig="threePt" dir="t"/>
+    </dgm:scene3d>
+    <dgm:sp3d/>
+    <dgm:txPr/>
+    <dgm:style>
+      <a:lnRef idx="2">
+        <a:scrgbClr r="0" g="0" b="0"/>
+      </a:lnRef>
+      <a:fillRef idx="1">
+        <a:scrgbClr r="0" g="0" b="0"/>
+      </a:fillRef>
+      <a:effectRef idx="0">
+        <a:scrgbClr r="0" g="0" b="0"/>
+      </a:effectRef>
+      <a:fontRef idx="minor"/>
+    </dgm:style>
+  </dgm:styleLbl>
+  <dgm:styleLbl name="asst0">
+    <dgm:scene3d>
+      <a:camera prst="orthographicFront"/>
+      <a:lightRig rig="threePt" dir="t"/>
+    </dgm:scene3d>
+    <dgm:sp3d/>
+    <dgm:txPr/>
+    <dgm:style>
+      <a:lnRef idx="2">
+        <a:scrgbClr r="0" g="0" b="0"/>
+      </a:lnRef>
+      <a:fillRef idx="1">
+        <a:scrgbClr r="0" g="0" b="0"/>
+      </a:fillRef>
+      <a:effectRef idx="0">
+        <a:scrgbClr r="0" g="0" b="0"/>
+      </a:effectRef>
+      <a:fontRef idx="minor">
+        <a:schemeClr val="lt1"/>
+      </a:fontRef>
+    </dgm:style>
+  </dgm:styleLbl>
+  <dgm:styleLbl name="asst1">
+    <dgm:scene3d>
+      <a:camera prst="orthographicFront"/>
+      <a:lightRig rig="threePt" dir="t"/>
+    </dgm:scene3d>
+    <dgm:sp3d/>
+    <dgm:txPr/>
+    <dgm:style>
+      <a:lnRef idx="2">
+        <a:scrgbClr r="0" g="0" b="0"/>
+      </a:lnRef>
+      <a:fillRef idx="1">
+        <a:scrgbClr r="0" g="0" b="0"/>
+      </a:fillRef>
+      <a:effectRef idx="0">
+        <a:scrgbClr r="0" g="0" b="0"/>
+      </a:effectRef>
+      <a:fontRef idx="minor">
+        <a:schemeClr val="lt1"/>
+      </a:fontRef>
+    </dgm:style>
+  </dgm:styleLbl>
+  <dgm:styleLbl name="asst2">
+    <dgm:scene3d>
+      <a:camera prst="orthographicFront"/>
+      <a:lightRig rig="threePt" dir="t"/>
+    </dgm:scene3d>
+    <dgm:sp3d/>
+    <dgm:txPr/>
+    <dgm:style>
+      <a:lnRef idx="2">
+        <a:scrgbClr r="0" g="0" b="0"/>
+      </a:lnRef>
+      <a:fillRef idx="1">
+        <a:scrgbClr r="0" g="0" b="0"/>
+      </a:fillRef>
+      <a:effectRef idx="0">
+        <a:scrgbClr r="0" g="0" b="0"/>
+      </a:effectRef>
+      <a:fontRef idx="minor">
+        <a:schemeClr val="lt1"/>
+      </a:fontRef>
+    </dgm:style>
+  </dgm:styleLbl>
+  <dgm:styleLbl name="asst3">
+    <dgm:scene3d>
+      <a:camera prst="orthographicFront"/>
+      <a:lightRig rig="threePt" dir="t"/>
+    </dgm:scene3d>
+    <dgm:sp3d/>
+    <dgm:txPr/>
+    <dgm:style>
+      <a:lnRef idx="2">
+        <a:scrgbClr r="0" g="0" b="0"/>
+      </a:lnRef>
+      <a:fillRef idx="1">
+        <a:scrgbClr r="0" g="0" b="0"/>
+      </a:fillRef>
+      <a:effectRef idx="0">
+        <a:scrgbClr r="0" g="0" b="0"/>
+      </a:effectRef>
+      <a:fontRef idx="minor">
+        <a:schemeClr val="lt1"/>
+      </a:fontRef>
+    </dgm:style>
+  </dgm:styleLbl>
+  <dgm:styleLbl name="asst4">
+    <dgm:scene3d>
+      <a:camera prst="orthographicFront"/>
+      <a:lightRig rig="threePt" dir="t"/>
+    </dgm:scene3d>
+    <dgm:sp3d/>
+    <dgm:txPr/>
+    <dgm:style>
+      <a:lnRef idx="2">
+        <a:scrgbClr r="0" g="0" b="0"/>
+      </a:lnRef>
+      <a:fillRef idx="1">
+        <a:scrgbClr r="0" g="0" b="0"/>
+      </a:fillRef>
+      <a:effectRef idx="0">
+        <a:scrgbClr r="0" g="0" b="0"/>
+      </a:effectRef>
+      <a:fontRef idx="minor">
+        <a:schemeClr val="lt1"/>
+      </a:fontRef>
+    </dgm:style>
+  </dgm:styleLbl>
+  <dgm:styleLbl name="parChTrans2D1">
+    <dgm:scene3d>
+      <a:camera prst="orthographicFront"/>
+      <a:lightRig rig="threePt" dir="t"/>
+    </dgm:scene3d>
+    <dgm:sp3d/>
+    <dgm:txPr/>
+    <dgm:style>
+      <a:lnRef idx="2">
+        <a:scrgbClr r="0" g="0" b="0"/>
+      </a:lnRef>
+      <a:fillRef idx="1">
+        <a:scrgbClr r="0" g="0" b="0"/>
+      </a:fillRef>
+      <a:effectRef idx="0">
+        <a:scrgbClr r="0" g="0" b="0"/>
+      </a:effectRef>
+      <a:fontRef idx="minor">
+        <a:schemeClr val="lt1"/>
+      </a:fontRef>
+    </dgm:style>
+  </dgm:styleLbl>
+  <dgm:styleLbl name="parChTrans2D2">
+    <dgm:scene3d>
+      <a:camera prst="orthographicFront"/>
+      <a:lightRig rig="threePt" dir="t"/>
+    </dgm:scene3d>
+    <dgm:sp3d/>
+    <dgm:txPr/>
+    <dgm:style>
+      <a:lnRef idx="2">
+        <a:scrgbClr r="0" g="0" b="0"/>
+      </a:lnRef>
+      <a:fillRef idx="1">
+        <a:scrgbClr r="0" g="0" b="0"/>
+      </a:fillRef>
+      <a:effectRef idx="0">
+        <a:scrgbClr r="0" g="0" b="0"/>
+      </a:effectRef>
+      <a:fontRef idx="minor">
+        <a:schemeClr val="lt1"/>
+      </a:fontRef>
+    </dgm:style>
+  </dgm:styleLbl>
+  <dgm:styleLbl name="parChTrans2D3">
+    <dgm:scene3d>
+      <a:camera prst="orthographicFront"/>
+      <a:lightRig rig="threePt" dir="t"/>
+    </dgm:scene3d>
+    <dgm:sp3d/>
+    <dgm:txPr/>
+    <dgm:style>
+      <a:lnRef idx="2">
+        <a:scrgbClr r="0" g="0" b="0"/>
+      </a:lnRef>
+      <a:fillRef idx="1">
+        <a:scrgbClr r="0" g="0" b="0"/>
+      </a:fillRef>
+      <a:effectRef idx="0">
+        <a:scrgbClr r="0" g="0" b="0"/>
+      </a:effectRef>
+      <a:fontRef idx="minor">
+        <a:schemeClr val="lt1"/>
+      </a:fontRef>
+    </dgm:style>
+  </dgm:styleLbl>
+  <dgm:styleLbl name="parChTrans2D4">
+    <dgm:scene3d>
+      <a:camera prst="orthographicFront"/>
+      <a:lightRig rig="threePt" dir="t"/>
+    </dgm:scene3d>
+    <dgm:sp3d/>
+    <dgm:txPr/>
+    <dgm:style>
+      <a:lnRef idx="2">
+        <a:scrgbClr r="0" g="0" b="0"/>
+      </a:lnRef>
+      <a:fillRef idx="1">
+        <a:scrgbClr r="0" g="0" b="0"/>
+      </a:fillRef>
+      <a:effectRef idx="0">
+        <a:scrgbClr r="0" g="0" b="0"/>
+      </a:effectRef>
+      <a:fontRef idx="minor">
+        <a:schemeClr val="lt1"/>
+      </a:fontRef>
+    </dgm:style>
+  </dgm:styleLbl>
+  <dgm:styleLbl name="parChTrans1D1">
+    <dgm:scene3d>
+      <a:camera prst="orthographicFront"/>
+      <a:lightRig rig="threePt" dir="t"/>
+    </dgm:scene3d>
+    <dgm:sp3d/>
+    <dgm:txPr/>
+    <dgm:style>
+      <a:lnRef idx="2">
+        <a:scrgbClr r="0" g="0" b="0"/>
+      </a:lnRef>
+      <a:fillRef idx="0">
+        <a:scrgbClr r="0" g="0" b="0"/>
+      </a:fillRef>
+      <a:effectRef idx="0">
+        <a:scrgbClr r="0" g="0" b="0"/>
+      </a:effectRef>
+      <a:fontRef idx="minor"/>
+    </dgm:style>
+  </dgm:styleLbl>
+  <dgm:styleLbl name="parChTrans1D2">
+    <dgm:scene3d>
+      <a:camera prst="orthographicFront"/>
+      <a:lightRig rig="threePt" dir="t"/>
+    </dgm:scene3d>
+    <dgm:sp3d/>
+    <dgm:txPr/>
+    <dgm:style>
+      <a:lnRef idx="2">
+        <a:scrgbClr r="0" g="0" b="0"/>
+      </a:lnRef>
+      <a:fillRef idx="0">
+        <a:scrgbClr r="0" g="0" b="0"/>
+      </a:fillRef>
+      <a:effectRef idx="0">
+        <a:scrgbClr r="0" g="0" b="0"/>
+      </a:effectRef>
+      <a:fontRef idx="minor"/>
+    </dgm:style>
+  </dgm:styleLbl>
+  <dgm:styleLbl name="parChTrans1D3">
+    <dgm:scene3d>
+      <a:camera prst="orthographicFront"/>
+      <a:lightRig rig="threePt" dir="t"/>
+    </dgm:scene3d>
+    <dgm:sp3d/>
+    <dgm:txPr/>
+    <dgm:style>
+      <a:lnRef idx="2">
+        <a:scrgbClr r="0" g="0" b="0"/>
+      </a:lnRef>
+      <a:fillRef idx="0">
+        <a:scrgbClr r="0" g="0" b="0"/>
+      </a:fillRef>
+      <a:effectRef idx="0">
+        <a:scrgbClr r="0" g="0" b="0"/>
+      </a:effectRef>
+      <a:fontRef idx="minor"/>
+    </dgm:style>
+  </dgm:styleLbl>
+  <dgm:styleLbl name="parChTrans1D4">
+    <dgm:scene3d>
+      <a:camera prst="orthographicFront"/>
+      <a:lightRig rig="threePt" dir="t"/>
+    </dgm:scene3d>
+    <dgm:sp3d/>
+    <dgm:txPr/>
+    <dgm:style>
+      <a:lnRef idx="2">
+        <a:scrgbClr r="0" g="0" b="0"/>
+      </a:lnRef>
+      <a:fillRef idx="0">
+        <a:scrgbClr r="0" g="0" b="0"/>
+      </a:fillRef>
+      <a:effectRef idx="0">
+        <a:scrgbClr r="0" g="0" b="0"/>
+      </a:effectRef>
+      <a:fontRef idx="minor"/>
+    </dgm:style>
+  </dgm:styleLbl>
+  <dgm:styleLbl name="fgAcc1">
+    <dgm:scene3d>
+      <a:camera prst="orthographicFront"/>
+      <a:lightRig rig="threePt" dir="t"/>
+    </dgm:scene3d>
+    <dgm:sp3d/>
+    <dgm:txPr/>
+    <dgm:style>
+      <a:lnRef idx="2">
+        <a:scrgbClr r="0" g="0" b="0"/>
+      </a:lnRef>
+      <a:fillRef idx="1">
+        <a:scrgbClr r="0" g="0" b="0"/>
+      </a:fillRef>
+      <a:effectRef idx="0">
+        <a:scrgbClr r="0" g="0" b="0"/>
+      </a:effectRef>
+      <a:fontRef idx="minor"/>
+    </dgm:style>
+  </dgm:styleLbl>
+  <dgm:styleLbl name="conFgAcc1">
+    <dgm:scene3d>
+      <a:camera prst="orthographicFront"/>
+      <a:lightRig rig="threePt" dir="t"/>
+    </dgm:scene3d>
+    <dgm:sp3d/>
+    <dgm:txPr/>
+    <dgm:style>
+      <a:lnRef idx="2">
+        <a:scrgbClr r="0" g="0" b="0"/>
+      </a:lnRef>
+      <a:fillRef idx="1">
+        <a:scrgbClr r="0" g="0" b="0"/>
+      </a:fillRef>
+      <a:effectRef idx="0">
+        <a:scrgbClr r="0" g="0" b="0"/>
+      </a:effectRef>
+      <a:fontRef idx="minor"/>
+    </dgm:style>
+  </dgm:styleLbl>
+  <dgm:styleLbl name="alignAcc1">
+    <dgm:scene3d>
+      <a:camera prst="orthographicFront"/>
+      <a:lightRig rig="threePt" dir="t"/>
+    </dgm:scene3d>
+    <dgm:sp3d/>
+    <dgm:txPr/>
+    <dgm:style>
+      <a:lnRef idx="2">
+        <a:scrgbClr r="0" g="0" b="0"/>
+      </a:lnRef>
+      <a:fillRef idx="1">
+        <a:scrgbClr r="0" g="0" b="0"/>
+      </a:fillRef>
+      <a:effectRef idx="0">
+        <a:scrgbClr r="0" g="0" b="0"/>
+      </a:effectRef>
+      <a:fontRef idx="minor"/>
+    </dgm:style>
+  </dgm:styleLbl>
+  <dgm:styleLbl name="trAlignAcc1">
+    <dgm:scene3d>
+      <a:camera prst="orthographicFront"/>
+      <a:lightRig rig="threePt" dir="t"/>
+    </dgm:scene3d>
+    <dgm:sp3d/>
+    <dgm:txPr/>
+    <dgm:style>
+      <a:lnRef idx="1">
+        <a:scrgbClr r="0" g="0" b="0"/>
+      </a:lnRef>
+      <a:fillRef idx="1">
+        <a:scrgbClr r="0" g="0" b="0"/>
+      </a:fillRef>
+      <a:effectRef idx="0">
+        <a:scrgbClr r="0" g="0" b="0"/>
+      </a:effectRef>
+      <a:fontRef idx="minor"/>
+    </dgm:style>
+  </dgm:styleLbl>
+  <dgm:styleLbl name="bgAcc1">
+    <dgm:scene3d>
+      <a:camera prst="orthographicFront"/>
+      <a:lightRig rig="threePt" dir="t"/>
+    </dgm:scene3d>
+    <dgm:sp3d/>
+    <dgm:txPr/>
+    <dgm:style>
+      <a:lnRef idx="2">
+        <a:scrgbClr r="0" g="0" b="0"/>
+      </a:lnRef>
+      <a:fillRef idx="1">
+        <a:scrgbClr r="0" g="0" b="0"/>
+      </a:fillRef>
+      <a:effectRef idx="0">
+        <a:scrgbClr r="0" g="0" b="0"/>
+      </a:effectRef>
+      <a:fontRef idx="minor"/>
+    </dgm:style>
+  </dgm:styleLbl>
+  <dgm:styleLbl name="solidFgAcc1">
+    <dgm:scene3d>
+      <a:camera prst="orthographicFront"/>
+      <a:lightRig rig="threePt" dir="t"/>
+    </dgm:scene3d>
+    <dgm:sp3d/>
+    <dgm:txPr/>
+    <dgm:style>
+      <a:lnRef idx="2">
+        <a:scrgbClr r="0" g="0" b="0"/>
+      </a:lnRef>
+      <a:fillRef idx="1">
+        <a:scrgbClr r="0" g="0" b="0"/>
+      </a:fillRef>
+      <a:effectRef idx="0">
+        <a:scrgbClr r="0" g="0" b="0"/>
+      </a:effectRef>
+      <a:fontRef idx="minor"/>
+    </dgm:style>
+  </dgm:styleLbl>
+  <dgm:styleLbl name="solidAlignAcc1">
+    <dgm:scene3d>
+      <a:camera prst="orthographicFront"/>
+      <a:lightRig rig="threePt" dir="t"/>
+    </dgm:scene3d>
+    <dgm:sp3d/>
+    <dgm:txPr/>
+    <dgm:style>
+      <a:lnRef idx="2">
+        <a:scrgbClr r="0" g="0" b="0"/>
+      </a:lnRef>
+      <a:fillRef idx="1">
+        <a:scrgbClr r="0" g="0" b="0"/>
+      </a:fillRef>
+      <a:effectRef idx="0">
+        <a:scrgbClr r="0" g="0" b="0"/>
+      </a:effectRef>
+      <a:fontRef idx="minor"/>
+    </dgm:style>
+  </dgm:styleLbl>
+  <dgm:styleLbl name="solidBgAcc1">
+    <dgm:scene3d>
+      <a:camera prst="orthographicFront"/>
+      <a:lightRig rig="threePt" dir="t"/>
+    </dgm:scene3d>
+    <dgm:sp3d/>
+    <dgm:txPr/>
+    <dgm:style>
+      <a:lnRef idx="2">
+        <a:scrgbClr r="0" g="0" b="0"/>
+      </a:lnRef>
+      <a:fillRef idx="1">
+        <a:scrgbClr r="0" g="0" b="0"/>
+      </a:fillRef>
+      <a:effectRef idx="0">
+        <a:scrgbClr r="0" g="0" b="0"/>
+      </a:effectRef>
+      <a:fontRef idx="minor"/>
+    </dgm:style>
+  </dgm:styleLbl>
+  <dgm:styleLbl name="fgAccFollowNode1">
+    <dgm:scene3d>
+      <a:camera prst="orthographicFront"/>
+      <a:lightRig rig="threePt" dir="t"/>
+    </dgm:scene3d>
+    <dgm:sp3d/>
+    <dgm:txPr/>
+    <dgm:style>
+      <a:lnRef idx="2">
+        <a:scrgbClr r="0" g="0" b="0"/>
+      </a:lnRef>
+      <a:fillRef idx="1">
+        <a:scrgbClr r="0" g="0" b="0"/>
+      </a:fillRef>
+      <a:effectRef idx="0">
+        <a:scrgbClr r="0" g="0" b="0"/>
+      </a:effectRef>
+      <a:fontRef idx="minor"/>
+    </dgm:style>
+  </dgm:styleLbl>
+  <dgm:styleLbl name="alignAccFollowNode1">
+    <dgm:scene3d>
+      <a:camera prst="orthographicFront"/>
+      <a:lightRig rig="threePt" dir="t"/>
+    </dgm:scene3d>
+    <dgm:sp3d/>
+    <dgm:txPr/>
+    <dgm:style>
+      <a:lnRef idx="2">
+        <a:scrgbClr r="0" g="0" b="0"/>
+      </a:lnRef>
+      <a:fillRef idx="1">
+        <a:scrgbClr r="0" g="0" b="0"/>
+      </a:fillRef>
+      <a:effectRef idx="0">
+        <a:scrgbClr r="0" g="0" b="0"/>
+      </a:effectRef>
+      <a:fontRef idx="minor"/>
+    </dgm:style>
+  </dgm:styleLbl>
+  <dgm:styleLbl name="bgAccFollowNode1">
+    <dgm:scene3d>
+      <a:camera prst="orthographicFront"/>
+      <a:lightRig rig="threePt" dir="t"/>
+    </dgm:scene3d>
+    <dgm:sp3d/>
+    <dgm:txPr/>
+    <dgm:style>
+      <a:lnRef idx="2">
+        <a:scrgbClr r="0" g="0" b="0"/>
+      </a:lnRef>
+      <a:fillRef idx="1">
+        <a:scrgbClr r="0" g="0" b="0"/>
+      </a:fillRef>
+      <a:effectRef idx="0">
+        <a:scrgbClr r="0" g="0" b="0"/>
+      </a:effectRef>
+      <a:fontRef idx="minor"/>
+    </dgm:style>
+  </dgm:styleLbl>
+  <dgm:styleLbl name="fgAcc0">
+    <dgm:scene3d>
+      <a:camera prst="orthographicFront"/>
+      <a:lightRig rig="threePt" dir="t"/>
+    </dgm:scene3d>
+    <dgm:sp3d/>
+    <dgm:txPr/>
+    <dgm:style>
+      <a:lnRef idx="2">
+        <a:scrgbClr r="0" g="0" b="0"/>
+      </a:lnRef>
+      <a:fillRef idx="1">
+        <a:scrgbClr r="0" g="0" b="0"/>
+      </a:fillRef>
+      <a:effectRef idx="0">
+        <a:scrgbClr r="0" g="0" b="0"/>
+      </a:effectRef>
+      <a:fontRef idx="minor"/>
+    </dgm:style>
+  </dgm:styleLbl>
+  <dgm:styleLbl name="fgAcc2">
+    <dgm:scene3d>
+      <a:camera prst="orthographicFront"/>
+      <a:lightRig rig="threePt" dir="t"/>
+    </dgm:scene3d>
+    <dgm:sp3d/>
+    <dgm:txPr/>
+    <dgm:style>
+      <a:lnRef idx="2">
+        <a:scrgbClr r="0" g="0" b="0"/>
+      </a:lnRef>
+      <a:fillRef idx="1">
+        <a:scrgbClr r="0" g="0" b="0"/>
+      </a:fillRef>
+      <a:effectRef idx="0">
+        <a:scrgbClr r="0" g="0" b="0"/>
+      </a:effectRef>
+      <a:fontRef idx="minor"/>
+    </dgm:style>
+  </dgm:styleLbl>
+  <dgm:styleLbl name="fgAcc3">
+    <dgm:scene3d>
+      <a:camera prst="orthographicFront"/>
+      <a:lightRig rig="threePt" dir="t"/>
+    </dgm:scene3d>
+    <dgm:sp3d/>
+    <dgm:txPr/>
+    <dgm:style>
+      <a:lnRef idx="2">
+        <a:scrgbClr r="0" g="0" b="0"/>
+      </a:lnRef>
+      <a:fillRef idx="1">
+        <a:scrgbClr r="0" g="0" b="0"/>
+      </a:fillRef>
+      <a:effectRef idx="0">
+        <a:scrgbClr r="0" g="0" b="0"/>
+      </a:effectRef>
+      <a:fontRef idx="minor"/>
+    </dgm:style>
+  </dgm:styleLbl>
+  <dgm:styleLbl name="fgAcc4">
+    <dgm:scene3d>
+      <a:camera prst="orthographicFront"/>
+      <a:lightRig rig="threePt" dir="t"/>
+    </dgm:scene3d>
+    <dgm:sp3d/>
+    <dgm:txPr/>
+    <dgm:style>
+      <a:lnRef idx="2">
+        <a:scrgbClr r="0" g="0" b="0"/>
+      </a:lnRef>
+      <a:fillRef idx="1">
+        <a:scrgbClr r="0" g="0" b="0"/>
+      </a:fillRef>
+      <a:effectRef idx="0">
+        <a:scrgbClr r="0" g="0" b="0"/>
+      </a:effectRef>
+      <a:fontRef idx="minor"/>
+    </dgm:style>
+  </dgm:styleLbl>
+  <dgm:styleLbl name="bgShp">
+    <dgm:scene3d>
+      <a:camera prst="orthographicFront"/>
+      <a:lightRig rig="threePt" dir="t"/>
+    </dgm:scene3d>
+    <dgm:sp3d/>
+    <dgm:txPr/>
+    <dgm:style>
+      <a:lnRef idx="0">
+        <a:scrgbClr r="0" g="0" b="0"/>
+      </a:lnRef>
+      <a:fillRef idx="1">
+        <a:scrgbClr r="0" g="0" b="0"/>
+      </a:fillRef>
+      <a:effectRef idx="0">
+        <a:scrgbClr r="0" g="0" b="0"/>
+      </a:effectRef>
+      <a:fontRef idx="minor"/>
+    </dgm:style>
+  </dgm:styleLbl>
+  <dgm:styleLbl name="dkBgShp">
+    <dgm:scene3d>
+      <a:camera prst="orthographicFront"/>
+      <a:lightRig rig="threePt" dir="t"/>
+    </dgm:scene3d>
+    <dgm:sp3d/>
+    <dgm:txPr/>
+    <dgm:style>
+      <a:lnRef idx="0">
+        <a:scrgbClr r="0" g="0" b="0"/>
+      </a:lnRef>
+      <a:fillRef idx="1">
+        <a:scrgbClr r="0" g="0" b="0"/>
+      </a:fillRef>
+      <a:effectRef idx="0">
+        <a:scrgbClr r="0" g="0" b="0"/>
+      </a:effectRef>
+      <a:fontRef idx="minor"/>
+    </dgm:style>
+  </dgm:styleLbl>
+  <dgm:styleLbl name="trBgShp">
+    <dgm:scene3d>
+      <a:camera prst="orthographicFront"/>
+      <a:lightRig rig="threePt" dir="t"/>
+    </dgm:scene3d>
+    <dgm:sp3d/>
+    <dgm:txPr/>
+    <dgm:style>
+      <a:lnRef idx="0">
+        <a:scrgbClr r="0" g="0" b="0"/>
+      </a:lnRef>
+      <a:fillRef idx="1">
+        <a:scrgbClr r="0" g="0" b="0"/>
+      </a:fillRef>
+      <a:effectRef idx="0">
+        <a:scrgbClr r="0" g="0" b="0"/>
+      </a:effectRef>
+      <a:fontRef idx="minor"/>
+    </dgm:style>
+  </dgm:styleLbl>
+  <dgm:styleLbl name="fgShp">
+    <dgm:scene3d>
+      <a:camera prst="orthographicFront"/>
+      <a:lightRig rig="threePt" dir="t"/>
+    </dgm:scene3d>
+    <dgm:sp3d/>
+    <dgm:txPr/>
+    <dgm:style>
+      <a:lnRef idx="2">
+        <a:scrgbClr r="0" g="0" b="0"/>
+      </a:lnRef>
+      <a:fillRef idx="1">
+        <a:scrgbClr r="0" g="0" b="0"/>
+      </a:fillRef>
+      <a:effectRef idx="0">
+        <a:scrgbClr r="0" g="0" b="0"/>
+      </a:effectRef>
+      <a:fontRef idx="minor"/>
+    </dgm:style>
+  </dgm:styleLbl>
+  <dgm:styleLbl name="revTx">
+    <dgm:scene3d>
+      <a:camera prst="orthographicFront"/>
+      <a:lightRig rig="threePt" dir="t"/>
+    </dgm:scene3d>
+    <dgm:sp3d/>
+    <dgm:txPr/>
+    <dgm:style>
+      <a:lnRef idx="0">
+        <a:scrgbClr r="0" g="0" b="0"/>
+      </a:lnRef>
+      <a:fillRef idx="0">
+        <a:scrgbClr r="0" g="0" b="0"/>
+      </a:fillRef>
+      <a:effectRef idx="0">
+        <a:scrgbClr r="0" g="0" b="0"/>
+      </a:effectRef>
+      <a:fontRef idx="minor"/>
+    </dgm:style>
+  </dgm:styleLbl>
+</dgm:styleDef>
+</file>
+
+<file path=ppt/diagrams/quickStyle4.xml><?xml version="1.0" encoding="utf-8"?>
+<dgm:styleDef xmlns:dgm="http://schemas.openxmlformats.org/drawingml/2006/diagram" xmlns:a="http://schemas.openxmlformats.org/drawingml/2006/main" uniqueId="urn:microsoft.com/office/officeart/2005/8/quickstyle/simple1">
+  <dgm:title val=""/>
+  <dgm:desc val=""/>
+  <dgm:catLst>
+    <dgm:cat type="simple" pri="10100"/>
+  </dgm:catLst>
+  <dgm:scene3d>
+    <a:camera prst="orthographicFront"/>
+    <a:lightRig rig="threePt" dir="t"/>
+  </dgm:scene3d>
+  <dgm:styleLbl name="node0">
+    <dgm:scene3d>
+      <a:camera prst="orthographicFront"/>
+      <a:lightRig rig="threePt" dir="t"/>
+    </dgm:scene3d>
+    <dgm:sp3d/>
+    <dgm:txPr/>
+    <dgm:style>
+      <a:lnRef idx="2">
+        <a:scrgbClr r="0" g="0" b="0"/>
+      </a:lnRef>
+      <a:fillRef idx="1">
+        <a:scrgbClr r="0" g="0" b="0"/>
+      </a:fillRef>
+      <a:effectRef idx="0">
+        <a:scrgbClr r="0" g="0" b="0"/>
+      </a:effectRef>
+      <a:fontRef idx="minor">
+        <a:schemeClr val="lt1"/>
+      </a:fontRef>
+    </dgm:style>
+  </dgm:styleLbl>
+  <dgm:styleLbl name="lnNode1">
+    <dgm:scene3d>
+      <a:camera prst="orthographicFront"/>
+      <a:lightRig rig="threePt" dir="t"/>
+    </dgm:scene3d>
+    <dgm:sp3d/>
+    <dgm:txPr/>
+    <dgm:style>
+      <a:lnRef idx="2">
+        <a:scrgbClr r="0" g="0" b="0"/>
+      </a:lnRef>
+      <a:fillRef idx="1">
+        <a:scrgbClr r="0" g="0" b="0"/>
+      </a:fillRef>
+      <a:effectRef idx="0">
+        <a:scrgbClr r="0" g="0" b="0"/>
+      </a:effectRef>
+      <a:fontRef idx="minor">
+        <a:schemeClr val="lt1"/>
+      </a:fontRef>
+    </dgm:style>
+  </dgm:styleLbl>
+  <dgm:styleLbl name="vennNode1">
+    <dgm:scene3d>
+      <a:camera prst="orthographicFront"/>
+      <a:lightRig rig="threePt" dir="t"/>
+    </dgm:scene3d>
+    <dgm:sp3d/>
+    <dgm:txPr/>
+    <dgm:style>
+      <a:lnRef idx="2">
+        <a:scrgbClr r="0" g="0" b="0"/>
+      </a:lnRef>
+      <a:fillRef idx="1">
+        <a:scrgbClr r="0" g="0" b="0"/>
+      </a:fillRef>
+      <a:effectRef idx="0">
+        <a:scrgbClr r="0" g="0" b="0"/>
+      </a:effectRef>
+      <a:fontRef idx="minor">
+        <a:schemeClr val="tx1"/>
+      </a:fontRef>
+    </dgm:style>
+  </dgm:styleLbl>
+  <dgm:styleLbl name="alignNode1">
+    <dgm:scene3d>
+      <a:camera prst="orthographicFront"/>
+      <a:lightRig rig="threePt" dir="t"/>
+    </dgm:scene3d>
+    <dgm:sp3d/>
+    <dgm:txPr/>
+    <dgm:style>
+      <a:lnRef idx="2">
+        <a:scrgbClr r="0" g="0" b="0"/>
+      </a:lnRef>
+      <a:fillRef idx="1">
+        <a:scrgbClr r="0" g="0" b="0"/>
+      </a:fillRef>
+      <a:effectRef idx="0">
+        <a:scrgbClr r="0" g="0" b="0"/>
+      </a:effectRef>
+      <a:fontRef idx="minor">
+        <a:schemeClr val="lt1"/>
+      </a:fontRef>
+    </dgm:style>
+  </dgm:styleLbl>
+  <dgm:styleLbl name="node1">
+    <dgm:scene3d>
+      <a:camera prst="orthographicFront"/>
+      <a:lightRig rig="threePt" dir="t"/>
+    </dgm:scene3d>
+    <dgm:sp3d/>
+    <dgm:txPr/>
+    <dgm:style>
+      <a:lnRef idx="2">
+        <a:scrgbClr r="0" g="0" b="0"/>
+      </a:lnRef>
+      <a:fillRef idx="1">
+        <a:scrgbClr r="0" g="0" b="0"/>
+      </a:fillRef>
+      <a:effectRef idx="0">
+        <a:scrgbClr r="0" g="0" b="0"/>
+      </a:effectRef>
+      <a:fontRef idx="minor">
+        <a:schemeClr val="lt1"/>
+      </a:fontRef>
+    </dgm:style>
+  </dgm:styleLbl>
+  <dgm:styleLbl name="node2">
+    <dgm:scene3d>
+      <a:camera prst="orthographicFront"/>
+      <a:lightRig rig="threePt" dir="t"/>
+    </dgm:scene3d>
+    <dgm:sp3d/>
+    <dgm:txPr/>
+    <dgm:style>
+      <a:lnRef idx="2">
+        <a:scrgbClr r="0" g="0" b="0"/>
+      </a:lnRef>
+      <a:fillRef idx="1">
+        <a:scrgbClr r="0" g="0" b="0"/>
+      </a:fillRef>
+      <a:effectRef idx="0">
+        <a:scrgbClr r="0" g="0" b="0"/>
+      </a:effectRef>
+      <a:fontRef idx="minor">
+        <a:schemeClr val="lt1"/>
+      </a:fontRef>
+    </dgm:style>
+  </dgm:styleLbl>
+  <dgm:styleLbl name="node3">
+    <dgm:scene3d>
+      <a:camera prst="orthographicFront"/>
+      <a:lightRig rig="threePt" dir="t"/>
+    </dgm:scene3d>
+    <dgm:sp3d/>
+    <dgm:txPr/>
+    <dgm:style>
+      <a:lnRef idx="2">
+        <a:scrgbClr r="0" g="0" b="0"/>
+      </a:lnRef>
+      <a:fillRef idx="1">
+        <a:scrgbClr r="0" g="0" b="0"/>
+      </a:fillRef>
+      <a:effectRef idx="0">
+        <a:scrgbClr r="0" g="0" b="0"/>
+      </a:effectRef>
+      <a:fontRef idx="minor">
+        <a:schemeClr val="lt1"/>
+      </a:fontRef>
+    </dgm:style>
+  </dgm:styleLbl>
+  <dgm:styleLbl name="node4">
+    <dgm:scene3d>
+      <a:camera prst="orthographicFront"/>
+      <a:lightRig rig="threePt" dir="t"/>
+    </dgm:scene3d>
+    <dgm:sp3d/>
+    <dgm:txPr/>
+    <dgm:style>
+      <a:lnRef idx="2">
+        <a:scrgbClr r="0" g="0" b="0"/>
+      </a:lnRef>
+      <a:fillRef idx="1">
+        <a:scrgbClr r="0" g="0" b="0"/>
+      </a:fillRef>
+      <a:effectRef idx="0">
+        <a:scrgbClr r="0" g="0" b="0"/>
+      </a:effectRef>
+      <a:fontRef idx="minor">
+        <a:schemeClr val="lt1"/>
+      </a:fontRef>
+    </dgm:style>
+  </dgm:styleLbl>
+  <dgm:styleLbl name="fgImgPlace1">
+    <dgm:scene3d>
+      <a:camera prst="orthographicFront"/>
+      <a:lightRig rig="threePt" dir="t"/>
+    </dgm:scene3d>
+    <dgm:sp3d/>
+    <dgm:txPr/>
+    <dgm:style>
+      <a:lnRef idx="2">
+        <a:scrgbClr r="0" g="0" b="0"/>
+      </a:lnRef>
+      <a:fillRef idx="1">
+        <a:scrgbClr r="0" g="0" b="0"/>
+      </a:fillRef>
+      <a:effectRef idx="0">
+        <a:scrgbClr r="0" g="0" b="0"/>
+      </a:effectRef>
+      <a:fontRef idx="minor"/>
+    </dgm:style>
+  </dgm:styleLbl>
+  <dgm:styleLbl name="alignImgPlace1">
+    <dgm:scene3d>
+      <a:camera prst="orthographicFront"/>
+      <a:lightRig rig="threePt" dir="t"/>
+    </dgm:scene3d>
+    <dgm:sp3d/>
+    <dgm:txPr/>
+    <dgm:style>
+      <a:lnRef idx="2">
+        <a:scrgbClr r="0" g="0" b="0"/>
+      </a:lnRef>
+      <a:fillRef idx="1">
+        <a:scrgbClr r="0" g="0" b="0"/>
+      </a:fillRef>
+      <a:effectRef idx="0">
+        <a:scrgbClr r="0" g="0" b="0"/>
+      </a:effectRef>
+      <a:fontRef idx="minor"/>
+    </dgm:style>
+  </dgm:styleLbl>
+  <dgm:styleLbl name="bgImgPlace1">
+    <dgm:scene3d>
+      <a:camera prst="orthographicFront"/>
+      <a:lightRig rig="threePt" dir="t"/>
+    </dgm:scene3d>
+    <dgm:sp3d/>
+    <dgm:txPr/>
+    <dgm:style>
+      <a:lnRef idx="2">
+        <a:scrgbClr r="0" g="0" b="0"/>
+      </a:lnRef>
+      <a:fillRef idx="1">
+        <a:scrgbClr r="0" g="0" b="0"/>
+      </a:fillRef>
+      <a:effectRef idx="0">
+        <a:scrgbClr r="0" g="0" b="0"/>
+      </a:effectRef>
+      <a:fontRef idx="minor"/>
+    </dgm:style>
+  </dgm:styleLbl>
+  <dgm:styleLbl name="sibTrans2D1">
+    <dgm:scene3d>
+      <a:camera prst="orthographicFront"/>
+      <a:lightRig rig="threePt" dir="t"/>
+    </dgm:scene3d>
+    <dgm:sp3d/>
+    <dgm:txPr/>
+    <dgm:style>
+      <a:lnRef idx="0">
+        <a:scrgbClr r="0" g="0" b="0"/>
+      </a:lnRef>
+      <a:fillRef idx="1">
+        <a:scrgbClr r="0" g="0" b="0"/>
+      </a:fillRef>
+      <a:effectRef idx="0">
+        <a:scrgbClr r="0" g="0" b="0"/>
+      </a:effectRef>
+      <a:fontRef idx="minor">
+        <a:schemeClr val="lt1"/>
+      </a:fontRef>
+    </dgm:style>
+  </dgm:styleLbl>
+  <dgm:styleLbl name="fgSibTrans2D1">
+    <dgm:scene3d>
+      <a:camera prst="orthographicFront"/>
+      <a:lightRig rig="threePt" dir="t"/>
+    </dgm:scene3d>
+    <dgm:sp3d/>
+    <dgm:txPr/>
+    <dgm:style>
+      <a:lnRef idx="0">
+        <a:scrgbClr r="0" g="0" b="0"/>
+      </a:lnRef>
+      <a:fillRef idx="1">
+        <a:scrgbClr r="0" g="0" b="0"/>
+      </a:fillRef>
+      <a:effectRef idx="0">
+        <a:scrgbClr r="0" g="0" b="0"/>
+      </a:effectRef>
+      <a:fontRef idx="minor">
+        <a:schemeClr val="lt1"/>
+      </a:fontRef>
+    </dgm:style>
+  </dgm:styleLbl>
+  <dgm:styleLbl name="bgSibTrans2D1">
+    <dgm:scene3d>
+      <a:camera prst="orthographicFront"/>
+      <a:lightRig rig="threePt" dir="t"/>
+    </dgm:scene3d>
+    <dgm:sp3d/>
+    <dgm:txPr/>
+    <dgm:style>
+      <a:lnRef idx="0">
+        <a:scrgbClr r="0" g="0" b="0"/>
+      </a:lnRef>
+      <a:fillRef idx="1">
+        <a:scrgbClr r="0" g="0" b="0"/>
+      </a:fillRef>
+      <a:effectRef idx="0">
+        <a:scrgbClr r="0" g="0" b="0"/>
+      </a:effectRef>
+      <a:fontRef idx="minor">
+        <a:schemeClr val="lt1"/>
+      </a:fontRef>
+    </dgm:style>
+  </dgm:styleLbl>
+  <dgm:styleLbl name="sibTrans1D1">
+    <dgm:scene3d>
+      <a:camera prst="orthographicFront"/>
+      <a:lightRig rig="threePt" dir="t"/>
+    </dgm:scene3d>
+    <dgm:sp3d/>
+    <dgm:txPr/>
+    <dgm:style>
+      <a:lnRef idx="1">
+        <a:scrgbClr r="0" g="0" b="0"/>
+      </a:lnRef>
+      <a:fillRef idx="0">
+        <a:scrgbClr r="0" g="0" b="0"/>
+      </a:fillRef>
+      <a:effectRef idx="0">
+        <a:scrgbClr r="0" g="0" b="0"/>
+      </a:effectRef>
+      <a:fontRef idx="minor"/>
+    </dgm:style>
+  </dgm:styleLbl>
+  <dgm:styleLbl name="callout">
+    <dgm:scene3d>
+      <a:camera prst="orthographicFront"/>
+      <a:lightRig rig="threePt" dir="t"/>
+    </dgm:scene3d>
+    <dgm:sp3d/>
+    <dgm:txPr/>
+    <dgm:style>
+      <a:lnRef idx="2">
+        <a:scrgbClr r="0" g="0" b="0"/>
+      </a:lnRef>
+      <a:fillRef idx="1">
+        <a:scrgbClr r="0" g="0" b="0"/>
+      </a:fillRef>
+      <a:effectRef idx="0">
+        <a:scrgbClr r="0" g="0" b="0"/>
+      </a:effectRef>
+      <a:fontRef idx="minor"/>
+    </dgm:style>
+  </dgm:styleLbl>
+  <dgm:styleLbl name="asst0">
+    <dgm:scene3d>
+      <a:camera prst="orthographicFront"/>
+      <a:lightRig rig="threePt" dir="t"/>
+    </dgm:scene3d>
+    <dgm:sp3d/>
+    <dgm:txPr/>
+    <dgm:style>
+      <a:lnRef idx="2">
+        <a:scrgbClr r="0" g="0" b="0"/>
+      </a:lnRef>
+      <a:fillRef idx="1">
+        <a:scrgbClr r="0" g="0" b="0"/>
+      </a:fillRef>
+      <a:effectRef idx="0">
+        <a:scrgbClr r="0" g="0" b="0"/>
+      </a:effectRef>
+      <a:fontRef idx="minor">
+        <a:schemeClr val="lt1"/>
+      </a:fontRef>
+    </dgm:style>
+  </dgm:styleLbl>
+  <dgm:styleLbl name="asst1">
+    <dgm:scene3d>
+      <a:camera prst="orthographicFront"/>
+      <a:lightRig rig="threePt" dir="t"/>
+    </dgm:scene3d>
+    <dgm:sp3d/>
+    <dgm:txPr/>
+    <dgm:style>
+      <a:lnRef idx="2">
+        <a:scrgbClr r="0" g="0" b="0"/>
+      </a:lnRef>
+      <a:fillRef idx="1">
+        <a:scrgbClr r="0" g="0" b="0"/>
+      </a:fillRef>
+      <a:effectRef idx="0">
+        <a:scrgbClr r="0" g="0" b="0"/>
+      </a:effectRef>
+      <a:fontRef idx="minor">
+        <a:schemeClr val="lt1"/>
+      </a:fontRef>
+    </dgm:style>
+  </dgm:styleLbl>
+  <dgm:styleLbl name="asst2">
+    <dgm:scene3d>
+      <a:camera prst="orthographicFront"/>
+      <a:lightRig rig="threePt" dir="t"/>
+    </dgm:scene3d>
+    <dgm:sp3d/>
+    <dgm:txPr/>
+    <dgm:style>
+      <a:lnRef idx="2">
+        <a:scrgbClr r="0" g="0" b="0"/>
+      </a:lnRef>
+      <a:fillRef idx="1">
+        <a:scrgbClr r="0" g="0" b="0"/>
+      </a:fillRef>
+      <a:effectRef idx="0">
+        <a:scrgbClr r="0" g="0" b="0"/>
+      </a:effectRef>
+      <a:fontRef idx="minor">
+        <a:schemeClr val="lt1"/>
+      </a:fontRef>
+    </dgm:style>
+  </dgm:styleLbl>
+  <dgm:styleLbl name="asst3">
+    <dgm:scene3d>
+      <a:camera prst="orthographicFront"/>
+      <a:lightRig rig="threePt" dir="t"/>
+    </dgm:scene3d>
+    <dgm:sp3d/>
+    <dgm:txPr/>
+    <dgm:style>
+      <a:lnRef idx="2">
+        <a:scrgbClr r="0" g="0" b="0"/>
+      </a:lnRef>
+      <a:fillRef idx="1">
+        <a:scrgbClr r="0" g="0" b="0"/>
+      </a:fillRef>
+      <a:effectRef idx="0">
+        <a:scrgbClr r="0" g="0" b="0"/>
+      </a:effectRef>
+      <a:fontRef idx="minor">
+        <a:schemeClr val="lt1"/>
+      </a:fontRef>
+    </dgm:style>
+  </dgm:styleLbl>
+  <dgm:styleLbl name="asst4">
+    <dgm:scene3d>
+      <a:camera prst="orthographicFront"/>
+      <a:lightRig rig="threePt" dir="t"/>
+    </dgm:scene3d>
+    <dgm:sp3d/>
+    <dgm:txPr/>
+    <dgm:style>
+      <a:lnRef idx="2">
+        <a:scrgbClr r="0" g="0" b="0"/>
+      </a:lnRef>
+      <a:fillRef idx="1">
+        <a:scrgbClr r="0" g="0" b="0"/>
+      </a:fillRef>
+      <a:effectRef idx="0">
+        <a:scrgbClr r="0" g="0" b="0"/>
+      </a:effectRef>
+      <a:fontRef idx="minor">
+        <a:schemeClr val="lt1"/>
+      </a:fontRef>
+    </dgm:style>
+  </dgm:styleLbl>
+  <dgm:styleLbl name="parChTrans2D1">
+    <dgm:scene3d>
+      <a:camera prst="orthographicFront"/>
+      <a:lightRig rig="threePt" dir="t"/>
+    </dgm:scene3d>
+    <dgm:sp3d/>
+    <dgm:txPr/>
+    <dgm:style>
+      <a:lnRef idx="2">
+        <a:scrgbClr r="0" g="0" b="0"/>
+      </a:lnRef>
+      <a:fillRef idx="1">
+        <a:scrgbClr r="0" g="0" b="0"/>
+      </a:fillRef>
+      <a:effectRef idx="0">
+        <a:scrgbClr r="0" g="0" b="0"/>
+      </a:effectRef>
+      <a:fontRef idx="minor">
+        <a:schemeClr val="lt1"/>
+      </a:fontRef>
+    </dgm:style>
+  </dgm:styleLbl>
+  <dgm:styleLbl name="parChTrans2D2">
+    <dgm:scene3d>
+      <a:camera prst="orthographicFront"/>
+      <a:lightRig rig="threePt" dir="t"/>
+    </dgm:scene3d>
+    <dgm:sp3d/>
+    <dgm:txPr/>
+    <dgm:style>
+      <a:lnRef idx="2">
+        <a:scrgbClr r="0" g="0" b="0"/>
+      </a:lnRef>
+      <a:fillRef idx="1">
+        <a:scrgbClr r="0" g="0" b="0"/>
+      </a:fillRef>
+      <a:effectRef idx="0">
+        <a:scrgbClr r="0" g="0" b="0"/>
+      </a:effectRef>
+      <a:fontRef idx="minor">
+        <a:schemeClr val="lt1"/>
+      </a:fontRef>
+    </dgm:style>
+  </dgm:styleLbl>
+  <dgm:styleLbl name="parChTrans2D3">
+    <dgm:scene3d>
+      <a:camera prst="orthographicFront"/>
+      <a:lightRig rig="threePt" dir="t"/>
+    </dgm:scene3d>
+    <dgm:sp3d/>
+    <dgm:txPr/>
+    <dgm:style>
+      <a:lnRef idx="2">
+        <a:scrgbClr r="0" g="0" b="0"/>
+      </a:lnRef>
+      <a:fillRef idx="1">
+        <a:scrgbClr r="0" g="0" b="0"/>
+      </a:fillRef>
+      <a:effectRef idx="0">
+        <a:scrgbClr r="0" g="0" b="0"/>
+      </a:effectRef>
+      <a:fontRef idx="minor">
+        <a:schemeClr val="lt1"/>
+      </a:fontRef>
+    </dgm:style>
+  </dgm:styleLbl>
+  <dgm:styleLbl name="parChTrans2D4">
+    <dgm:scene3d>
+      <a:camera prst="orthographicFront"/>
+      <a:lightRig rig="threePt" dir="t"/>
+    </dgm:scene3d>
+    <dgm:sp3d/>
+    <dgm:txPr/>
+    <dgm:style>
+      <a:lnRef idx="2">
+        <a:scrgbClr r="0" g="0" b="0"/>
+      </a:lnRef>
+      <a:fillRef idx="1">
+        <a:scrgbClr r="0" g="0" b="0"/>
+      </a:fillRef>
+      <a:effectRef idx="0">
+        <a:scrgbClr r="0" g="0" b="0"/>
+      </a:effectRef>
+      <a:fontRef idx="minor">
+        <a:schemeClr val="lt1"/>
+      </a:fontRef>
+    </dgm:style>
+  </dgm:styleLbl>
+  <dgm:styleLbl name="parChTrans1D1">
+    <dgm:scene3d>
+      <a:camera prst="orthographicFront"/>
+      <a:lightRig rig="threePt" dir="t"/>
+    </dgm:scene3d>
+    <dgm:sp3d/>
+    <dgm:txPr/>
+    <dgm:style>
+      <a:lnRef idx="2">
+        <a:scrgbClr r="0" g="0" b="0"/>
+      </a:lnRef>
+      <a:fillRef idx="0">
+        <a:scrgbClr r="0" g="0" b="0"/>
+      </a:fillRef>
+      <a:effectRef idx="0">
+        <a:scrgbClr r="0" g="0" b="0"/>
+      </a:effectRef>
+      <a:fontRef idx="minor"/>
+    </dgm:style>
+  </dgm:styleLbl>
+  <dgm:styleLbl name="parChTrans1D2">
+    <dgm:scene3d>
+      <a:camera prst="orthographicFront"/>
+      <a:lightRig rig="threePt" dir="t"/>
+    </dgm:scene3d>
+    <dgm:sp3d/>
+    <dgm:txPr/>
+    <dgm:style>
+      <a:lnRef idx="2">
+        <a:scrgbClr r="0" g="0" b="0"/>
+      </a:lnRef>
+      <a:fillRef idx="0">
+        <a:scrgbClr r="0" g="0" b="0"/>
+      </a:fillRef>
+      <a:effectRef idx="0">
+        <a:scrgbClr r="0" g="0" b="0"/>
+      </a:effectRef>
+      <a:fontRef idx="minor"/>
+    </dgm:style>
+  </dgm:styleLbl>
+  <dgm:styleLbl name="parChTrans1D3">
+    <dgm:scene3d>
+      <a:camera prst="orthographicFront"/>
+      <a:lightRig rig="threePt" dir="t"/>
+    </dgm:scene3d>
+    <dgm:sp3d/>
+    <dgm:txPr/>
+    <dgm:style>
+      <a:lnRef idx="2">
+        <a:scrgbClr r="0" g="0" b="0"/>
+      </a:lnRef>
+      <a:fillRef idx="0">
+        <a:scrgbClr r="0" g="0" b="0"/>
+      </a:fillRef>
+      <a:effectRef idx="0">
+        <a:scrgbClr r="0" g="0" b="0"/>
+      </a:effectRef>
+      <a:fontRef idx="minor"/>
+    </dgm:style>
+  </dgm:styleLbl>
+  <dgm:styleLbl name="parChTrans1D4">
+    <dgm:scene3d>
+      <a:camera prst="orthographicFront"/>
+      <a:lightRig rig="threePt" dir="t"/>
+    </dgm:scene3d>
+    <dgm:sp3d/>
+    <dgm:txPr/>
+    <dgm:style>
+      <a:lnRef idx="2">
+        <a:scrgbClr r="0" g="0" b="0"/>
+      </a:lnRef>
+      <a:fillRef idx="0">
+        <a:scrgbClr r="0" g="0" b="0"/>
+      </a:fillRef>
+      <a:effectRef idx="0">
+        <a:scrgbClr r="0" g="0" b="0"/>
+      </a:effectRef>
+      <a:fontRef idx="minor"/>
+    </dgm:style>
+  </dgm:styleLbl>
+  <dgm:styleLbl name="fgAcc1">
+    <dgm:scene3d>
+      <a:camera prst="orthographicFront"/>
+      <a:lightRig rig="threePt" dir="t"/>
+    </dgm:scene3d>
+    <dgm:sp3d/>
+    <dgm:txPr/>
+    <dgm:style>
+      <a:lnRef idx="2">
+        <a:scrgbClr r="0" g="0" b="0"/>
+      </a:lnRef>
+      <a:fillRef idx="1">
+        <a:scrgbClr r="0" g="0" b="0"/>
+      </a:fillRef>
+      <a:effectRef idx="0">
+        <a:scrgbClr r="0" g="0" b="0"/>
+      </a:effectRef>
+      <a:fontRef idx="minor"/>
+    </dgm:style>
+  </dgm:styleLbl>
+  <dgm:styleLbl name="conFgAcc1">
+    <dgm:scene3d>
+      <a:camera prst="orthographicFront"/>
+      <a:lightRig rig="threePt" dir="t"/>
+    </dgm:scene3d>
+    <dgm:sp3d/>
+    <dgm:txPr/>
+    <dgm:style>
+      <a:lnRef idx="2">
+        <a:scrgbClr r="0" g="0" b="0"/>
+      </a:lnRef>
+      <a:fillRef idx="1">
+        <a:scrgbClr r="0" g="0" b="0"/>
+      </a:fillRef>
+      <a:effectRef idx="0">
+        <a:scrgbClr r="0" g="0" b="0"/>
+      </a:effectRef>
+      <a:fontRef idx="minor"/>
+    </dgm:style>
+  </dgm:styleLbl>
+  <dgm:styleLbl name="alignAcc1">
+    <dgm:scene3d>
+      <a:camera prst="orthographicFront"/>
+      <a:lightRig rig="threePt" dir="t"/>
+    </dgm:scene3d>
+    <dgm:sp3d/>
+    <dgm:txPr/>
+    <dgm:style>
+      <a:lnRef idx="2">
+        <a:scrgbClr r="0" g="0" b="0"/>
+      </a:lnRef>
+      <a:fillRef idx="1">
+        <a:scrgbClr r="0" g="0" b="0"/>
+      </a:fillRef>
+      <a:effectRef idx="0">
+        <a:scrgbClr r="0" g="0" b="0"/>
+      </a:effectRef>
+      <a:fontRef idx="minor"/>
+    </dgm:style>
+  </dgm:styleLbl>
+  <dgm:styleLbl name="trAlignAcc1">
+    <dgm:scene3d>
+      <a:camera prst="orthographicFront"/>
+      <a:lightRig rig="threePt" dir="t"/>
+    </dgm:scene3d>
+    <dgm:sp3d/>
+    <dgm:txPr/>
+    <dgm:style>
+      <a:lnRef idx="1">
+        <a:scrgbClr r="0" g="0" b="0"/>
+      </a:lnRef>
+      <a:fillRef idx="1">
+        <a:scrgbClr r="0" g="0" b="0"/>
+      </a:fillRef>
+      <a:effectRef idx="0">
+        <a:scrgbClr r="0" g="0" b="0"/>
+      </a:effectRef>
+      <a:fontRef idx="minor"/>
+    </dgm:style>
+  </dgm:styleLbl>
+  <dgm:styleLbl name="bgAcc1">
+    <dgm:scene3d>
+      <a:camera prst="orthographicFront"/>
+      <a:lightRig rig="threePt" dir="t"/>
+    </dgm:scene3d>
+    <dgm:sp3d/>
+    <dgm:txPr/>
+    <dgm:style>
+      <a:lnRef idx="2">
+        <a:scrgbClr r="0" g="0" b="0"/>
+      </a:lnRef>
+      <a:fillRef idx="1">
+        <a:scrgbClr r="0" g="0" b="0"/>
+      </a:fillRef>
+      <a:effectRef idx="0">
+        <a:scrgbClr r="0" g="0" b="0"/>
+      </a:effectRef>
+      <a:fontRef idx="minor"/>
+    </dgm:style>
+  </dgm:styleLbl>
+  <dgm:styleLbl name="solidFgAcc1">
+    <dgm:scene3d>
+      <a:camera prst="orthographicFront"/>
+      <a:lightRig rig="threePt" dir="t"/>
+    </dgm:scene3d>
+    <dgm:sp3d/>
+    <dgm:txPr/>
+    <dgm:style>
+      <a:lnRef idx="2">
+        <a:scrgbClr r="0" g="0" b="0"/>
+      </a:lnRef>
+      <a:fillRef idx="1">
+        <a:scrgbClr r="0" g="0" b="0"/>
+      </a:fillRef>
+      <a:effectRef idx="0">
+        <a:scrgbClr r="0" g="0" b="0"/>
+      </a:effectRef>
+      <a:fontRef idx="minor"/>
+    </dgm:style>
+  </dgm:styleLbl>
+  <dgm:styleLbl name="solidAlignAcc1">
+    <dgm:scene3d>
+      <a:camera prst="orthographicFront"/>
+      <a:lightRig rig="threePt" dir="t"/>
+    </dgm:scene3d>
+    <dgm:sp3d/>
+    <dgm:txPr/>
+    <dgm:style>
+      <a:lnRef idx="2">
+        <a:scrgbClr r="0" g="0" b="0"/>
+      </a:lnRef>
+      <a:fillRef idx="1">
+        <a:scrgbClr r="0" g="0" b="0"/>
+      </a:fillRef>
+      <a:effectRef idx="0">
+        <a:scrgbClr r="0" g="0" b="0"/>
+      </a:effectRef>
+      <a:fontRef idx="minor"/>
+    </dgm:style>
+  </dgm:styleLbl>
+  <dgm:styleLbl name="solidBgAcc1">
+    <dgm:scene3d>
+      <a:camera prst="orthographicFront"/>
+      <a:lightRig rig="threePt" dir="t"/>
+    </dgm:scene3d>
+    <dgm:sp3d/>
+    <dgm:txPr/>
+    <dgm:style>
+      <a:lnRef idx="2">
+        <a:scrgbClr r="0" g="0" b="0"/>
+      </a:lnRef>
+      <a:fillRef idx="1">
+        <a:scrgbClr r="0" g="0" b="0"/>
+      </a:fillRef>
+      <a:effectRef idx="0">
+        <a:scrgbClr r="0" g="0" b="0"/>
+      </a:effectRef>
+      <a:fontRef idx="minor"/>
+    </dgm:style>
+  </dgm:styleLbl>
+  <dgm:styleLbl name="fgAccFollowNode1">
+    <dgm:scene3d>
+      <a:camera prst="orthographicFront"/>
+      <a:lightRig rig="threePt" dir="t"/>
+    </dgm:scene3d>
+    <dgm:sp3d/>
+    <dgm:txPr/>
+    <dgm:style>
+      <a:lnRef idx="2">
+        <a:scrgbClr r="0" g="0" b="0"/>
+      </a:lnRef>
+      <a:fillRef idx="1">
+        <a:scrgbClr r="0" g="0" b="0"/>
+      </a:fillRef>
+      <a:effectRef idx="0">
+        <a:scrgbClr r="0" g="0" b="0"/>
+      </a:effectRef>
+      <a:fontRef idx="minor"/>
+    </dgm:style>
+  </dgm:styleLbl>
+  <dgm:styleLbl name="alignAccFollowNode1">
+    <dgm:scene3d>
+      <a:camera prst="orthographicFront"/>
+      <a:lightRig rig="threePt" dir="t"/>
+    </dgm:scene3d>
+    <dgm:sp3d/>
+    <dgm:txPr/>
+    <dgm:style>
+      <a:lnRef idx="2">
+        <a:scrgbClr r="0" g="0" b="0"/>
+      </a:lnRef>
+      <a:fillRef idx="1">
+        <a:scrgbClr r="0" g="0" b="0"/>
+      </a:fillRef>
+      <a:effectRef idx="0">
+        <a:scrgbClr r="0" g="0" b="0"/>
+      </a:effectRef>
+      <a:fontRef idx="minor"/>
+    </dgm:style>
+  </dgm:styleLbl>
+  <dgm:styleLbl name="bgAccFollowNode1">
+    <dgm:scene3d>
+      <a:camera prst="orthographicFront"/>
+      <a:lightRig rig="threePt" dir="t"/>
+    </dgm:scene3d>
+    <dgm:sp3d/>
+    <dgm:txPr/>
+    <dgm:style>
+      <a:lnRef idx="2">
+        <a:scrgbClr r="0" g="0" b="0"/>
+      </a:lnRef>
+      <a:fillRef idx="1">
+        <a:scrgbClr r="0" g="0" b="0"/>
+      </a:fillRef>
+      <a:effectRef idx="0">
+        <a:scrgbClr r="0" g="0" b="0"/>
+      </a:effectRef>
+      <a:fontRef idx="minor"/>
+    </dgm:style>
+  </dgm:styleLbl>
+  <dgm:styleLbl name="fgAcc0">
+    <dgm:scene3d>
+      <a:camera prst="orthographicFront"/>
+      <a:lightRig rig="threePt" dir="t"/>
+    </dgm:scene3d>
+    <dgm:sp3d/>
+    <dgm:txPr/>
+    <dgm:style>
+      <a:lnRef idx="2">
+        <a:scrgbClr r="0" g="0" b="0"/>
+      </a:lnRef>
+      <a:fillRef idx="1">
+        <a:scrgbClr r="0" g="0" b="0"/>
+      </a:fillRef>
+      <a:effectRef idx="0">
+        <a:scrgbClr r="0" g="0" b="0"/>
+      </a:effectRef>
+      <a:fontRef idx="minor"/>
+    </dgm:style>
+  </dgm:styleLbl>
+  <dgm:styleLbl name="fgAcc2">
+    <dgm:scene3d>
+      <a:camera prst="orthographicFront"/>
+      <a:lightRig rig="threePt" dir="t"/>
+    </dgm:scene3d>
+    <dgm:sp3d/>
+    <dgm:txPr/>
+    <dgm:style>
+      <a:lnRef idx="2">
+        <a:scrgbClr r="0" g="0" b="0"/>
+      </a:lnRef>
+      <a:fillRef idx="1">
+        <a:scrgbClr r="0" g="0" b="0"/>
+      </a:fillRef>
+      <a:effectRef idx="0">
+        <a:scrgbClr r="0" g="0" b="0"/>
+      </a:effectRef>
+      <a:fontRef idx="minor"/>
+    </dgm:style>
+  </dgm:styleLbl>
+  <dgm:styleLbl name="fgAcc3">
+    <dgm:scene3d>
+      <a:camera prst="orthographicFront"/>
+      <a:lightRig rig="threePt" dir="t"/>
+    </dgm:scene3d>
+    <dgm:sp3d/>
+    <dgm:txPr/>
+    <dgm:style>
+      <a:lnRef idx="2">
+        <a:scrgbClr r="0" g="0" b="0"/>
+      </a:lnRef>
+      <a:fillRef idx="1">
+        <a:scrgbClr r="0" g="0" b="0"/>
+      </a:fillRef>
+      <a:effectRef idx="0">
+        <a:scrgbClr r="0" g="0" b="0"/>
+      </a:effectRef>
+      <a:fontRef idx="minor"/>
+    </dgm:style>
+  </dgm:styleLbl>
+  <dgm:styleLbl name="fgAcc4">
+    <dgm:scene3d>
+      <a:camera prst="orthographicFront"/>
+      <a:lightRig rig="threePt" dir="t"/>
+    </dgm:scene3d>
+    <dgm:sp3d/>
+    <dgm:txPr/>
+    <dgm:style>
+      <a:lnRef idx="2">
+        <a:scrgbClr r="0" g="0" b="0"/>
+      </a:lnRef>
+      <a:fillRef idx="1">
+        <a:scrgbClr r="0" g="0" b="0"/>
+      </a:fillRef>
+      <a:effectRef idx="0">
+        <a:scrgbClr r="0" g="0" b="0"/>
+      </a:effectRef>
+      <a:fontRef idx="minor"/>
+    </dgm:style>
+  </dgm:styleLbl>
+  <dgm:styleLbl name="bgShp">
+    <dgm:scene3d>
+      <a:camera prst="orthographicFront"/>
+      <a:lightRig rig="threePt" dir="t"/>
+    </dgm:scene3d>
+    <dgm:sp3d/>
+    <dgm:txPr/>
+    <dgm:style>
+      <a:lnRef idx="0">
+        <a:scrgbClr r="0" g="0" b="0"/>
+      </a:lnRef>
+      <a:fillRef idx="1">
+        <a:scrgbClr r="0" g="0" b="0"/>
+      </a:fillRef>
+      <a:effectRef idx="0">
+        <a:scrgbClr r="0" g="0" b="0"/>
+      </a:effectRef>
+      <a:fontRef idx="minor"/>
+    </dgm:style>
+  </dgm:styleLbl>
+  <dgm:styleLbl name="dkBgShp">
+    <dgm:scene3d>
+      <a:camera prst="orthographicFront"/>
+      <a:lightRig rig="threePt" dir="t"/>
+    </dgm:scene3d>
+    <dgm:sp3d/>
+    <dgm:txPr/>
+    <dgm:style>
+      <a:lnRef idx="0">
+        <a:scrgbClr r="0" g="0" b="0"/>
+      </a:lnRef>
+      <a:fillRef idx="1">
+        <a:scrgbClr r="0" g="0" b="0"/>
+      </a:fillRef>
+      <a:effectRef idx="0">
+        <a:scrgbClr r="0" g="0" b="0"/>
+      </a:effectRef>
+      <a:fontRef idx="minor"/>
+    </dgm:style>
+  </dgm:styleLbl>
+  <dgm:styleLbl name="trBgShp">
+    <dgm:scene3d>
+      <a:camera prst="orthographicFront"/>
+      <a:lightRig rig="threePt" dir="t"/>
+    </dgm:scene3d>
+    <dgm:sp3d/>
+    <dgm:txPr/>
+    <dgm:style>
+      <a:lnRef idx="0">
+        <a:scrgbClr r="0" g="0" b="0"/>
+      </a:lnRef>
+      <a:fillRef idx="1">
+        <a:scrgbClr r="0" g="0" b="0"/>
+      </a:fillRef>
+      <a:effectRef idx="0">
+        <a:scrgbClr r="0" g="0" b="0"/>
+      </a:effectRef>
+      <a:fontRef idx="minor"/>
+    </dgm:style>
+  </dgm:styleLbl>
+  <dgm:styleLbl name="fgShp">
+    <dgm:scene3d>
+      <a:camera prst="orthographicFront"/>
+      <a:lightRig rig="threePt" dir="t"/>
+    </dgm:scene3d>
+    <dgm:sp3d/>
+    <dgm:txPr/>
+    <dgm:style>
+      <a:lnRef idx="2">
+        <a:scrgbClr r="0" g="0" b="0"/>
+      </a:lnRef>
+      <a:fillRef idx="1">
+        <a:scrgbClr r="0" g="0" b="0"/>
+      </a:fillRef>
+      <a:effectRef idx="0">
+        <a:scrgbClr r="0" g="0" b="0"/>
+      </a:effectRef>
+      <a:fontRef idx="minor"/>
+    </dgm:style>
+  </dgm:styleLbl>
+  <dgm:styleLbl name="revTx">
+    <dgm:scene3d>
+      <a:camera prst="orthographicFront"/>
+      <a:lightRig rig="threePt" dir="t"/>
+    </dgm:scene3d>
+    <dgm:sp3d/>
+    <dgm:txPr/>
+    <dgm:style>
+      <a:lnRef idx="0">
+        <a:scrgbClr r="0" g="0" b="0"/>
+      </a:lnRef>
+      <a:fillRef idx="0">
+        <a:scrgbClr r="0" g="0" b="0"/>
+      </a:fillRef>
+      <a:effectRef idx="0">
+        <a:scrgbClr r="0" g="0" b="0"/>
+      </a:effectRef>
+      <a:fontRef idx="minor"/>
+    </dgm:style>
+  </dgm:styleLbl>
+</dgm:styleDef>
+</file>
+
+<file path=ppt/diagrams/quickStyle5.xml><?xml version="1.0" encoding="utf-8"?>
 <dgm:styleDef xmlns:dgm="http://schemas.openxmlformats.org/drawingml/2006/diagram" xmlns:a="http://schemas.openxmlformats.org/drawingml/2006/main" uniqueId="urn:microsoft.com/office/officeart/2005/8/quickstyle/simple1#2">
   <dgm:title val=""/>
   <dgm:desc val=""/>
@@ -9091,7 +12542,7 @@
           <a:p>
             <a:fld id="{530820CF-B880-4189-942D-D702A7CBA730}" type="datetimeFigureOut">
               <a:rPr lang="zh-CN" altLang="en-US" smtClean="0"/>
-              <a:t>2018/9/11</a:t>
+              <a:t>2019/10/15</a:t>
             </a:fld>
             <a:endParaRPr lang="zh-CN" altLang="en-US"/>
           </a:p>
@@ -9256,7 +12707,7 @@
           <a:p>
             <a:fld id="{530820CF-B880-4189-942D-D702A7CBA730}" type="datetimeFigureOut">
               <a:rPr lang="zh-CN" altLang="en-US" smtClean="0"/>
-              <a:t>2018/9/11</a:t>
+              <a:t>2019/10/15</a:t>
             </a:fld>
             <a:endParaRPr lang="zh-CN" altLang="en-US"/>
           </a:p>
@@ -9431,7 +12882,7 @@
           <a:p>
             <a:fld id="{530820CF-B880-4189-942D-D702A7CBA730}" type="datetimeFigureOut">
               <a:rPr lang="zh-CN" altLang="en-US" smtClean="0"/>
-              <a:t>2018/9/11</a:t>
+              <a:t>2019/10/15</a:t>
             </a:fld>
             <a:endParaRPr lang="zh-CN" altLang="en-US"/>
           </a:p>
@@ -9614,7 +13065,7 @@
           <a:p>
             <a:fld id="{530820CF-B880-4189-942D-D702A7CBA730}" type="datetimeFigureOut">
               <a:rPr lang="zh-CN" altLang="en-US" smtClean="0"/>
-              <a:t>2018/9/11</a:t>
+              <a:t>2019/10/15</a:t>
             </a:fld>
             <a:endParaRPr lang="zh-CN" altLang="en-US"/>
           </a:p>
@@ -9876,7 +13327,7 @@
           <a:p>
             <a:fld id="{530820CF-B880-4189-942D-D702A7CBA730}" type="datetimeFigureOut">
               <a:rPr lang="zh-CN" altLang="en-US" smtClean="0"/>
-              <a:t>2018/9/11</a:t>
+              <a:t>2019/10/15</a:t>
             </a:fld>
             <a:endParaRPr lang="zh-CN" altLang="en-US"/>
           </a:p>
@@ -10224,7 +13675,7 @@
           <a:p>
             <a:fld id="{530820CF-B880-4189-942D-D702A7CBA730}" type="datetimeFigureOut">
               <a:rPr lang="zh-CN" altLang="en-US" smtClean="0"/>
-              <a:t>2018/9/11</a:t>
+              <a:t>2019/10/15</a:t>
             </a:fld>
             <a:endParaRPr lang="zh-CN" altLang="en-US"/>
           </a:p>
@@ -10532,7 +13983,7 @@
           <a:p>
             <a:fld id="{530820CF-B880-4189-942D-D702A7CBA730}" type="datetimeFigureOut">
               <a:rPr lang="zh-CN" altLang="en-US" smtClean="0"/>
-              <a:t>2018/9/11</a:t>
+              <a:t>2019/10/15</a:t>
             </a:fld>
             <a:endParaRPr lang="zh-CN" altLang="en-US"/>
           </a:p>
@@ -10759,7 +14210,7 @@
           <a:p>
             <a:fld id="{530820CF-B880-4189-942D-D702A7CBA730}" type="datetimeFigureOut">
               <a:rPr lang="zh-CN" altLang="en-US" smtClean="0"/>
-              <a:t>2018/9/11</a:t>
+              <a:t>2019/10/15</a:t>
             </a:fld>
             <a:endParaRPr lang="zh-CN" altLang="en-US"/>
           </a:p>
@@ -10849,7 +14300,7 @@
           <a:p>
             <a:fld id="{530820CF-B880-4189-942D-D702A7CBA730}" type="datetimeFigureOut">
               <a:rPr lang="zh-CN" altLang="en-US" smtClean="0"/>
-              <a:t>2018/9/11</a:t>
+              <a:t>2019/10/15</a:t>
             </a:fld>
             <a:endParaRPr lang="zh-CN" altLang="en-US"/>
           </a:p>
@@ -11137,7 +14588,7 @@
           <a:p>
             <a:fld id="{530820CF-B880-4189-942D-D702A7CBA730}" type="datetimeFigureOut">
               <a:rPr lang="zh-CN" altLang="en-US" smtClean="0"/>
-              <a:t>2018/9/11</a:t>
+              <a:t>2019/10/15</a:t>
             </a:fld>
             <a:endParaRPr lang="zh-CN" altLang="en-US"/>
           </a:p>
@@ -11406,7 +14857,7 @@
           <a:p>
             <a:fld id="{530820CF-B880-4189-942D-D702A7CBA730}" type="datetimeFigureOut">
               <a:rPr lang="zh-CN" altLang="en-US" smtClean="0"/>
-              <a:t>2018/9/11</a:t>
+              <a:t>2019/10/15</a:t>
             </a:fld>
             <a:endParaRPr lang="zh-CN" altLang="en-US"/>
           </a:p>
@@ -11616,7 +15067,7 @@
           <a:p>
             <a:fld id="{530820CF-B880-4189-942D-D702A7CBA730}" type="datetimeFigureOut">
               <a:rPr lang="zh-CN" altLang="en-US" smtClean="0"/>
-              <a:t>2018/9/11</a:t>
+              <a:t>2019/10/15</a:t>
             </a:fld>
             <a:endParaRPr lang="zh-CN" altLang="en-US"/>
           </a:p>
@@ -15008,7 +18459,13 @@
       </p:grpSpPr>
       <p:sp>
         <p:nvSpPr>
-          <p:cNvPr id="2" name="标题 1"/>
+          <p:cNvPr id="2" name="标题 1">
+            <a:extLst>
+              <a:ext uri="{FF2B5EF4-FFF2-40B4-BE49-F238E27FC236}">
+                <a16:creationId xmlns:a16="http://schemas.microsoft.com/office/drawing/2014/main" id="{C063D977-7FAE-469C-BC9C-B90F1A522552}"/>
+              </a:ext>
+            </a:extLst>
+          </p:cNvPr>
           <p:cNvSpPr>
             <a:spLocks noGrp="1"/>
           </p:cNvSpPr>
@@ -15022,146 +18479,50 @@
           <a:lstStyle/>
           <a:p>
             <a:r>
-              <a:rPr lang="en-US" altLang="zh-CN" sz="4000" b="1" dirty="0">
-                <a:effectLst/>
-              </a:rPr>
-              <a:t>10.3 </a:t>
-            </a:r>
-            <a:r>
-              <a:rPr lang="zh-CN" altLang="en-US" sz="4000" b="1" dirty="0">
-                <a:effectLst/>
-              </a:rPr>
-              <a:t>应用</a:t>
-            </a:r>
-            <a:r>
-              <a:rPr lang="en-US" altLang="zh-CN" sz="4000" b="1" dirty="0">
-                <a:effectLst/>
-              </a:rPr>
-              <a:t>JavaBean</a:t>
-            </a:r>
-            <a:r>
-              <a:rPr lang="zh-CN" altLang="en-US" sz="4000" b="1" dirty="0">
-                <a:effectLst/>
-              </a:rPr>
-              <a:t>的开发实例</a:t>
-            </a:r>
-            <a:endParaRPr lang="zh-CN" altLang="en-US" sz="4000" dirty="0">
-              <a:effectLst/>
-            </a:endParaRPr>
+              <a:rPr lang="en-US" altLang="zh-CN" dirty="0"/>
+              <a:t>DEMO</a:t>
+            </a:r>
+            <a:endParaRPr lang="zh-CN" altLang="en-US" dirty="0"/>
           </a:p>
         </p:txBody>
       </p:sp>
-      <p:sp>
-        <p:nvSpPr>
-          <p:cNvPr id="3" name="内容占位符 2"/>
-          <p:cNvSpPr>
-            <a:spLocks noGrp="1"/>
-          </p:cNvSpPr>
+      <p:graphicFrame>
+        <p:nvGraphicFramePr>
+          <p:cNvPr id="4" name="内容占位符 3">
+            <a:extLst>
+              <a:ext uri="{FF2B5EF4-FFF2-40B4-BE49-F238E27FC236}">
+                <a16:creationId xmlns:a16="http://schemas.microsoft.com/office/drawing/2014/main" id="{B8B18BB7-3F5B-4A97-AE5C-2157C1431461}"/>
+              </a:ext>
+            </a:extLst>
+          </p:cNvPr>
+          <p:cNvGraphicFramePr>
+            <a:graphicFrameLocks noGrp="1"/>
+          </p:cNvGraphicFramePr>
           <p:nvPr>
             <p:ph idx="1"/>
+            <p:extLst>
+              <p:ext uri="{D42A27DB-BD31-4B8C-83A1-F6EECF244321}">
+                <p14:modId xmlns:p14="http://schemas.microsoft.com/office/powerpoint/2010/main" val="3413865683"/>
+              </p:ext>
+            </p:extLst>
           </p:nvPr>
-        </p:nvSpPr>
-        <p:spPr/>
-        <p:txBody>
-          <a:bodyPr>
-            <a:noAutofit/>
-          </a:bodyPr>
-          <a:lstStyle/>
-          <a:p>
-            <a:pPr marL="0" indent="457200">
-              <a:buNone/>
-            </a:pPr>
-            <a:r>
-              <a:rPr lang="zh-CN" altLang="en-US" sz="2000" dirty="0">
-                <a:solidFill>
-                  <a:schemeClr val="tx1"/>
-                </a:solidFill>
-                <a:latin typeface="+mn-ea"/>
-              </a:rPr>
-              <a:t>应用</a:t>
-            </a:r>
-            <a:r>
-              <a:rPr lang="en-US" altLang="zh-CN" sz="2000" dirty="0">
-                <a:solidFill>
-                  <a:schemeClr val="tx1"/>
-                </a:solidFill>
-                <a:latin typeface="+mn-ea"/>
-              </a:rPr>
-              <a:t>JavaBean</a:t>
-            </a:r>
-            <a:r>
-              <a:rPr lang="zh-CN" altLang="en-US" sz="2000" dirty="0">
-                <a:solidFill>
-                  <a:schemeClr val="tx1"/>
-                </a:solidFill>
-                <a:latin typeface="+mn-ea"/>
-              </a:rPr>
-              <a:t>实现一个简单购物车的实例，该购物车实现了商品的添加、删除和清空所有商品的功能。下面先来介绍运行该实例后的操作流程。</a:t>
-            </a:r>
-          </a:p>
-          <a:p>
-            <a:pPr marL="0" indent="457200">
-              <a:buNone/>
-            </a:pPr>
-            <a:r>
-              <a:rPr lang="zh-CN" altLang="en-US" sz="2000" dirty="0">
-                <a:solidFill>
-                  <a:schemeClr val="tx1"/>
-                </a:solidFill>
-                <a:latin typeface="+mn-ea"/>
-              </a:rPr>
-              <a:t>用户在商品列表页面中单击“购买”超链接向购物车中添加选择的商品。对于同一个商品，每单击一次“购买”超链接，购物车中该商品的购买数量加</a:t>
-            </a:r>
-            <a:r>
-              <a:rPr lang="en-US" altLang="zh-CN" sz="2000" dirty="0">
-                <a:solidFill>
-                  <a:schemeClr val="tx1"/>
-                </a:solidFill>
-                <a:latin typeface="+mn-ea"/>
-              </a:rPr>
-              <a:t>1</a:t>
-            </a:r>
-            <a:r>
-              <a:rPr lang="zh-CN" altLang="en-US" sz="2000" dirty="0">
-                <a:solidFill>
-                  <a:schemeClr val="tx1"/>
-                </a:solidFill>
-                <a:latin typeface="+mn-ea"/>
-              </a:rPr>
-              <a:t>。此处我们选择“购买苹果一次，香蕉一次，梨两次”，然后单击“查看购物车”超链接，查看自己的购物车。购物车中显示了用户购买的商品及应付的金额，用户可通过单击“移除”删除相应的商品，每单击一次“移除”则商品数量减</a:t>
-            </a:r>
-            <a:r>
-              <a:rPr lang="en-US" altLang="zh-CN" sz="2000" dirty="0">
-                <a:solidFill>
-                  <a:schemeClr val="tx1"/>
-                </a:solidFill>
-                <a:latin typeface="+mn-ea"/>
-              </a:rPr>
-              <a:t>1</a:t>
-            </a:r>
-            <a:r>
-              <a:rPr lang="zh-CN" altLang="en-US" sz="2000" dirty="0">
-                <a:solidFill>
-                  <a:schemeClr val="tx1"/>
-                </a:solidFill>
-                <a:latin typeface="+mn-ea"/>
-              </a:rPr>
-              <a:t>。单击“清空购物车”可删除所有的商品。单击“继续购物”可返回购买页面继续购买。</a:t>
-            </a:r>
-          </a:p>
-          <a:p>
-            <a:pPr marL="0" indent="457200">
-              <a:buNone/>
-            </a:pPr>
-            <a:endParaRPr lang="zh-CN" altLang="en-US" sz="2000" dirty="0">
-              <a:solidFill>
-                <a:schemeClr val="tx1"/>
-              </a:solidFill>
-            </a:endParaRPr>
-          </a:p>
-        </p:txBody>
-      </p:sp>
+        </p:nvGraphicFramePr>
+        <p:xfrm>
+          <a:off x="457200" y="1200150"/>
+          <a:ext cx="8229600" cy="3394075"/>
+        </p:xfrm>
+        <a:graphic>
+          <a:graphicData uri="http://schemas.openxmlformats.org/drawingml/2006/diagram">
+            <dgm:relIds xmlns:dgm="http://schemas.openxmlformats.org/drawingml/2006/diagram" xmlns:r="http://schemas.openxmlformats.org/officeDocument/2006/relationships" r:dm="rId2" r:lo="rId3" r:qs="rId4" r:cs="rId5"/>
+          </a:graphicData>
+        </a:graphic>
+      </p:graphicFrame>
     </p:spTree>
+    <p:extLst>
+      <p:ext uri="{BB962C8B-B14F-4D97-AF65-F5344CB8AC3E}">
+        <p14:creationId xmlns:p14="http://schemas.microsoft.com/office/powerpoint/2010/main" val="4085223231"/>
+      </p:ext>
+    </p:extLst>
   </p:cSld>
   <p:clrMapOvr>
     <a:masterClrMapping/>
@@ -15188,7 +18549,13 @@
       </p:grpSpPr>
       <p:sp>
         <p:nvSpPr>
-          <p:cNvPr id="2" name="标题 1"/>
+          <p:cNvPr id="2" name="标题 1">
+            <a:extLst>
+              <a:ext uri="{FF2B5EF4-FFF2-40B4-BE49-F238E27FC236}">
+                <a16:creationId xmlns:a16="http://schemas.microsoft.com/office/drawing/2014/main" id="{C063D977-7FAE-469C-BC9C-B90F1A522552}"/>
+              </a:ext>
+            </a:extLst>
+          </p:cNvPr>
           <p:cNvSpPr>
             <a:spLocks noGrp="1"/>
           </p:cNvSpPr>
@@ -15202,77 +18569,37 @@
           <a:lstStyle/>
           <a:p>
             <a:r>
-              <a:rPr lang="en-US" altLang="zh-CN" sz="4000" b="1" dirty="0">
-                <a:effectLst/>
-              </a:rPr>
-              <a:t>10.3 </a:t>
-            </a:r>
-            <a:r>
-              <a:rPr lang="zh-CN" altLang="en-US" sz="4000" b="1" dirty="0">
-                <a:effectLst/>
-              </a:rPr>
-              <a:t>应用</a:t>
-            </a:r>
-            <a:r>
-              <a:rPr lang="en-US" altLang="zh-CN" sz="4000" b="1" dirty="0">
-                <a:effectLst/>
-              </a:rPr>
-              <a:t>JavaBean</a:t>
-            </a:r>
-            <a:r>
-              <a:rPr lang="zh-CN" altLang="en-US" sz="4000" b="1" dirty="0">
-                <a:effectLst/>
-              </a:rPr>
-              <a:t>的开发实例</a:t>
-            </a:r>
-            <a:endParaRPr lang="zh-CN" altLang="en-US" sz="4000" dirty="0">
-              <a:effectLst/>
-            </a:endParaRPr>
-          </a:p>
-        </p:txBody>
-      </p:sp>
-      <p:sp>
-        <p:nvSpPr>
-          <p:cNvPr id="3" name="内容占位符 2"/>
-          <p:cNvSpPr>
-            <a:spLocks noGrp="1"/>
-          </p:cNvSpPr>
-          <p:nvPr>
-            <p:ph sz="half" idx="2"/>
-          </p:nvPr>
-        </p:nvSpPr>
-        <p:spPr/>
-        <p:txBody>
-          <a:bodyPr>
-            <a:noAutofit/>
-          </a:bodyPr>
-          <a:lstStyle/>
-          <a:p>
-            <a:endParaRPr lang="zh-CN" altLang="en-US" sz="2000" dirty="0"/>
-          </a:p>
-          <a:p>
-            <a:endParaRPr lang="zh-CN" altLang="en-US" sz="2000" dirty="0"/>
-          </a:p>
-          <a:p>
-            <a:endParaRPr lang="zh-CN" altLang="en-US" sz="2000" dirty="0"/>
+              <a:rPr lang="en-US" altLang="zh-CN" dirty="0"/>
+              <a:t>DEMO</a:t>
+            </a:r>
+            <a:endParaRPr lang="zh-CN" altLang="en-US" dirty="0"/>
           </a:p>
         </p:txBody>
       </p:sp>
       <p:graphicFrame>
         <p:nvGraphicFramePr>
-          <p:cNvPr id="7" name="图示 6"/>
-          <p:cNvGraphicFramePr/>
+          <p:cNvPr id="4" name="内容占位符 3">
+            <a:extLst>
+              <a:ext uri="{FF2B5EF4-FFF2-40B4-BE49-F238E27FC236}">
+                <a16:creationId xmlns:a16="http://schemas.microsoft.com/office/drawing/2014/main" id="{B8B18BB7-3F5B-4A97-AE5C-2157C1431461}"/>
+              </a:ext>
+            </a:extLst>
+          </p:cNvPr>
+          <p:cNvGraphicFramePr>
+            <a:graphicFrameLocks noGrp="1"/>
+          </p:cNvGraphicFramePr>
           <p:nvPr>
+            <p:ph idx="1"/>
             <p:extLst>
               <p:ext uri="{D42A27DB-BD31-4B8C-83A1-F6EECF244321}">
-                <p14:modId xmlns:p14="http://schemas.microsoft.com/office/powerpoint/2010/main" val="4022811574"/>
+                <p14:modId xmlns:p14="http://schemas.microsoft.com/office/powerpoint/2010/main" val="1009133019"/>
               </p:ext>
             </p:extLst>
           </p:nvPr>
         </p:nvGraphicFramePr>
         <p:xfrm>
-          <a:off x="899592" y="1039044"/>
-          <a:ext cx="7200800" cy="4104456"/>
+          <a:off x="457200" y="1200150"/>
+          <a:ext cx="8229600" cy="3394075"/>
         </p:xfrm>
         <a:graphic>
           <a:graphicData uri="http://schemas.openxmlformats.org/drawingml/2006/diagram">
@@ -15283,7 +18610,7 @@
     </p:spTree>
     <p:extLst>
       <p:ext uri="{BB962C8B-B14F-4D97-AF65-F5344CB8AC3E}">
-        <p14:creationId xmlns:p14="http://schemas.microsoft.com/office/powerpoint/2010/main" val="2584172879"/>
+        <p14:creationId xmlns:p14="http://schemas.microsoft.com/office/powerpoint/2010/main" val="1355273023"/>
       </p:ext>
     </p:extLst>
   </p:cSld>
@@ -15312,7 +18639,13 @@
       </p:grpSpPr>
       <p:sp>
         <p:nvSpPr>
-          <p:cNvPr id="2" name="标题 1"/>
+          <p:cNvPr id="2" name="标题 1">
+            <a:extLst>
+              <a:ext uri="{FF2B5EF4-FFF2-40B4-BE49-F238E27FC236}">
+                <a16:creationId xmlns:a16="http://schemas.microsoft.com/office/drawing/2014/main" id="{C063D977-7FAE-469C-BC9C-B90F1A522552}"/>
+              </a:ext>
+            </a:extLst>
+          </p:cNvPr>
           <p:cNvSpPr>
             <a:spLocks noGrp="1"/>
           </p:cNvSpPr>
@@ -15326,201 +18659,48 @@
           <a:lstStyle/>
           <a:p>
             <a:r>
-              <a:rPr lang="en-US" altLang="zh-CN" sz="4000" b="1" dirty="0">
-                <a:effectLst/>
-              </a:rPr>
-              <a:t>10.3 </a:t>
-            </a:r>
-            <a:r>
-              <a:rPr lang="zh-CN" altLang="en-US" sz="4000" b="1" dirty="0">
-                <a:effectLst/>
-              </a:rPr>
-              <a:t>应用</a:t>
-            </a:r>
-            <a:r>
-              <a:rPr lang="en-US" altLang="zh-CN" sz="4000" b="1" dirty="0">
-                <a:effectLst/>
-              </a:rPr>
-              <a:t>JavaBean</a:t>
-            </a:r>
-            <a:r>
-              <a:rPr lang="zh-CN" altLang="en-US" sz="4000" b="1" dirty="0">
-                <a:effectLst/>
-              </a:rPr>
-              <a:t>的开发实例</a:t>
-            </a:r>
-            <a:endParaRPr lang="zh-CN" altLang="en-US" sz="4000" dirty="0"/>
+              <a:rPr lang="en-US" altLang="zh-CN" dirty="0"/>
+              <a:t>DEMO</a:t>
+            </a:r>
+            <a:endParaRPr lang="zh-CN" altLang="en-US" dirty="0"/>
           </a:p>
         </p:txBody>
       </p:sp>
-      <p:pic>
-        <p:nvPicPr>
-          <p:cNvPr id="15363" name="Picture 3"/>
-          <p:cNvPicPr>
-            <a:picLocks noChangeAspect="1" noChangeArrowheads="1"/>
-          </p:cNvPicPr>
-          <p:nvPr/>
-        </p:nvPicPr>
-        <p:blipFill>
-          <a:blip r:embed="rId2">
+      <p:graphicFrame>
+        <p:nvGraphicFramePr>
+          <p:cNvPr id="4" name="内容占位符 3">
             <a:extLst>
-              <a:ext uri="{28A0092B-C50C-407E-A947-70E740481C1C}">
-                <a14:useLocalDpi xmlns:a14="http://schemas.microsoft.com/office/drawing/2010/main" val="0"/>
+              <a:ext uri="{FF2B5EF4-FFF2-40B4-BE49-F238E27FC236}">
+                <a16:creationId xmlns:a16="http://schemas.microsoft.com/office/drawing/2014/main" id="{B8B18BB7-3F5B-4A97-AE5C-2157C1431461}"/>
               </a:ext>
             </a:extLst>
-          </a:blip>
-          <a:srcRect/>
-          <a:stretch>
-            <a:fillRect/>
-          </a:stretch>
-        </p:blipFill>
-        <p:spPr bwMode="auto">
-          <a:xfrm>
-            <a:off x="107262" y="1275606"/>
-            <a:ext cx="4618973" cy="2736304"/>
-          </a:xfrm>
-          <a:prstGeom prst="rect">
-            <a:avLst/>
-          </a:prstGeom>
-          <a:noFill/>
-          <a:ln>
-            <a:noFill/>
-          </a:ln>
-          <a:effectLst/>
-          <a:extLst>
-            <a:ext uri="{909E8E84-426E-40DD-AFC4-6F175D3DCCD1}">
-              <a14:hiddenFill xmlns:a14="http://schemas.microsoft.com/office/drawing/2010/main">
-                <a:solidFill>
-                  <a:schemeClr val="accent1"/>
-                </a:solidFill>
-              </a14:hiddenFill>
-            </a:ext>
-            <a:ext uri="{91240B29-F687-4F45-9708-019B960494DF}">
-              <a14:hiddenLine xmlns:a14="http://schemas.microsoft.com/office/drawing/2010/main" w="9525">
-                <a:solidFill>
-                  <a:schemeClr val="tx1"/>
-                </a:solidFill>
-                <a:miter lim="800000"/>
-                <a:headEnd/>
-                <a:tailEnd/>
-              </a14:hiddenLine>
-            </a:ext>
-            <a:ext uri="{AF507438-7753-43E0-B8FC-AC1667EBCBE1}">
-              <a14:hiddenEffects xmlns:a14="http://schemas.microsoft.com/office/drawing/2010/main">
-                <a:effectLst>
-                  <a:outerShdw dist="35921" dir="2700000" algn="ctr" rotWithShape="0">
-                    <a:schemeClr val="bg2"/>
-                  </a:outerShdw>
-                </a:effectLst>
-              </a14:hiddenEffects>
-            </a:ext>
-          </a:extLst>
-        </p:spPr>
-      </p:pic>
-      <p:pic>
-        <p:nvPicPr>
-          <p:cNvPr id="15364" name="Picture 4"/>
-          <p:cNvPicPr>
-            <a:picLocks noChangeAspect="1" noChangeArrowheads="1"/>
-          </p:cNvPicPr>
-          <p:nvPr/>
-        </p:nvPicPr>
-        <p:blipFill>
-          <a:blip r:embed="rId3">
-            <a:extLst>
-              <a:ext uri="{28A0092B-C50C-407E-A947-70E740481C1C}">
-                <a14:useLocalDpi xmlns:a14="http://schemas.microsoft.com/office/drawing/2010/main" val="0"/>
-              </a:ext>
-            </a:extLst>
-          </a:blip>
-          <a:srcRect/>
-          <a:stretch>
-            <a:fillRect/>
-          </a:stretch>
-        </p:blipFill>
-        <p:spPr bwMode="auto">
-          <a:xfrm>
-            <a:off x="4361579" y="1275606"/>
-            <a:ext cx="4890532" cy="2834927"/>
-          </a:xfrm>
-          <a:prstGeom prst="rect">
-            <a:avLst/>
-          </a:prstGeom>
-          <a:noFill/>
-          <a:ln>
-            <a:noFill/>
-          </a:ln>
-          <a:effectLst/>
-          <a:extLst>
-            <a:ext uri="{909E8E84-426E-40DD-AFC4-6F175D3DCCD1}">
-              <a14:hiddenFill xmlns:a14="http://schemas.microsoft.com/office/drawing/2010/main">
-                <a:solidFill>
-                  <a:schemeClr val="accent1"/>
-                </a:solidFill>
-              </a14:hiddenFill>
-            </a:ext>
-            <a:ext uri="{91240B29-F687-4F45-9708-019B960494DF}">
-              <a14:hiddenLine xmlns:a14="http://schemas.microsoft.com/office/drawing/2010/main" w="9525">
-                <a:solidFill>
-                  <a:schemeClr val="tx1"/>
-                </a:solidFill>
-                <a:miter lim="800000"/>
-                <a:headEnd/>
-                <a:tailEnd/>
-              </a14:hiddenLine>
-            </a:ext>
-            <a:ext uri="{AF507438-7753-43E0-B8FC-AC1667EBCBE1}">
-              <a14:hiddenEffects xmlns:a14="http://schemas.microsoft.com/office/drawing/2010/main">
-                <a:effectLst>
-                  <a:outerShdw dist="35921" dir="2700000" algn="ctr" rotWithShape="0">
-                    <a:schemeClr val="bg2"/>
-                  </a:outerShdw>
-                </a:effectLst>
-              </a14:hiddenEffects>
-            </a:ext>
-          </a:extLst>
-        </p:spPr>
-      </p:pic>
-      <p:sp>
-        <p:nvSpPr>
-          <p:cNvPr id="8" name="矩形 7"/>
-          <p:cNvSpPr/>
-          <p:nvPr/>
-        </p:nvSpPr>
-        <p:spPr>
-          <a:xfrm>
-            <a:off x="3372997" y="4334197"/>
-            <a:ext cx="3010761" cy="461665"/>
-          </a:xfrm>
-          <a:prstGeom prst="rect">
-            <a:avLst/>
-          </a:prstGeom>
-        </p:spPr>
-        <p:txBody>
-          <a:bodyPr wrap="none">
-            <a:spAutoFit/>
-          </a:bodyPr>
-          <a:lstStyle/>
-          <a:p>
-            <a:r>
-              <a:rPr lang="en-US" altLang="zh-CN" sz="1600" dirty="0">
-                <a:latin typeface="+mj-lt"/>
-              </a:rPr>
-              <a:t> </a:t>
-            </a:r>
-            <a:r>
-              <a:rPr lang="zh-CN" altLang="en-US" sz="2400" dirty="0">
-                <a:latin typeface="+mj-lt"/>
-              </a:rPr>
-              <a:t>购物车实例程序框图</a:t>
-            </a:r>
-          </a:p>
-        </p:txBody>
-      </p:sp>
+          </p:cNvPr>
+          <p:cNvGraphicFramePr>
+            <a:graphicFrameLocks noGrp="1"/>
+          </p:cNvGraphicFramePr>
+          <p:nvPr>
+            <p:ph idx="1"/>
+            <p:extLst>
+              <p:ext uri="{D42A27DB-BD31-4B8C-83A1-F6EECF244321}">
+                <p14:modId xmlns:p14="http://schemas.microsoft.com/office/powerpoint/2010/main" val="2153575734"/>
+              </p:ext>
+            </p:extLst>
+          </p:nvPr>
+        </p:nvGraphicFramePr>
+        <p:xfrm>
+          <a:off x="457200" y="1200150"/>
+          <a:ext cx="8229600" cy="3394075"/>
+        </p:xfrm>
+        <a:graphic>
+          <a:graphicData uri="http://schemas.openxmlformats.org/drawingml/2006/diagram">
+            <dgm:relIds xmlns:dgm="http://schemas.openxmlformats.org/drawingml/2006/diagram" xmlns:r="http://schemas.openxmlformats.org/officeDocument/2006/relationships" r:dm="rId2" r:lo="rId3" r:qs="rId4" r:cs="rId5"/>
+          </a:graphicData>
+        </a:graphic>
+      </p:graphicFrame>
     </p:spTree>
     <p:extLst>
       <p:ext uri="{BB962C8B-B14F-4D97-AF65-F5344CB8AC3E}">
-        <p14:creationId xmlns:p14="http://schemas.microsoft.com/office/powerpoint/2010/main" val="1198326402"/>
+        <p14:creationId xmlns:p14="http://schemas.microsoft.com/office/powerpoint/2010/main" val="4058628236"/>
       </p:ext>
     </p:extLst>
   </p:cSld>
@@ -15563,754 +18743,42 @@
           <a:lstStyle/>
           <a:p>
             <a:r>
-              <a:rPr lang="en-US" altLang="zh-CN" sz="4000" b="1" dirty="0">
-                <a:effectLst/>
-              </a:rPr>
-              <a:t>10.3 </a:t>
-            </a:r>
-            <a:r>
-              <a:rPr lang="zh-CN" altLang="en-US" sz="4000" b="1" dirty="0">
-                <a:effectLst/>
-              </a:rPr>
-              <a:t>应用</a:t>
-            </a:r>
-            <a:r>
-              <a:rPr lang="en-US" altLang="zh-CN" sz="4000" b="1" dirty="0">
-                <a:effectLst/>
-              </a:rPr>
-              <a:t>JavaBean</a:t>
-            </a:r>
-            <a:r>
-              <a:rPr lang="zh-CN" altLang="en-US" sz="4000" b="1" dirty="0">
-                <a:effectLst/>
-              </a:rPr>
-              <a:t>的开发实例</a:t>
-            </a:r>
-            <a:endParaRPr lang="zh-CN" altLang="en-US" sz="4000" dirty="0"/>
+              <a:rPr lang="en-US" altLang="zh-CN" sz="4800" dirty="0"/>
+              <a:t>10.4</a:t>
+            </a:r>
+            <a:r>
+              <a:rPr lang="zh-CN" altLang="en-US" sz="4800" dirty="0"/>
+              <a:t>思考题</a:t>
+            </a:r>
           </a:p>
         </p:txBody>
       </p:sp>
-      <p:sp>
-        <p:nvSpPr>
-          <p:cNvPr id="3" name="内容占位符 2"/>
-          <p:cNvSpPr>
-            <a:spLocks noGrp="1"/>
-          </p:cNvSpPr>
+      <p:graphicFrame>
+        <p:nvGraphicFramePr>
+          <p:cNvPr id="5" name="内容占位符 4"/>
+          <p:cNvGraphicFramePr>
+            <a:graphicFrameLocks noGrp="1"/>
+          </p:cNvGraphicFramePr>
           <p:nvPr>
             <p:ph idx="1"/>
+            <p:extLst>
+              <p:ext uri="{D42A27DB-BD31-4B8C-83A1-F6EECF244321}">
+                <p14:modId xmlns:p14="http://schemas.microsoft.com/office/powerpoint/2010/main" val="1068982609"/>
+              </p:ext>
+            </p:extLst>
           </p:nvPr>
-        </p:nvSpPr>
-        <p:spPr>
-          <a:xfrm>
-            <a:off x="395536" y="1202127"/>
-            <a:ext cx="8229600" cy="3943350"/>
-          </a:xfrm>
-        </p:spPr>
-        <p:txBody>
-          <a:bodyPr>
-            <a:normAutofit/>
-          </a:bodyPr>
-          <a:lstStyle/>
-          <a:p>
-            <a:pPr marL="0" indent="457200">
-              <a:buNone/>
-            </a:pPr>
-            <a:endParaRPr lang="en-US" altLang="zh-CN" dirty="0">
-              <a:solidFill>
-                <a:schemeClr val="tx1"/>
-              </a:solidFill>
-            </a:endParaRPr>
-          </a:p>
-          <a:p>
-            <a:pPr marL="0" indent="457200">
-              <a:buNone/>
-            </a:pPr>
-            <a:r>
-              <a:rPr lang="zh-CN" altLang="en-US" dirty="0">
-                <a:solidFill>
-                  <a:schemeClr val="tx1"/>
-                </a:solidFill>
-                <a:latin typeface="Times New Roman" pitchFamily="18" charset="0"/>
-                <a:cs typeface="Times New Roman" pitchFamily="18" charset="0"/>
-              </a:rPr>
-              <a:t>（</a:t>
-            </a:r>
-            <a:r>
-              <a:rPr lang="en-US" altLang="zh-CN" dirty="0">
-                <a:solidFill>
-                  <a:schemeClr val="tx1"/>
-                </a:solidFill>
-                <a:latin typeface="Times New Roman" pitchFamily="18" charset="0"/>
-                <a:cs typeface="Times New Roman" pitchFamily="18" charset="0"/>
-              </a:rPr>
-              <a:t>1</a:t>
-            </a:r>
-            <a:r>
-              <a:rPr lang="zh-CN" altLang="en-US" dirty="0">
-                <a:solidFill>
-                  <a:schemeClr val="tx1"/>
-                </a:solidFill>
-                <a:latin typeface="Times New Roman" pitchFamily="18" charset="0"/>
-                <a:cs typeface="Times New Roman" pitchFamily="18" charset="0"/>
-              </a:rPr>
-              <a:t>）创建封装商品信息的值</a:t>
-            </a:r>
-            <a:r>
-              <a:rPr lang="en-US" altLang="zh-CN" dirty="0">
-                <a:solidFill>
-                  <a:schemeClr val="tx1"/>
-                </a:solidFill>
-                <a:latin typeface="Times New Roman" pitchFamily="18" charset="0"/>
-                <a:cs typeface="Times New Roman" pitchFamily="18" charset="0"/>
-              </a:rPr>
-              <a:t>JavaBean——</a:t>
-            </a:r>
-            <a:r>
-              <a:rPr lang="en-US" altLang="zh-CN" dirty="0" err="1">
-                <a:solidFill>
-                  <a:schemeClr val="tx1"/>
-                </a:solidFill>
-                <a:latin typeface="Times New Roman" pitchFamily="18" charset="0"/>
-                <a:cs typeface="Times New Roman" pitchFamily="18" charset="0"/>
-              </a:rPr>
-              <a:t>GoodsSingle</a:t>
-            </a:r>
-            <a:endParaRPr lang="en-US" altLang="zh-CN" dirty="0">
-              <a:solidFill>
-                <a:schemeClr val="tx1"/>
-              </a:solidFill>
-              <a:latin typeface="Times New Roman" pitchFamily="18" charset="0"/>
-              <a:cs typeface="Times New Roman" pitchFamily="18" charset="0"/>
-            </a:endParaRPr>
-          </a:p>
-          <a:p>
-            <a:pPr marL="0" indent="457200">
-              <a:buNone/>
-            </a:pPr>
-            <a:r>
-              <a:rPr lang="zh-CN" altLang="en-US" dirty="0">
-                <a:solidFill>
-                  <a:schemeClr val="tx1"/>
-                </a:solidFill>
-                <a:latin typeface="Times New Roman" pitchFamily="18" charset="0"/>
-                <a:cs typeface="Times New Roman" pitchFamily="18" charset="0"/>
-              </a:rPr>
-              <a:t>（</a:t>
-            </a:r>
-            <a:r>
-              <a:rPr lang="en-US" altLang="zh-CN" dirty="0">
-                <a:solidFill>
-                  <a:schemeClr val="tx1"/>
-                </a:solidFill>
-                <a:latin typeface="Times New Roman" pitchFamily="18" charset="0"/>
-                <a:cs typeface="Times New Roman" pitchFamily="18" charset="0"/>
-              </a:rPr>
-              <a:t>2</a:t>
-            </a:r>
-            <a:r>
-              <a:rPr lang="zh-CN" altLang="en-US" dirty="0">
-                <a:solidFill>
-                  <a:schemeClr val="tx1"/>
-                </a:solidFill>
-                <a:latin typeface="Times New Roman" pitchFamily="18" charset="0"/>
-                <a:cs typeface="Times New Roman" pitchFamily="18" charset="0"/>
-              </a:rPr>
-              <a:t>）创建工具</a:t>
-            </a:r>
-            <a:r>
-              <a:rPr lang="en-US" altLang="zh-CN" dirty="0">
-                <a:solidFill>
-                  <a:schemeClr val="tx1"/>
-                </a:solidFill>
-                <a:latin typeface="Times New Roman" pitchFamily="18" charset="0"/>
-                <a:cs typeface="Times New Roman" pitchFamily="18" charset="0"/>
-              </a:rPr>
-              <a:t>JavaBean——</a:t>
-            </a:r>
-            <a:r>
-              <a:rPr lang="en-US" altLang="zh-CN" dirty="0" err="1">
-                <a:solidFill>
-                  <a:schemeClr val="tx1"/>
-                </a:solidFill>
-                <a:latin typeface="Times New Roman" pitchFamily="18" charset="0"/>
-                <a:cs typeface="Times New Roman" pitchFamily="18" charset="0"/>
-              </a:rPr>
-              <a:t>MyTools</a:t>
-            </a:r>
-            <a:r>
-              <a:rPr lang="zh-CN" altLang="en-US" dirty="0">
-                <a:solidFill>
-                  <a:schemeClr val="tx1"/>
-                </a:solidFill>
-                <a:latin typeface="Times New Roman" pitchFamily="18" charset="0"/>
-                <a:cs typeface="Times New Roman" pitchFamily="18" charset="0"/>
-              </a:rPr>
-              <a:t>。</a:t>
-            </a:r>
-            <a:endParaRPr lang="en-US" altLang="zh-CN" dirty="0">
-              <a:solidFill>
-                <a:schemeClr val="tx1"/>
-              </a:solidFill>
-              <a:latin typeface="Times New Roman" pitchFamily="18" charset="0"/>
-              <a:cs typeface="Times New Roman" pitchFamily="18" charset="0"/>
-            </a:endParaRPr>
-          </a:p>
-          <a:p>
-            <a:pPr marL="0" indent="457200">
-              <a:buNone/>
-            </a:pPr>
-            <a:r>
-              <a:rPr lang="zh-CN" altLang="en-US" dirty="0">
-                <a:solidFill>
-                  <a:schemeClr val="tx1"/>
-                </a:solidFill>
-                <a:latin typeface="Times New Roman" pitchFamily="18" charset="0"/>
-                <a:cs typeface="Times New Roman" pitchFamily="18" charset="0"/>
-              </a:rPr>
-              <a:t>（</a:t>
-            </a:r>
-            <a:r>
-              <a:rPr lang="en-US" altLang="zh-CN" dirty="0">
-                <a:solidFill>
-                  <a:schemeClr val="tx1"/>
-                </a:solidFill>
-                <a:latin typeface="Times New Roman" pitchFamily="18" charset="0"/>
-                <a:cs typeface="Times New Roman" pitchFamily="18" charset="0"/>
-              </a:rPr>
-              <a:t>3</a:t>
-            </a:r>
-            <a:r>
-              <a:rPr lang="zh-CN" altLang="en-US" dirty="0">
-                <a:solidFill>
-                  <a:schemeClr val="tx1"/>
-                </a:solidFill>
-                <a:latin typeface="Times New Roman" pitchFamily="18" charset="0"/>
-                <a:cs typeface="Times New Roman" pitchFamily="18" charset="0"/>
-              </a:rPr>
-              <a:t>）创建实现购物车的</a:t>
-            </a:r>
-            <a:r>
-              <a:rPr lang="en-US" altLang="zh-CN" dirty="0">
-                <a:solidFill>
-                  <a:schemeClr val="tx1"/>
-                </a:solidFill>
-                <a:latin typeface="Times New Roman" pitchFamily="18" charset="0"/>
-                <a:cs typeface="Times New Roman" pitchFamily="18" charset="0"/>
-              </a:rPr>
-              <a:t>JavaBean——</a:t>
-            </a:r>
-            <a:r>
-              <a:rPr lang="en-US" altLang="zh-CN" dirty="0" err="1">
-                <a:solidFill>
-                  <a:schemeClr val="tx1"/>
-                </a:solidFill>
-                <a:latin typeface="Times New Roman" pitchFamily="18" charset="0"/>
-                <a:cs typeface="Times New Roman" pitchFamily="18" charset="0"/>
-              </a:rPr>
-              <a:t>ShopCar</a:t>
-            </a:r>
-            <a:r>
-              <a:rPr lang="zh-CN" altLang="en-US" dirty="0">
-                <a:solidFill>
-                  <a:schemeClr val="tx1"/>
-                </a:solidFill>
-                <a:latin typeface="Times New Roman" pitchFamily="18" charset="0"/>
-                <a:cs typeface="Times New Roman" pitchFamily="18" charset="0"/>
-              </a:rPr>
-              <a:t>。</a:t>
-            </a:r>
-            <a:endParaRPr lang="en-US" altLang="zh-CN" dirty="0">
-              <a:solidFill>
-                <a:schemeClr val="tx1"/>
-              </a:solidFill>
-              <a:latin typeface="Times New Roman" pitchFamily="18" charset="0"/>
-              <a:cs typeface="Times New Roman" pitchFamily="18" charset="0"/>
-            </a:endParaRPr>
-          </a:p>
-          <a:p>
-            <a:pPr marL="0" indent="457200">
-              <a:buNone/>
-            </a:pPr>
-            <a:r>
-              <a:rPr lang="zh-CN" altLang="en-US" dirty="0">
-                <a:solidFill>
-                  <a:schemeClr val="tx1"/>
-                </a:solidFill>
-                <a:latin typeface="Times New Roman" pitchFamily="18" charset="0"/>
-                <a:cs typeface="Times New Roman" pitchFamily="18" charset="0"/>
-              </a:rPr>
-              <a:t>（</a:t>
-            </a:r>
-            <a:r>
-              <a:rPr lang="en-US" altLang="zh-CN" dirty="0">
-                <a:solidFill>
-                  <a:schemeClr val="tx1"/>
-                </a:solidFill>
-                <a:latin typeface="Times New Roman" pitchFamily="18" charset="0"/>
-                <a:cs typeface="Times New Roman" pitchFamily="18" charset="0"/>
-              </a:rPr>
-              <a:t>4</a:t>
-            </a:r>
-            <a:r>
-              <a:rPr lang="zh-CN" altLang="en-US" dirty="0">
-                <a:solidFill>
-                  <a:schemeClr val="tx1"/>
-                </a:solidFill>
-                <a:latin typeface="Times New Roman" pitchFamily="18" charset="0"/>
-                <a:cs typeface="Times New Roman" pitchFamily="18" charset="0"/>
-              </a:rPr>
-              <a:t>）创建实例的首页面</a:t>
-            </a:r>
-            <a:r>
-              <a:rPr lang="en-US" altLang="zh-CN" dirty="0" err="1">
-                <a:solidFill>
-                  <a:schemeClr val="tx1"/>
-                </a:solidFill>
-                <a:latin typeface="Times New Roman" pitchFamily="18" charset="0"/>
-                <a:cs typeface="Times New Roman" pitchFamily="18" charset="0"/>
-              </a:rPr>
-              <a:t>index.jsp</a:t>
-            </a:r>
-            <a:r>
-              <a:rPr lang="zh-CN" altLang="en-US" dirty="0">
-                <a:solidFill>
-                  <a:schemeClr val="tx1"/>
-                </a:solidFill>
-                <a:latin typeface="Times New Roman" pitchFamily="18" charset="0"/>
-                <a:cs typeface="Times New Roman" pitchFamily="18" charset="0"/>
-              </a:rPr>
-              <a:t>，在该页面中初始化商品信息列表，然后将请求转发到</a:t>
-            </a:r>
-            <a:r>
-              <a:rPr lang="en-US" altLang="zh-CN" dirty="0" err="1">
-                <a:solidFill>
-                  <a:schemeClr val="tx1"/>
-                </a:solidFill>
-                <a:latin typeface="Times New Roman" pitchFamily="18" charset="0"/>
-                <a:cs typeface="Times New Roman" pitchFamily="18" charset="0"/>
-              </a:rPr>
-              <a:t>show.jsp</a:t>
-            </a:r>
-            <a:r>
-              <a:rPr lang="zh-CN" altLang="en-US" dirty="0">
-                <a:solidFill>
-                  <a:schemeClr val="tx1"/>
-                </a:solidFill>
-                <a:latin typeface="Times New Roman" pitchFamily="18" charset="0"/>
-                <a:cs typeface="Times New Roman" pitchFamily="18" charset="0"/>
-              </a:rPr>
-              <a:t>页面显示商品。</a:t>
-            </a:r>
-            <a:endParaRPr lang="en-US" altLang="zh-CN" dirty="0">
-              <a:latin typeface="Times New Roman" pitchFamily="18" charset="0"/>
-              <a:cs typeface="Times New Roman" pitchFamily="18" charset="0"/>
-            </a:endParaRPr>
-          </a:p>
-          <a:p>
-            <a:pPr marL="0" indent="0">
-              <a:buNone/>
-            </a:pPr>
-            <a:endParaRPr lang="zh-CN" altLang="en-US" dirty="0">
-              <a:latin typeface="Times New Roman" pitchFamily="18" charset="0"/>
-              <a:cs typeface="Times New Roman" pitchFamily="18" charset="0"/>
-            </a:endParaRPr>
-          </a:p>
-          <a:p>
-            <a:pPr marL="0" indent="0">
-              <a:buNone/>
-            </a:pPr>
-            <a:endParaRPr lang="zh-CN" altLang="en-US" dirty="0"/>
-          </a:p>
-          <a:p>
-            <a:pPr marL="0" indent="0">
-              <a:buNone/>
-            </a:pPr>
-            <a:endParaRPr lang="zh-CN" altLang="en-US" dirty="0">
-              <a:solidFill>
-                <a:srgbClr val="FF0000"/>
-              </a:solidFill>
-            </a:endParaRPr>
-          </a:p>
-        </p:txBody>
-      </p:sp>
+        </p:nvGraphicFramePr>
+        <p:xfrm>
+          <a:off x="527875" y="1275606"/>
+          <a:ext cx="8229600" cy="3384376"/>
+        </p:xfrm>
+        <a:graphic>
+          <a:graphicData uri="http://schemas.openxmlformats.org/drawingml/2006/diagram">
+            <dgm:relIds xmlns:dgm="http://schemas.openxmlformats.org/drawingml/2006/diagram" xmlns:r="http://schemas.openxmlformats.org/officeDocument/2006/relationships" r:dm="rId2" r:lo="rId3" r:qs="rId4" r:cs="rId5"/>
+          </a:graphicData>
+        </a:graphic>
+      </p:graphicFrame>
     </p:spTree>
-  </p:cSld>
-  <p:clrMapOvr>
-    <a:masterClrMapping/>
-  </p:clrMapOvr>
-</p:sld>
-</file>
-
-<file path=ppt/slides/slide19.xml><?xml version="1.0" encoding="utf-8"?>
-<p:sld xmlns:a="http://schemas.openxmlformats.org/drawingml/2006/main" xmlns:r="http://schemas.openxmlformats.org/officeDocument/2006/relationships" xmlns:p="http://schemas.openxmlformats.org/presentationml/2006/main">
-  <p:cSld>
-    <p:spTree>
-      <p:nvGrpSpPr>
-        <p:cNvPr id="1" name=""/>
-        <p:cNvGrpSpPr/>
-        <p:nvPr/>
-      </p:nvGrpSpPr>
-      <p:grpSpPr>
-        <a:xfrm>
-          <a:off x="0" y="0"/>
-          <a:ext cx="0" cy="0"/>
-          <a:chOff x="0" y="0"/>
-          <a:chExt cx="0" cy="0"/>
-        </a:xfrm>
-      </p:grpSpPr>
-      <p:sp>
-        <p:nvSpPr>
-          <p:cNvPr id="2" name="标题 1"/>
-          <p:cNvSpPr>
-            <a:spLocks noGrp="1"/>
-          </p:cNvSpPr>
-          <p:nvPr>
-            <p:ph type="title"/>
-          </p:nvPr>
-        </p:nvSpPr>
-        <p:spPr/>
-        <p:txBody>
-          <a:bodyPr/>
-          <a:lstStyle/>
-          <a:p>
-            <a:r>
-              <a:rPr lang="en-US" altLang="zh-CN" sz="4000" b="1" dirty="0">
-                <a:effectLst/>
-              </a:rPr>
-              <a:t>10.3 </a:t>
-            </a:r>
-            <a:r>
-              <a:rPr lang="zh-CN" altLang="en-US" sz="4000" b="1" dirty="0">
-                <a:effectLst/>
-              </a:rPr>
-              <a:t>应用</a:t>
-            </a:r>
-            <a:r>
-              <a:rPr lang="en-US" altLang="zh-CN" sz="4000" b="1" dirty="0">
-                <a:effectLst/>
-              </a:rPr>
-              <a:t>JavaBean</a:t>
-            </a:r>
-            <a:r>
-              <a:rPr lang="zh-CN" altLang="en-US" sz="4000" b="1" dirty="0">
-                <a:effectLst/>
-              </a:rPr>
-              <a:t>的开发实例</a:t>
-            </a:r>
-            <a:endParaRPr lang="zh-CN" altLang="en-US" sz="4000" dirty="0"/>
-          </a:p>
-        </p:txBody>
-      </p:sp>
-      <p:sp>
-        <p:nvSpPr>
-          <p:cNvPr id="3" name="内容占位符 2"/>
-          <p:cNvSpPr>
-            <a:spLocks noGrp="1"/>
-          </p:cNvSpPr>
-          <p:nvPr>
-            <p:ph idx="1"/>
-          </p:nvPr>
-        </p:nvSpPr>
-        <p:spPr>
-          <a:xfrm>
-            <a:off x="395536" y="1275606"/>
-            <a:ext cx="7560840" cy="3943350"/>
-          </a:xfrm>
-        </p:spPr>
-        <p:txBody>
-          <a:bodyPr>
-            <a:normAutofit/>
-          </a:bodyPr>
-          <a:lstStyle/>
-          <a:p>
-            <a:pPr marL="0" lvl="0" indent="457200">
-              <a:buNone/>
-            </a:pPr>
-            <a:r>
-              <a:rPr lang="zh-CN" altLang="en-US" dirty="0">
-                <a:solidFill>
-                  <a:schemeClr val="tx1"/>
-                </a:solidFill>
-                <a:latin typeface="Times New Roman" pitchFamily="18" charset="0"/>
-                <a:cs typeface="Times New Roman" pitchFamily="18" charset="0"/>
-              </a:rPr>
-              <a:t>（</a:t>
-            </a:r>
-            <a:r>
-              <a:rPr lang="en-US" altLang="zh-CN" dirty="0">
-                <a:solidFill>
-                  <a:schemeClr val="tx1"/>
-                </a:solidFill>
-                <a:latin typeface="Times New Roman" pitchFamily="18" charset="0"/>
-                <a:cs typeface="Times New Roman" pitchFamily="18" charset="0"/>
-              </a:rPr>
-              <a:t>5</a:t>
-            </a:r>
-            <a:r>
-              <a:rPr lang="zh-CN" altLang="en-US" dirty="0">
-                <a:solidFill>
-                  <a:schemeClr val="tx1"/>
-                </a:solidFill>
-                <a:latin typeface="Times New Roman" pitchFamily="18" charset="0"/>
-                <a:cs typeface="Times New Roman" pitchFamily="18" charset="0"/>
-              </a:rPr>
-              <a:t>）创建</a:t>
-            </a:r>
-            <a:r>
-              <a:rPr lang="en-US" altLang="zh-CN" dirty="0" err="1">
-                <a:solidFill>
-                  <a:schemeClr val="tx1"/>
-                </a:solidFill>
-                <a:latin typeface="Times New Roman" pitchFamily="18" charset="0"/>
-                <a:cs typeface="Times New Roman" pitchFamily="18" charset="0"/>
-              </a:rPr>
-              <a:t>show.jsp</a:t>
-            </a:r>
-            <a:r>
-              <a:rPr lang="zh-CN" altLang="en-US" dirty="0">
-                <a:solidFill>
-                  <a:schemeClr val="tx1"/>
-                </a:solidFill>
-                <a:latin typeface="Times New Roman" pitchFamily="18" charset="0"/>
-                <a:cs typeface="Times New Roman" pitchFamily="18" charset="0"/>
-              </a:rPr>
-              <a:t>页面，该页面显示</a:t>
-            </a:r>
-            <a:r>
-              <a:rPr lang="en-US" altLang="zh-CN" dirty="0" err="1">
-                <a:solidFill>
-                  <a:schemeClr val="tx1"/>
-                </a:solidFill>
-                <a:latin typeface="Times New Roman" pitchFamily="18" charset="0"/>
-                <a:cs typeface="Times New Roman" pitchFamily="18" charset="0"/>
-              </a:rPr>
-              <a:t>index.jsp</a:t>
-            </a:r>
-            <a:r>
-              <a:rPr lang="zh-CN" altLang="en-US" dirty="0">
-                <a:solidFill>
-                  <a:schemeClr val="tx1"/>
-                </a:solidFill>
-                <a:latin typeface="Times New Roman" pitchFamily="18" charset="0"/>
-                <a:cs typeface="Times New Roman" pitchFamily="18" charset="0"/>
-              </a:rPr>
-              <a:t>页面中初始化的商品列表。</a:t>
-            </a:r>
-            <a:endParaRPr lang="en-US" altLang="zh-CN" dirty="0">
-              <a:solidFill>
-                <a:schemeClr val="tx1"/>
-              </a:solidFill>
-              <a:latin typeface="Times New Roman" pitchFamily="18" charset="0"/>
-              <a:cs typeface="Times New Roman" pitchFamily="18" charset="0"/>
-            </a:endParaRPr>
-          </a:p>
-          <a:p>
-            <a:pPr marL="0" lvl="0" indent="457200">
-              <a:buNone/>
-            </a:pPr>
-            <a:r>
-              <a:rPr lang="zh-CN" altLang="en-US" dirty="0">
-                <a:solidFill>
-                  <a:schemeClr val="tx1"/>
-                </a:solidFill>
-                <a:latin typeface="Times New Roman" pitchFamily="18" charset="0"/>
-                <a:cs typeface="Times New Roman" pitchFamily="18" charset="0"/>
-              </a:rPr>
-              <a:t>（</a:t>
-            </a:r>
-            <a:r>
-              <a:rPr lang="en-US" altLang="zh-CN" dirty="0">
-                <a:solidFill>
-                  <a:schemeClr val="tx1"/>
-                </a:solidFill>
-                <a:latin typeface="Times New Roman" pitchFamily="18" charset="0"/>
-                <a:cs typeface="Times New Roman" pitchFamily="18" charset="0"/>
-              </a:rPr>
-              <a:t>6</a:t>
-            </a:r>
-            <a:r>
-              <a:rPr lang="zh-CN" altLang="en-US" dirty="0">
-                <a:solidFill>
-                  <a:schemeClr val="tx1"/>
-                </a:solidFill>
-                <a:latin typeface="Times New Roman" pitchFamily="18" charset="0"/>
-                <a:cs typeface="Times New Roman" pitchFamily="18" charset="0"/>
-              </a:rPr>
-              <a:t>）创建</a:t>
-            </a:r>
-            <a:r>
-              <a:rPr lang="en-US" altLang="zh-CN" dirty="0" err="1">
-                <a:solidFill>
-                  <a:schemeClr val="tx1"/>
-                </a:solidFill>
-                <a:latin typeface="Times New Roman" pitchFamily="18" charset="0"/>
-                <a:cs typeface="Times New Roman" pitchFamily="18" charset="0"/>
-              </a:rPr>
-              <a:t>docar</a:t>
-            </a:r>
-            <a:r>
-              <a:rPr lang="zh-CN" altLang="en-US" dirty="0">
-                <a:solidFill>
-                  <a:schemeClr val="tx1"/>
-                </a:solidFill>
-                <a:latin typeface="Times New Roman" pitchFamily="18" charset="0"/>
-                <a:cs typeface="Times New Roman" pitchFamily="18" charset="0"/>
-              </a:rPr>
-              <a:t>页面，</a:t>
-            </a:r>
-            <a:r>
-              <a:rPr lang="en-US" altLang="zh-CN" dirty="0" err="1">
-                <a:solidFill>
-                  <a:schemeClr val="tx1"/>
-                </a:solidFill>
-                <a:latin typeface="Times New Roman" pitchFamily="18" charset="0"/>
-                <a:cs typeface="Times New Roman" pitchFamily="18" charset="0"/>
-              </a:rPr>
-              <a:t>docar.jsp</a:t>
-            </a:r>
-            <a:r>
-              <a:rPr lang="zh-CN" altLang="en-US" dirty="0">
-                <a:solidFill>
-                  <a:schemeClr val="tx1"/>
-                </a:solidFill>
-                <a:latin typeface="Times New Roman" pitchFamily="18" charset="0"/>
-                <a:cs typeface="Times New Roman" pitchFamily="18" charset="0"/>
-              </a:rPr>
-              <a:t>用来处理用户触发的“购买”、“移除”和“清空”操作。</a:t>
-            </a:r>
-          </a:p>
-          <a:p>
-            <a:pPr marL="0" indent="457200">
-              <a:buNone/>
-            </a:pPr>
-            <a:r>
-              <a:rPr lang="zh-CN" altLang="en-US" dirty="0">
-                <a:solidFill>
-                  <a:schemeClr val="tx1"/>
-                </a:solidFill>
-                <a:latin typeface="Times New Roman" pitchFamily="18" charset="0"/>
-                <a:cs typeface="Times New Roman" pitchFamily="18" charset="0"/>
-              </a:rPr>
-              <a:t>（</a:t>
-            </a:r>
-            <a:r>
-              <a:rPr lang="en-US" altLang="zh-CN" dirty="0">
-                <a:solidFill>
-                  <a:schemeClr val="tx1"/>
-                </a:solidFill>
-                <a:latin typeface="Times New Roman" pitchFamily="18" charset="0"/>
-                <a:cs typeface="Times New Roman" pitchFamily="18" charset="0"/>
-              </a:rPr>
-              <a:t>7</a:t>
-            </a:r>
-            <a:r>
-              <a:rPr lang="zh-CN" altLang="en-US" dirty="0">
-                <a:solidFill>
-                  <a:schemeClr val="tx1"/>
-                </a:solidFill>
-                <a:latin typeface="Times New Roman" pitchFamily="18" charset="0"/>
-                <a:cs typeface="Times New Roman" pitchFamily="18" charset="0"/>
-              </a:rPr>
-              <a:t>）创建</a:t>
-            </a:r>
-            <a:r>
-              <a:rPr lang="en-US" altLang="zh-CN" dirty="0" err="1">
-                <a:solidFill>
-                  <a:schemeClr val="tx1"/>
-                </a:solidFill>
-                <a:latin typeface="Times New Roman" pitchFamily="18" charset="0"/>
-                <a:cs typeface="Times New Roman" pitchFamily="18" charset="0"/>
-              </a:rPr>
-              <a:t>shopcar.jsp</a:t>
-            </a:r>
-            <a:r>
-              <a:rPr lang="zh-CN" altLang="en-US" dirty="0">
-                <a:solidFill>
-                  <a:schemeClr val="tx1"/>
-                </a:solidFill>
-                <a:latin typeface="Times New Roman" pitchFamily="18" charset="0"/>
-                <a:cs typeface="Times New Roman" pitchFamily="18" charset="0"/>
-              </a:rPr>
-              <a:t>页面，该页面用来显示用户购买的商品。</a:t>
-            </a:r>
-          </a:p>
-          <a:p>
-            <a:pPr marL="0" indent="457200">
-              <a:buNone/>
-            </a:pPr>
-            <a:r>
-              <a:rPr lang="zh-CN" altLang="en-US" dirty="0">
-                <a:solidFill>
-                  <a:schemeClr val="tx1"/>
-                </a:solidFill>
-                <a:latin typeface="Times New Roman" pitchFamily="18" charset="0"/>
-                <a:cs typeface="Times New Roman" pitchFamily="18" charset="0"/>
-              </a:rPr>
-              <a:t>至此，应用</a:t>
-            </a:r>
-            <a:r>
-              <a:rPr lang="en-US" altLang="zh-CN" dirty="0">
-                <a:solidFill>
-                  <a:schemeClr val="tx1"/>
-                </a:solidFill>
-                <a:latin typeface="Times New Roman" pitchFamily="18" charset="0"/>
-                <a:cs typeface="Times New Roman" pitchFamily="18" charset="0"/>
-              </a:rPr>
-              <a:t>JavaBean</a:t>
-            </a:r>
-            <a:r>
-              <a:rPr lang="zh-CN" altLang="en-US" dirty="0">
-                <a:solidFill>
-                  <a:schemeClr val="tx1"/>
-                </a:solidFill>
-                <a:latin typeface="Times New Roman" pitchFamily="18" charset="0"/>
-                <a:cs typeface="Times New Roman" pitchFamily="18" charset="0"/>
-              </a:rPr>
-              <a:t>实现购物车的实例创建完成。</a:t>
-            </a:r>
-          </a:p>
-          <a:p>
-            <a:pPr marL="0" indent="0">
-              <a:buNone/>
-            </a:pPr>
-            <a:endParaRPr lang="zh-CN" altLang="en-US" dirty="0"/>
-          </a:p>
-          <a:p>
-            <a:pPr marL="0" indent="0">
-              <a:buNone/>
-            </a:pPr>
-            <a:endParaRPr lang="en-US" altLang="zh-CN" dirty="0"/>
-          </a:p>
-          <a:p>
-            <a:pPr marL="0" indent="0">
-              <a:buNone/>
-            </a:pPr>
-            <a:endParaRPr lang="zh-CN" altLang="en-US" dirty="0"/>
-          </a:p>
-          <a:p>
-            <a:pPr marL="0" indent="0">
-              <a:buNone/>
-            </a:pPr>
-            <a:endParaRPr lang="zh-CN" altLang="en-US" dirty="0"/>
-          </a:p>
-          <a:p>
-            <a:pPr marL="0" indent="0">
-              <a:buNone/>
-            </a:pPr>
-            <a:endParaRPr lang="zh-CN" altLang="en-US" dirty="0">
-              <a:solidFill>
-                <a:srgbClr val="FF0000"/>
-              </a:solidFill>
-            </a:endParaRPr>
-          </a:p>
-        </p:txBody>
-      </p:sp>
-    </p:spTree>
-    <p:extLst>
-      <p:ext uri="{BB962C8B-B14F-4D97-AF65-F5344CB8AC3E}">
-        <p14:creationId xmlns:p14="http://schemas.microsoft.com/office/powerpoint/2010/main" val="1859271089"/>
-      </p:ext>
-    </p:extLst>
   </p:cSld>
   <p:clrMapOvr>
     <a:masterClrMapping/>
@@ -16421,82 +18889,6 @@
           </a:effectLst>
         </p:spPr>
       </p:pic>
-    </p:spTree>
-  </p:cSld>
-  <p:clrMapOvr>
-    <a:masterClrMapping/>
-  </p:clrMapOvr>
-</p:sld>
-</file>
-
-<file path=ppt/slides/slide20.xml><?xml version="1.0" encoding="utf-8"?>
-<p:sld xmlns:a="http://schemas.openxmlformats.org/drawingml/2006/main" xmlns:r="http://schemas.openxmlformats.org/officeDocument/2006/relationships" xmlns:p="http://schemas.openxmlformats.org/presentationml/2006/main">
-  <p:cSld>
-    <p:spTree>
-      <p:nvGrpSpPr>
-        <p:cNvPr id="1" name=""/>
-        <p:cNvGrpSpPr/>
-        <p:nvPr/>
-      </p:nvGrpSpPr>
-      <p:grpSpPr>
-        <a:xfrm>
-          <a:off x="0" y="0"/>
-          <a:ext cx="0" cy="0"/>
-          <a:chOff x="0" y="0"/>
-          <a:chExt cx="0" cy="0"/>
-        </a:xfrm>
-      </p:grpSpPr>
-      <p:sp>
-        <p:nvSpPr>
-          <p:cNvPr id="2" name="标题 1"/>
-          <p:cNvSpPr>
-            <a:spLocks noGrp="1"/>
-          </p:cNvSpPr>
-          <p:nvPr>
-            <p:ph type="title"/>
-          </p:nvPr>
-        </p:nvSpPr>
-        <p:spPr/>
-        <p:txBody>
-          <a:bodyPr/>
-          <a:lstStyle/>
-          <a:p>
-            <a:r>
-              <a:rPr lang="en-US" altLang="zh-CN" sz="4800" dirty="0"/>
-              <a:t>10.4</a:t>
-            </a:r>
-            <a:r>
-              <a:rPr lang="zh-CN" altLang="en-US" sz="4800" dirty="0"/>
-              <a:t>思考题</a:t>
-            </a:r>
-          </a:p>
-        </p:txBody>
-      </p:sp>
-      <p:graphicFrame>
-        <p:nvGraphicFramePr>
-          <p:cNvPr id="5" name="内容占位符 4"/>
-          <p:cNvGraphicFramePr>
-            <a:graphicFrameLocks noGrp="1"/>
-          </p:cNvGraphicFramePr>
-          <p:nvPr>
-            <p:ph idx="1"/>
-            <p:extLst>
-              <p:ext uri="{D42A27DB-BD31-4B8C-83A1-F6EECF244321}">
-                <p14:modId xmlns:p14="http://schemas.microsoft.com/office/powerpoint/2010/main" val="1068982609"/>
-              </p:ext>
-            </p:extLst>
-          </p:nvPr>
-        </p:nvGraphicFramePr>
-        <p:xfrm>
-          <a:off x="527875" y="1275606"/>
-          <a:ext cx="8229600" cy="3384376"/>
-        </p:xfrm>
-        <a:graphic>
-          <a:graphicData uri="http://schemas.openxmlformats.org/drawingml/2006/diagram">
-            <dgm:relIds xmlns:dgm="http://schemas.openxmlformats.org/drawingml/2006/diagram" xmlns:r="http://schemas.openxmlformats.org/officeDocument/2006/relationships" r:dm="rId2" r:lo="rId3" r:qs="rId4" r:cs="rId5"/>
-          </a:graphicData>
-        </a:graphic>
-      </p:graphicFrame>
     </p:spTree>
   </p:cSld>
   <p:clrMapOvr>

--- a/JSP PPT/第10章 应用JavaBean技术.pptx
+++ b/JSP PPT/第10章 应用JavaBean技术.pptx
@@ -12542,7 +12542,7 @@
           <a:p>
             <a:fld id="{530820CF-B880-4189-942D-D702A7CBA730}" type="datetimeFigureOut">
               <a:rPr lang="zh-CN" altLang="en-US" smtClean="0"/>
-              <a:t>2019/10/15</a:t>
+              <a:t>2019/10/24</a:t>
             </a:fld>
             <a:endParaRPr lang="zh-CN" altLang="en-US"/>
           </a:p>
@@ -12707,7 +12707,7 @@
           <a:p>
             <a:fld id="{530820CF-B880-4189-942D-D702A7CBA730}" type="datetimeFigureOut">
               <a:rPr lang="zh-CN" altLang="en-US" smtClean="0"/>
-              <a:t>2019/10/15</a:t>
+              <a:t>2019/10/24</a:t>
             </a:fld>
             <a:endParaRPr lang="zh-CN" altLang="en-US"/>
           </a:p>
@@ -12882,7 +12882,7 @@
           <a:p>
             <a:fld id="{530820CF-B880-4189-942D-D702A7CBA730}" type="datetimeFigureOut">
               <a:rPr lang="zh-CN" altLang="en-US" smtClean="0"/>
-              <a:t>2019/10/15</a:t>
+              <a:t>2019/10/24</a:t>
             </a:fld>
             <a:endParaRPr lang="zh-CN" altLang="en-US"/>
           </a:p>
@@ -13065,7 +13065,7 @@
           <a:p>
             <a:fld id="{530820CF-B880-4189-942D-D702A7CBA730}" type="datetimeFigureOut">
               <a:rPr lang="zh-CN" altLang="en-US" smtClean="0"/>
-              <a:t>2019/10/15</a:t>
+              <a:t>2019/10/24</a:t>
             </a:fld>
             <a:endParaRPr lang="zh-CN" altLang="en-US"/>
           </a:p>
@@ -13327,7 +13327,7 @@
           <a:p>
             <a:fld id="{530820CF-B880-4189-942D-D702A7CBA730}" type="datetimeFigureOut">
               <a:rPr lang="zh-CN" altLang="en-US" smtClean="0"/>
-              <a:t>2019/10/15</a:t>
+              <a:t>2019/10/24</a:t>
             </a:fld>
             <a:endParaRPr lang="zh-CN" altLang="en-US"/>
           </a:p>
@@ -13675,7 +13675,7 @@
           <a:p>
             <a:fld id="{530820CF-B880-4189-942D-D702A7CBA730}" type="datetimeFigureOut">
               <a:rPr lang="zh-CN" altLang="en-US" smtClean="0"/>
-              <a:t>2019/10/15</a:t>
+              <a:t>2019/10/24</a:t>
             </a:fld>
             <a:endParaRPr lang="zh-CN" altLang="en-US"/>
           </a:p>
@@ -13983,7 +13983,7 @@
           <a:p>
             <a:fld id="{530820CF-B880-4189-942D-D702A7CBA730}" type="datetimeFigureOut">
               <a:rPr lang="zh-CN" altLang="en-US" smtClean="0"/>
-              <a:t>2019/10/15</a:t>
+              <a:t>2019/10/24</a:t>
             </a:fld>
             <a:endParaRPr lang="zh-CN" altLang="en-US"/>
           </a:p>
@@ -14210,7 +14210,7 @@
           <a:p>
             <a:fld id="{530820CF-B880-4189-942D-D702A7CBA730}" type="datetimeFigureOut">
               <a:rPr lang="zh-CN" altLang="en-US" smtClean="0"/>
-              <a:t>2019/10/15</a:t>
+              <a:t>2019/10/24</a:t>
             </a:fld>
             <a:endParaRPr lang="zh-CN" altLang="en-US"/>
           </a:p>
@@ -14300,7 +14300,7 @@
           <a:p>
             <a:fld id="{530820CF-B880-4189-942D-D702A7CBA730}" type="datetimeFigureOut">
               <a:rPr lang="zh-CN" altLang="en-US" smtClean="0"/>
-              <a:t>2019/10/15</a:t>
+              <a:t>2019/10/24</a:t>
             </a:fld>
             <a:endParaRPr lang="zh-CN" altLang="en-US"/>
           </a:p>
@@ -14588,7 +14588,7 @@
           <a:p>
             <a:fld id="{530820CF-B880-4189-942D-D702A7CBA730}" type="datetimeFigureOut">
               <a:rPr lang="zh-CN" altLang="en-US" smtClean="0"/>
-              <a:t>2019/10/15</a:t>
+              <a:t>2019/10/24</a:t>
             </a:fld>
             <a:endParaRPr lang="zh-CN" altLang="en-US"/>
           </a:p>
@@ -14857,7 +14857,7 @@
           <a:p>
             <a:fld id="{530820CF-B880-4189-942D-D702A7CBA730}" type="datetimeFigureOut">
               <a:rPr lang="zh-CN" altLang="en-US" smtClean="0"/>
-              <a:t>2019/10/15</a:t>
+              <a:t>2019/10/24</a:t>
             </a:fld>
             <a:endParaRPr lang="zh-CN" altLang="en-US"/>
           </a:p>
@@ -15067,7 +15067,7 @@
           <a:p>
             <a:fld id="{530820CF-B880-4189-942D-D702A7CBA730}" type="datetimeFigureOut">
               <a:rPr lang="zh-CN" altLang="en-US" smtClean="0"/>
-              <a:t>2019/10/15</a:t>
+              <a:t>2019/10/24</a:t>
             </a:fld>
             <a:endParaRPr lang="zh-CN" altLang="en-US"/>
           </a:p>
@@ -15587,7 +15587,13 @@
       </p:grpSpPr>
       <p:sp>
         <p:nvSpPr>
-          <p:cNvPr id="2" name="标题 1"/>
+          <p:cNvPr id="11" name="标题 1">
+            <a:extLst>
+              <a:ext uri="{FF2B5EF4-FFF2-40B4-BE49-F238E27FC236}">
+                <a16:creationId xmlns:a16="http://schemas.microsoft.com/office/drawing/2014/main" id="{F6819B53-1DAB-455C-8E98-0A414FD32BF2}"/>
+              </a:ext>
+            </a:extLst>
+          </p:cNvPr>
           <p:cNvSpPr>
             <a:spLocks noGrp="1"/>
           </p:cNvSpPr>
@@ -15606,24 +15612,23 @@
           <a:lstStyle/>
           <a:p>
             <a:r>
-              <a:rPr lang="en-US" altLang="zh-CN" sz="3600" dirty="0"/>
-              <a:t>《</a:t>
-            </a:r>
-            <a:r>
-              <a:rPr lang="zh-CN" altLang="en-US" sz="3600" dirty="0"/>
+              <a:rPr lang="zh-CN" altLang="en-US" sz="4400" dirty="0">
+                <a:latin typeface="+mj-ea"/>
+              </a:rPr>
               <a:t>商务网站设计与开发</a:t>
             </a:r>
-            <a:r>
-              <a:rPr lang="en-US" altLang="zh-CN" sz="3600" dirty="0"/>
-              <a:t>》</a:t>
-            </a:r>
-            <a:endParaRPr lang="zh-CN" altLang="en-US" sz="3600" dirty="0"/>
           </a:p>
         </p:txBody>
       </p:sp>
       <p:sp>
         <p:nvSpPr>
-          <p:cNvPr id="3" name="副标题 2"/>
+          <p:cNvPr id="12" name="副标题 2">
+            <a:extLst>
+              <a:ext uri="{FF2B5EF4-FFF2-40B4-BE49-F238E27FC236}">
+                <a16:creationId xmlns:a16="http://schemas.microsoft.com/office/drawing/2014/main" id="{139D7504-8CBF-4E46-A649-0855557232F1}"/>
+              </a:ext>
+            </a:extLst>
+          </p:cNvPr>
           <p:cNvSpPr>
             <a:spLocks noGrp="1"/>
           </p:cNvSpPr>
@@ -15631,33 +15636,68 @@
             <p:ph type="subTitle" idx="1"/>
           </p:nvPr>
         </p:nvSpPr>
-        <p:spPr/>
+        <p:spPr>
+          <a:xfrm>
+            <a:off x="1371600" y="3505072"/>
+            <a:ext cx="6400800" cy="596458"/>
+          </a:xfrm>
+        </p:spPr>
         <p:txBody>
           <a:bodyPr>
-            <a:normAutofit fontScale="77500" lnSpcReduction="20000"/>
+            <a:normAutofit/>
           </a:bodyPr>
           <a:lstStyle/>
           <a:p>
-            <a:r>
-              <a:rPr lang="zh-CN" altLang="en-US" dirty="0"/>
-              <a:t>温浩宇  李慧</a:t>
-            </a:r>
-            <a:endParaRPr lang="en-US" altLang="zh-CN" dirty="0"/>
-          </a:p>
-          <a:p>
-            <a:endParaRPr lang="en-US" altLang="zh-CN" dirty="0"/>
-          </a:p>
-          <a:p>
-            <a:r>
-              <a:rPr lang="zh-CN" altLang="en-US" dirty="0"/>
-              <a:t>西安电子科技大学</a:t>
-            </a:r>
+            <a:pPr>
+              <a:spcBef>
+                <a:spcPct val="0"/>
+              </a:spcBef>
+            </a:pPr>
+            <a:r>
+              <a:rPr lang="zh-CN" altLang="en-US" sz="3200" dirty="0">
+                <a:solidFill>
+                  <a:schemeClr val="tx2"/>
+                </a:solidFill>
+                <a:effectLst>
+                  <a:outerShdw blurRad="63500" dist="38100" dir="5400000" algn="t" rotWithShape="0">
+                    <a:prstClr val="black">
+                      <a:alpha val="25000"/>
+                    </a:prstClr>
+                  </a:outerShdw>
+                </a:effectLst>
+                <a:latin typeface="+mj-ea"/>
+                <a:ea typeface="+mj-ea"/>
+                <a:cs typeface="+mj-cs"/>
+              </a:rPr>
+              <a:t>温浩宇</a:t>
+            </a:r>
+            <a:endParaRPr lang="zh-CN" altLang="en-US" sz="3600" dirty="0">
+              <a:solidFill>
+                <a:schemeClr val="tx2"/>
+              </a:solidFill>
+              <a:effectLst>
+                <a:outerShdw blurRad="63500" dist="38100" dir="5400000" algn="t" rotWithShape="0">
+                  <a:prstClr val="black">
+                    <a:alpha val="25000"/>
+                  </a:prstClr>
+                </a:outerShdw>
+              </a:effectLst>
+              <a:latin typeface="+mj-ea"/>
+              <a:ea typeface="+mj-ea"/>
+              <a:cs typeface="+mj-cs"/>
+            </a:endParaRPr>
           </a:p>
         </p:txBody>
       </p:sp>
       <p:pic>
         <p:nvPicPr>
-          <p:cNvPr id="2051" name="Picture 3"/>
+          <p:cNvPr id="13" name="Picture 3">
+            <a:extLst>
+              <a:ext uri="{FF2B5EF4-FFF2-40B4-BE49-F238E27FC236}">
+                <a16:creationId xmlns:a16="http://schemas.microsoft.com/office/drawing/2014/main" id="{73F31A61-5F77-4967-8F32-C96F7A5B7B66}"/>
+              </a:ext>
+            </a:extLst>
+          </p:cNvPr>
           <p:cNvPicPr>
             <a:picLocks noChangeAspect="1" noChangeArrowheads="1"/>
           </p:cNvPicPr>
@@ -15678,7 +15718,7 @@
         </p:blipFill>
         <p:spPr bwMode="auto">
           <a:xfrm>
-            <a:off x="3440155" y="1723319"/>
+            <a:off x="3203848" y="2225080"/>
             <a:ext cx="792815" cy="1080120"/>
           </a:xfrm>
           <a:prstGeom prst="rect">
@@ -15711,13 +15751,21 @@
       </p:pic>
       <p:sp>
         <p:nvSpPr>
-          <p:cNvPr id="6" name="标题 1"/>
-          <p:cNvSpPr txBox="1"/>
+          <p:cNvPr id="14" name="标题 1">
+            <a:extLst>
+              <a:ext uri="{FF2B5EF4-FFF2-40B4-BE49-F238E27FC236}">
+                <a16:creationId xmlns:a16="http://schemas.microsoft.com/office/drawing/2014/main" id="{77C7BF7A-BDF4-4490-9104-2663D83B51DF}"/>
+              </a:ext>
+            </a:extLst>
+          </p:cNvPr>
+          <p:cNvSpPr txBox="1">
+            <a:spLocks/>
+          </p:cNvSpPr>
           <p:nvPr/>
         </p:nvSpPr>
         <p:spPr>
           <a:xfrm>
-            <a:off x="683568" y="3003798"/>
+            <a:off x="685800" y="1428750"/>
             <a:ext cx="7772400" cy="596458"/>
           </a:xfrm>
           <a:prstGeom prst="rect">
@@ -15756,15 +15804,47 @@
           </a:lstStyle>
           <a:p>
             <a:r>
-              <a:rPr sz="3600" dirty="0"/>
-              <a:t>第10章 应用JavaBean技术</a:t>
+              <a:rPr lang="zh-CN" altLang="en-US" sz="3200" dirty="0">
+                <a:latin typeface="+mj-ea"/>
+              </a:rPr>
+              <a:t>第</a:t>
+            </a:r>
+            <a:r>
+              <a:rPr lang="en-US" altLang="zh-CN" sz="3200" dirty="0">
+                <a:latin typeface="+mj-ea"/>
+              </a:rPr>
+              <a:t>10</a:t>
+            </a:r>
+            <a:r>
+              <a:rPr lang="zh-CN" altLang="en-US" sz="3200" dirty="0">
+                <a:latin typeface="+mj-ea"/>
+              </a:rPr>
+              <a:t>章 应用</a:t>
+            </a:r>
+            <a:r>
+              <a:rPr lang="en-US" altLang="zh-CN" sz="3200" dirty="0">
+                <a:latin typeface="+mj-ea"/>
+              </a:rPr>
+              <a:t>JavaBean</a:t>
+            </a:r>
+            <a:r>
+              <a:rPr lang="zh-CN" altLang="en-US" sz="3200" dirty="0">
+                <a:latin typeface="+mj-ea"/>
+              </a:rPr>
+              <a:t>技术</a:t>
             </a:r>
           </a:p>
         </p:txBody>
       </p:sp>
       <p:pic>
         <p:nvPicPr>
-          <p:cNvPr id="7" name="Picture 2" descr="https://timgsa.baidu.com/timg?image&amp;quality=80&amp;size=b9999_10000&amp;sec=1493707801922&amp;di=a778f19d7f0d1e13a6f35b73b9469273&amp;imgtype=0&amp;src=http%3A%2F%2Fpic.baike.soso.com%2Fp%2F20120826%2Fbki-20120826090810-1627753076.jpg"/>
+          <p:cNvPr id="15" name="Picture 2" descr="https://timgsa.baidu.com/timg?image&amp;quality=80&amp;size=b9999_10000&amp;sec=1493707801922&amp;di=a778f19d7f0d1e13a6f35b73b9469273&amp;imgtype=0&amp;src=http%3A%2F%2Fpic.baike.soso.com%2Fp%2F20120826%2Fbki-20120826090810-1627753076.jpg">
+            <a:extLst>
+              <a:ext uri="{FF2B5EF4-FFF2-40B4-BE49-F238E27FC236}">
+                <a16:creationId xmlns:a16="http://schemas.microsoft.com/office/drawing/2014/main" id="{8940F093-3CF6-48D1-AABE-F5B4347EAB0C}"/>
+              </a:ext>
+            </a:extLst>
+          </p:cNvPr>
           <p:cNvPicPr>
             <a:picLocks noChangeAspect="1" noChangeArrowheads="1"/>
           </p:cNvPicPr>
@@ -15785,7 +15865,7 @@
         </p:blipFill>
         <p:spPr bwMode="auto">
           <a:xfrm>
-            <a:off x="4860032" y="1636161"/>
+            <a:off x="4788024" y="2137922"/>
             <a:ext cx="1254435" cy="1254435"/>
           </a:xfrm>
           <a:prstGeom prst="rect">
@@ -15803,6 +15883,215 @@
           </a:extLst>
         </p:spPr>
       </p:pic>
+      <p:sp>
+        <p:nvSpPr>
+          <p:cNvPr id="16" name="副标题 2">
+            <a:extLst>
+              <a:ext uri="{FF2B5EF4-FFF2-40B4-BE49-F238E27FC236}">
+                <a16:creationId xmlns:a16="http://schemas.microsoft.com/office/drawing/2014/main" id="{18126C5C-60A8-48D4-B99B-B13D228DB33B}"/>
+              </a:ext>
+            </a:extLst>
+          </p:cNvPr>
+          <p:cNvSpPr txBox="1">
+            <a:spLocks/>
+          </p:cNvSpPr>
+          <p:nvPr/>
+        </p:nvSpPr>
+        <p:spPr>
+          <a:xfrm>
+            <a:off x="1371600" y="4169278"/>
+            <a:ext cx="6400800" cy="641426"/>
+          </a:xfrm>
+          <a:prstGeom prst="rect">
+            <a:avLst/>
+          </a:prstGeom>
+        </p:spPr>
+        <p:txBody>
+          <a:bodyPr vert="horz" lIns="91440" tIns="45720" rIns="91440" bIns="45720" rtlCol="0">
+            <a:normAutofit/>
+          </a:bodyPr>
+          <a:lstStyle>
+            <a:lvl1pPr marL="0" indent="0" algn="ctr" defTabSz="914400" rtl="0" eaLnBrk="1" latinLnBrk="0" hangingPunct="1">
+              <a:spcBef>
+                <a:spcPct val="20000"/>
+              </a:spcBef>
+              <a:buFont typeface="Arial" pitchFamily="34" charset="0"/>
+              <a:buNone/>
+              <a:defRPr sz="2400" kern="1200">
+                <a:solidFill>
+                  <a:schemeClr val="tx1">
+                    <a:tint val="75000"/>
+                  </a:schemeClr>
+                </a:solidFill>
+                <a:latin typeface="+mj-lt"/>
+                <a:ea typeface="+mn-ea"/>
+                <a:cs typeface="+mn-cs"/>
+              </a:defRPr>
+            </a:lvl1pPr>
+            <a:lvl2pPr marL="457200" indent="0" algn="ctr" defTabSz="914400" rtl="0" eaLnBrk="1" latinLnBrk="0" hangingPunct="1">
+              <a:spcBef>
+                <a:spcPct val="20000"/>
+              </a:spcBef>
+              <a:buFont typeface="Courier New" pitchFamily="49" charset="0"/>
+              <a:buNone/>
+              <a:defRPr sz="1600" kern="1200">
+                <a:solidFill>
+                  <a:schemeClr val="tx1">
+                    <a:tint val="75000"/>
+                  </a:schemeClr>
+                </a:solidFill>
+                <a:latin typeface="+mj-lt"/>
+                <a:ea typeface="+mn-ea"/>
+                <a:cs typeface="+mn-cs"/>
+              </a:defRPr>
+            </a:lvl2pPr>
+            <a:lvl3pPr marL="914400" indent="0" algn="ctr" defTabSz="914400" rtl="0" eaLnBrk="1" latinLnBrk="0" hangingPunct="1">
+              <a:spcBef>
+                <a:spcPct val="20000"/>
+              </a:spcBef>
+              <a:buFont typeface="Arial" pitchFamily="34" charset="0"/>
+              <a:buNone/>
+              <a:defRPr sz="1600" kern="1200">
+                <a:solidFill>
+                  <a:schemeClr val="tx1">
+                    <a:tint val="75000"/>
+                  </a:schemeClr>
+                </a:solidFill>
+                <a:latin typeface="+mj-lt"/>
+                <a:ea typeface="+mn-ea"/>
+                <a:cs typeface="+mn-cs"/>
+              </a:defRPr>
+            </a:lvl3pPr>
+            <a:lvl4pPr marL="1371600" indent="0" algn="ctr" defTabSz="914400" rtl="0" eaLnBrk="1" latinLnBrk="0" hangingPunct="1">
+              <a:spcBef>
+                <a:spcPct val="20000"/>
+              </a:spcBef>
+              <a:buFont typeface="Courier New" pitchFamily="49" charset="0"/>
+              <a:buNone/>
+              <a:defRPr sz="1600" kern="1200">
+                <a:solidFill>
+                  <a:schemeClr val="tx1">
+                    <a:tint val="75000"/>
+                  </a:schemeClr>
+                </a:solidFill>
+                <a:latin typeface="+mj-lt"/>
+                <a:ea typeface="+mn-ea"/>
+                <a:cs typeface="+mn-cs"/>
+              </a:defRPr>
+            </a:lvl4pPr>
+            <a:lvl5pPr marL="1828800" indent="0" algn="ctr" defTabSz="914400" rtl="0" eaLnBrk="1" latinLnBrk="0" hangingPunct="1">
+              <a:spcBef>
+                <a:spcPct val="20000"/>
+              </a:spcBef>
+              <a:buFont typeface="Arial" pitchFamily="34" charset="0"/>
+              <a:buNone/>
+              <a:defRPr sz="1600" kern="1200">
+                <a:solidFill>
+                  <a:schemeClr val="tx1">
+                    <a:tint val="75000"/>
+                  </a:schemeClr>
+                </a:solidFill>
+                <a:latin typeface="+mj-lt"/>
+                <a:ea typeface="+mn-ea"/>
+                <a:cs typeface="+mn-cs"/>
+              </a:defRPr>
+            </a:lvl5pPr>
+            <a:lvl6pPr marL="2286000" indent="0" algn="ctr" defTabSz="914400" rtl="0" eaLnBrk="1" latinLnBrk="0" hangingPunct="1">
+              <a:spcBef>
+                <a:spcPct val="20000"/>
+              </a:spcBef>
+              <a:buFont typeface="Courier New" pitchFamily="49" charset="0"/>
+              <a:buNone/>
+              <a:defRPr sz="1600" kern="1200">
+                <a:solidFill>
+                  <a:schemeClr val="tx1">
+                    <a:tint val="75000"/>
+                  </a:schemeClr>
+                </a:solidFill>
+                <a:latin typeface="+mj-lt"/>
+                <a:ea typeface="+mn-ea"/>
+                <a:cs typeface="+mn-cs"/>
+              </a:defRPr>
+            </a:lvl6pPr>
+            <a:lvl7pPr marL="2743200" indent="0" algn="ctr" defTabSz="914400" rtl="0" eaLnBrk="1" latinLnBrk="0" hangingPunct="1">
+              <a:spcBef>
+                <a:spcPct val="20000"/>
+              </a:spcBef>
+              <a:buFont typeface="Arial" pitchFamily="34" charset="0"/>
+              <a:buNone/>
+              <a:defRPr sz="1600" kern="1200">
+                <a:solidFill>
+                  <a:schemeClr val="tx1">
+                    <a:tint val="75000"/>
+                  </a:schemeClr>
+                </a:solidFill>
+                <a:latin typeface="+mj-lt"/>
+                <a:ea typeface="+mn-ea"/>
+                <a:cs typeface="+mn-cs"/>
+              </a:defRPr>
+            </a:lvl7pPr>
+            <a:lvl8pPr marL="3200400" indent="0" algn="ctr" defTabSz="914400" rtl="0" eaLnBrk="1" latinLnBrk="0" hangingPunct="1">
+              <a:spcBef>
+                <a:spcPct val="20000"/>
+              </a:spcBef>
+              <a:buFont typeface="Courier New" pitchFamily="49" charset="0"/>
+              <a:buNone/>
+              <a:defRPr sz="1600" kern="1200">
+                <a:solidFill>
+                  <a:schemeClr val="tx1">
+                    <a:tint val="75000"/>
+                  </a:schemeClr>
+                </a:solidFill>
+                <a:latin typeface="+mj-lt"/>
+                <a:ea typeface="+mn-ea"/>
+                <a:cs typeface="+mn-cs"/>
+              </a:defRPr>
+            </a:lvl8pPr>
+            <a:lvl9pPr marL="3657600" indent="0" algn="ctr" defTabSz="914400" rtl="0" eaLnBrk="1" latinLnBrk="0" hangingPunct="1">
+              <a:spcBef>
+                <a:spcPct val="20000"/>
+              </a:spcBef>
+              <a:buFont typeface="Arial" pitchFamily="34" charset="0"/>
+              <a:buNone/>
+              <a:defRPr sz="1600" kern="1200">
+                <a:solidFill>
+                  <a:schemeClr val="tx1">
+                    <a:tint val="75000"/>
+                  </a:schemeClr>
+                </a:solidFill>
+                <a:latin typeface="+mj-lt"/>
+                <a:ea typeface="+mn-ea"/>
+                <a:cs typeface="+mn-cs"/>
+              </a:defRPr>
+            </a:lvl9pPr>
+          </a:lstStyle>
+          <a:p>
+            <a:pPr>
+              <a:spcBef>
+                <a:spcPct val="0"/>
+              </a:spcBef>
+            </a:pPr>
+            <a:r>
+              <a:rPr lang="zh-CN" altLang="en-US" sz="3600" dirty="0">
+                <a:solidFill>
+                  <a:schemeClr val="tx2"/>
+                </a:solidFill>
+                <a:effectLst>
+                  <a:outerShdw blurRad="63500" dist="38100" dir="5400000" algn="t" rotWithShape="0">
+                    <a:prstClr val="black">
+                      <a:alpha val="25000"/>
+                    </a:prstClr>
+                  </a:outerShdw>
+                </a:effectLst>
+                <a:latin typeface="+mj-ea"/>
+                <a:ea typeface="+mj-ea"/>
+                <a:cs typeface="+mj-cs"/>
+              </a:rPr>
+              <a:t>西安电子科技大学</a:t>
+            </a:r>
+          </a:p>
+        </p:txBody>
+      </p:sp>
     </p:spTree>
   </p:cSld>
   <p:clrMapOvr>
